--- a/[AHH] - Mengintip Data YouTuber Indonesia_20200918.pptx
+++ b/[AHH] - Mengintip Data YouTuber Indonesia_20200918.pptx
@@ -5,37 +5,39 @@
     <p:sldMasterId id="2147483648" r:id="rId1"/>
   </p:sldMasterIdLst>
   <p:sldIdLst>
-    <p:sldId id="256" r:id="rId2"/>
-    <p:sldId id="257" r:id="rId3"/>
-    <p:sldId id="278" r:id="rId4"/>
-    <p:sldId id="279" r:id="rId5"/>
-    <p:sldId id="280" r:id="rId6"/>
-    <p:sldId id="258" r:id="rId7"/>
-    <p:sldId id="277" r:id="rId8"/>
-    <p:sldId id="281" r:id="rId9"/>
-    <p:sldId id="259" r:id="rId10"/>
-    <p:sldId id="261" r:id="rId11"/>
-    <p:sldId id="262" r:id="rId12"/>
-    <p:sldId id="263" r:id="rId13"/>
-    <p:sldId id="264" r:id="rId14"/>
-    <p:sldId id="265" r:id="rId15"/>
-    <p:sldId id="266" r:id="rId16"/>
-    <p:sldId id="267" r:id="rId17"/>
-    <p:sldId id="270" r:id="rId18"/>
-    <p:sldId id="272" r:id="rId19"/>
-    <p:sldId id="260" r:id="rId20"/>
-    <p:sldId id="284" r:id="rId21"/>
-    <p:sldId id="273" r:id="rId22"/>
-    <p:sldId id="269" r:id="rId23"/>
-    <p:sldId id="271" r:id="rId24"/>
-    <p:sldId id="268" r:id="rId25"/>
-    <p:sldId id="283" r:id="rId26"/>
-    <p:sldId id="286" r:id="rId27"/>
-    <p:sldId id="274" r:id="rId28"/>
-    <p:sldId id="285" r:id="rId29"/>
-    <p:sldId id="276" r:id="rId30"/>
-    <p:sldId id="282" r:id="rId31"/>
-    <p:sldId id="287" r:id="rId32"/>
+    <p:sldId id="310" r:id="rId2"/>
+    <p:sldId id="256" r:id="rId3"/>
+    <p:sldId id="257" r:id="rId4"/>
+    <p:sldId id="278" r:id="rId5"/>
+    <p:sldId id="279" r:id="rId6"/>
+    <p:sldId id="280" r:id="rId7"/>
+    <p:sldId id="258" r:id="rId8"/>
+    <p:sldId id="277" r:id="rId9"/>
+    <p:sldId id="281" r:id="rId10"/>
+    <p:sldId id="311" r:id="rId11"/>
+    <p:sldId id="259" r:id="rId12"/>
+    <p:sldId id="261" r:id="rId13"/>
+    <p:sldId id="262" r:id="rId14"/>
+    <p:sldId id="263" r:id="rId15"/>
+    <p:sldId id="264" r:id="rId16"/>
+    <p:sldId id="265" r:id="rId17"/>
+    <p:sldId id="266" r:id="rId18"/>
+    <p:sldId id="267" r:id="rId19"/>
+    <p:sldId id="270" r:id="rId20"/>
+    <p:sldId id="272" r:id="rId21"/>
+    <p:sldId id="260" r:id="rId22"/>
+    <p:sldId id="284" r:id="rId23"/>
+    <p:sldId id="273" r:id="rId24"/>
+    <p:sldId id="269" r:id="rId25"/>
+    <p:sldId id="271" r:id="rId26"/>
+    <p:sldId id="268" r:id="rId27"/>
+    <p:sldId id="283" r:id="rId28"/>
+    <p:sldId id="286" r:id="rId29"/>
+    <p:sldId id="274" r:id="rId30"/>
+    <p:sldId id="285" r:id="rId31"/>
+    <p:sldId id="276" r:id="rId32"/>
+    <p:sldId id="282" r:id="rId33"/>
+    <p:sldId id="287" r:id="rId34"/>
   </p:sldIdLst>
   <p:sldSz cx="12192000" cy="6858000"/>
   <p:notesSz cx="6858000" cy="9144000"/>
@@ -289,7 +291,7 @@
           <a:p>
             <a:fld id="{E9EB3C1C-F1B3-486B-BAF1-8E098003094B}" type="datetimeFigureOut">
               <a:rPr lang="en-US" smtClean="0"/>
-              <a:t>9/18/2020</a:t>
+              <a:t>9/19/2020</a:t>
             </a:fld>
             <a:endParaRPr lang="en-US"/>
           </a:p>
@@ -487,7 +489,7 @@
           <a:p>
             <a:fld id="{E9EB3C1C-F1B3-486B-BAF1-8E098003094B}" type="datetimeFigureOut">
               <a:rPr lang="en-US" smtClean="0"/>
-              <a:t>9/18/2020</a:t>
+              <a:t>9/19/2020</a:t>
             </a:fld>
             <a:endParaRPr lang="en-US"/>
           </a:p>
@@ -695,7 +697,7 @@
           <a:p>
             <a:fld id="{E9EB3C1C-F1B3-486B-BAF1-8E098003094B}" type="datetimeFigureOut">
               <a:rPr lang="en-US" smtClean="0"/>
-              <a:t>9/18/2020</a:t>
+              <a:t>9/19/2020</a:t>
             </a:fld>
             <a:endParaRPr lang="en-US"/>
           </a:p>
@@ -916,7 +918,7 @@
           <a:p>
             <a:fld id="{E9EB3C1C-F1B3-486B-BAF1-8E098003094B}" type="datetimeFigureOut">
               <a:rPr lang="en-US" smtClean="0"/>
-              <a:t>9/18/2020</a:t>
+              <a:t>9/19/2020</a:t>
             </a:fld>
             <a:endParaRPr lang="en-US"/>
           </a:p>
@@ -1255,7 +1257,7 @@
           <a:p>
             <a:fld id="{E9EB3C1C-F1B3-486B-BAF1-8E098003094B}" type="datetimeFigureOut">
               <a:rPr lang="en-US" smtClean="0"/>
-              <a:t>9/18/2020</a:t>
+              <a:t>9/19/2020</a:t>
             </a:fld>
             <a:endParaRPr lang="en-US"/>
           </a:p>
@@ -1589,7 +1591,7 @@
           <a:p>
             <a:fld id="{E9EB3C1C-F1B3-486B-BAF1-8E098003094B}" type="datetimeFigureOut">
               <a:rPr lang="en-US" smtClean="0"/>
-              <a:t>9/18/2020</a:t>
+              <a:t>9/19/2020</a:t>
             </a:fld>
             <a:endParaRPr lang="en-US"/>
           </a:p>
@@ -2001,7 +2003,7 @@
           <a:p>
             <a:fld id="{E9EB3C1C-F1B3-486B-BAF1-8E098003094B}" type="datetimeFigureOut">
               <a:rPr lang="en-US" smtClean="0"/>
-              <a:t>9/18/2020</a:t>
+              <a:t>9/19/2020</a:t>
             </a:fld>
             <a:endParaRPr lang="en-US"/>
           </a:p>
@@ -2142,7 +2144,7 @@
           <a:p>
             <a:fld id="{E9EB3C1C-F1B3-486B-BAF1-8E098003094B}" type="datetimeFigureOut">
               <a:rPr lang="en-US" smtClean="0"/>
-              <a:t>9/18/2020</a:t>
+              <a:t>9/19/2020</a:t>
             </a:fld>
             <a:endParaRPr lang="en-US"/>
           </a:p>
@@ -2255,7 +2257,7 @@
           <a:p>
             <a:fld id="{E9EB3C1C-F1B3-486B-BAF1-8E098003094B}" type="datetimeFigureOut">
               <a:rPr lang="en-US" smtClean="0"/>
-              <a:t>9/18/2020</a:t>
+              <a:t>9/19/2020</a:t>
             </a:fld>
             <a:endParaRPr lang="en-US"/>
           </a:p>
@@ -2566,7 +2568,7 @@
           <a:p>
             <a:fld id="{E9EB3C1C-F1B3-486B-BAF1-8E098003094B}" type="datetimeFigureOut">
               <a:rPr lang="en-US" smtClean="0"/>
-              <a:t>9/18/2020</a:t>
+              <a:t>9/19/2020</a:t>
             </a:fld>
             <a:endParaRPr lang="en-US"/>
           </a:p>
@@ -2854,7 +2856,7 @@
           <a:p>
             <a:fld id="{E9EB3C1C-F1B3-486B-BAF1-8E098003094B}" type="datetimeFigureOut">
               <a:rPr lang="en-US" smtClean="0"/>
-              <a:t>9/18/2020</a:t>
+              <a:t>9/19/2020</a:t>
             </a:fld>
             <a:endParaRPr lang="en-US"/>
           </a:p>
@@ -3095,7 +3097,7 @@
           <a:p>
             <a:fld id="{E9EB3C1C-F1B3-486B-BAF1-8E098003094B}" type="datetimeFigureOut">
               <a:rPr lang="en-US" smtClean="0"/>
-              <a:t>9/18/2020</a:t>
+              <a:t>9/19/2020</a:t>
             </a:fld>
             <a:endParaRPr lang="en-US"/>
           </a:p>
@@ -3498,14 +3500,6 @@
 <file path=ppt/slides/slide1.xml><?xml version="1.0" encoding="utf-8"?>
 <p:sld xmlns:a="http://schemas.openxmlformats.org/drawingml/2006/main" xmlns:r="http://schemas.openxmlformats.org/officeDocument/2006/relationships" xmlns:p="http://schemas.openxmlformats.org/presentationml/2006/main">
   <p:cSld>
-    <p:bg>
-      <p:bgPr>
-        <a:solidFill>
-          <a:srgbClr val="E12A26"/>
-        </a:solidFill>
-        <a:effectLst/>
-      </p:bgPr>
-    </p:bg>
     <p:spTree>
       <p:nvGrpSpPr>
         <p:cNvPr id="1" name=""/>
@@ -3522,10 +3516,10 @@
       </p:grpSpPr>
       <p:pic>
         <p:nvPicPr>
-          <p:cNvPr id="7" name="Picture 6">
-            <a:extLst>
-              <a:ext uri="{FF2B5EF4-FFF2-40B4-BE49-F238E27FC236}">
-                <a16:creationId xmlns:a16="http://schemas.microsoft.com/office/drawing/2014/main" id="{6B92F42D-E2CC-4D51-A328-59D524CFC221}"/>
+          <p:cNvPr id="19" name="Picture 18">
+            <a:extLst>
+              <a:ext uri="{FF2B5EF4-FFF2-40B4-BE49-F238E27FC236}">
+                <a16:creationId xmlns:a16="http://schemas.microsoft.com/office/drawing/2014/main" id="{6C670D63-828D-4EF7-87DB-28BDA371CC5A}"/>
               </a:ext>
             </a:extLst>
           </p:cNvPr>
@@ -3534,7 +3528,7 @@
           </p:cNvPicPr>
           <p:nvPr/>
         </p:nvPicPr>
-        <p:blipFill>
+        <p:blipFill rotWithShape="1">
           <a:blip r:embed="rId2">
             <a:extLst>
               <a:ext uri="{28A0092B-C50C-407E-A947-70E740481C1C}">
@@ -3542,26 +3536,971 @@
               </a:ext>
             </a:extLst>
           </a:blip>
-          <a:stretch>
-            <a:fillRect/>
-          </a:stretch>
+          <a:srcRect l="26917" t="6287" r="33615" b="3332"/>
+          <a:stretch/>
         </p:blipFill>
         <p:spPr>
           <a:xfrm>
-            <a:off x="7138463" y="712588"/>
-            <a:ext cx="4663440" cy="3730752"/>
+            <a:off x="0" y="659689"/>
+            <a:ext cx="3608890" cy="6198311"/>
           </a:xfrm>
           <a:prstGeom prst="rect">
             <a:avLst/>
           </a:prstGeom>
         </p:spPr>
       </p:pic>
+      <p:sp>
+        <p:nvSpPr>
+          <p:cNvPr id="6" name="Rectangle 5">
+            <a:extLst>
+              <a:ext uri="{FF2B5EF4-FFF2-40B4-BE49-F238E27FC236}">
+                <a16:creationId xmlns:a16="http://schemas.microsoft.com/office/drawing/2014/main" id="{3E0BF7B1-35EE-4B42-ACE5-432AE968BCED}"/>
+              </a:ext>
+            </a:extLst>
+          </p:cNvPr>
+          <p:cNvSpPr/>
+          <p:nvPr/>
+        </p:nvSpPr>
+        <p:spPr>
+          <a:xfrm>
+            <a:off x="3608890" y="0"/>
+            <a:ext cx="8583110" cy="6858000"/>
+          </a:xfrm>
+          <a:prstGeom prst="rect">
+            <a:avLst/>
+          </a:prstGeom>
+          <a:solidFill>
+            <a:srgbClr val="C91C1F"/>
+          </a:solidFill>
+          <a:ln>
+            <a:noFill/>
+          </a:ln>
+        </p:spPr>
+        <p:style>
+          <a:lnRef idx="1">
+            <a:schemeClr val="accent5"/>
+          </a:lnRef>
+          <a:fillRef idx="2">
+            <a:schemeClr val="accent5"/>
+          </a:fillRef>
+          <a:effectRef idx="1">
+            <a:schemeClr val="accent5"/>
+          </a:effectRef>
+          <a:fontRef idx="minor">
+            <a:schemeClr val="dk1"/>
+          </a:fontRef>
+        </p:style>
+        <p:txBody>
+          <a:bodyPr rtlCol="0" anchor="ctr"/>
+          <a:lstStyle/>
+          <a:p>
+            <a:pPr algn="ctr"/>
+            <a:endParaRPr lang="en-US" dirty="0"/>
+          </a:p>
+        </p:txBody>
+      </p:sp>
+      <p:graphicFrame>
+        <p:nvGraphicFramePr>
+          <p:cNvPr id="15" name="Table 15">
+            <a:extLst>
+              <a:ext uri="{FF2B5EF4-FFF2-40B4-BE49-F238E27FC236}">
+                <a16:creationId xmlns:a16="http://schemas.microsoft.com/office/drawing/2014/main" id="{C4A42214-FBAB-44D3-944C-BCCF7090AAA7}"/>
+              </a:ext>
+            </a:extLst>
+          </p:cNvPr>
+          <p:cNvGraphicFramePr>
+            <a:graphicFrameLocks noGrp="1"/>
+          </p:cNvGraphicFramePr>
+          <p:nvPr>
+            <p:extLst>
+              <p:ext uri="{D42A27DB-BD31-4B8C-83A1-F6EECF244321}">
+                <p14:modId xmlns:p14="http://schemas.microsoft.com/office/powerpoint/2010/main" val="2686828519"/>
+              </p:ext>
+            </p:extLst>
+          </p:nvPr>
+        </p:nvGraphicFramePr>
+        <p:xfrm>
+          <a:off x="3928050" y="1527404"/>
+          <a:ext cx="7539789" cy="3204412"/>
+        </p:xfrm>
+        <a:graphic>
+          <a:graphicData uri="http://schemas.openxmlformats.org/drawingml/2006/table">
+            <a:tbl>
+              <a:tblPr firstRow="1" bandRow="1">
+                <a:tableStyleId>{2D5ABB26-0587-4C30-8999-92F81FD0307C}</a:tableStyleId>
+              </a:tblPr>
+              <a:tblGrid>
+                <a:gridCol w="1219201">
+                  <a:extLst>
+                    <a:ext uri="{9D8B030D-6E8A-4147-A177-3AD203B41FA5}">
+                      <a16:colId xmlns:a16="http://schemas.microsoft.com/office/drawing/2014/main" val="3609914964"/>
+                    </a:ext>
+                  </a:extLst>
+                </a:gridCol>
+                <a:gridCol w="6320588">
+                  <a:extLst>
+                    <a:ext uri="{9D8B030D-6E8A-4147-A177-3AD203B41FA5}">
+                      <a16:colId xmlns:a16="http://schemas.microsoft.com/office/drawing/2014/main" val="917082477"/>
+                    </a:ext>
+                  </a:extLst>
+                </a:gridCol>
+              </a:tblGrid>
+              <a:tr h="383539">
+                <a:tc>
+                  <a:txBody>
+                    <a:bodyPr/>
+                    <a:lstStyle/>
+                    <a:p>
+                      <a:r>
+                        <a:rPr lang="en-US" dirty="0">
+                          <a:solidFill>
+                            <a:schemeClr val="bg1"/>
+                          </a:solidFill>
+                        </a:rPr>
+                        <a:t>Pendidikan</a:t>
+                      </a:r>
+                    </a:p>
+                  </a:txBody>
+                  <a:tcPr marL="0" marR="0" marT="0" marB="0"/>
+                </a:tc>
+                <a:tc>
+                  <a:txBody>
+                    <a:bodyPr/>
+                    <a:lstStyle/>
+                    <a:p>
+                      <a:r>
+                        <a:rPr lang="en-US" dirty="0">
+                          <a:solidFill>
+                            <a:schemeClr val="bg1"/>
+                          </a:solidFill>
+                        </a:rPr>
+                        <a:t>: </a:t>
+                      </a:r>
+                      <a:r>
+                        <a:rPr lang="en-US" b="1" dirty="0" err="1">
+                          <a:solidFill>
+                            <a:schemeClr val="bg1"/>
+                          </a:solidFill>
+                        </a:rPr>
+                        <a:t>Sarjana</a:t>
+                      </a:r>
+                      <a:r>
+                        <a:rPr lang="en-US" b="1" dirty="0">
+                          <a:solidFill>
+                            <a:schemeClr val="bg1"/>
+                          </a:solidFill>
+                        </a:rPr>
+                        <a:t> </a:t>
+                      </a:r>
+                      <a:r>
+                        <a:rPr lang="en-US" b="1" dirty="0" err="1">
+                          <a:solidFill>
+                            <a:schemeClr val="bg1"/>
+                          </a:solidFill>
+                        </a:rPr>
+                        <a:t>Statistika</a:t>
+                      </a:r>
+                      <a:r>
+                        <a:rPr lang="en-US" dirty="0">
+                          <a:solidFill>
+                            <a:schemeClr val="bg1"/>
+                          </a:solidFill>
+                        </a:rPr>
+                        <a:t> </a:t>
+                      </a:r>
+                    </a:p>
+                    <a:p>
+                      <a:r>
+                        <a:rPr lang="en-US" dirty="0">
+                          <a:solidFill>
+                            <a:schemeClr val="bg1"/>
+                          </a:solidFill>
+                        </a:rPr>
+                        <a:t>  </a:t>
+                      </a:r>
+                      <a:r>
+                        <a:rPr lang="en-US" dirty="0" err="1">
+                          <a:solidFill>
+                            <a:schemeClr val="bg1"/>
+                          </a:solidFill>
+                        </a:rPr>
+                        <a:t>Departemen</a:t>
+                      </a:r>
+                      <a:r>
+                        <a:rPr lang="en-US" dirty="0">
+                          <a:solidFill>
+                            <a:schemeClr val="bg1"/>
+                          </a:solidFill>
+                        </a:rPr>
+                        <a:t> </a:t>
+                      </a:r>
+                      <a:r>
+                        <a:rPr lang="en-US" dirty="0" err="1">
+                          <a:solidFill>
+                            <a:schemeClr val="bg1"/>
+                          </a:solidFill>
+                        </a:rPr>
+                        <a:t>Statistika</a:t>
+                      </a:r>
+                      <a:r>
+                        <a:rPr lang="en-US" dirty="0">
+                          <a:solidFill>
+                            <a:schemeClr val="bg1"/>
+                          </a:solidFill>
+                        </a:rPr>
+                        <a:t> FMIPA IPB University</a:t>
+                      </a:r>
+                    </a:p>
+                  </a:txBody>
+                  <a:tcPr marL="0" marR="0" marT="0" marB="0"/>
+                </a:tc>
+                <a:extLst>
+                  <a:ext uri="{0D108BD9-81ED-4DB2-BD59-A6C34878D82A}">
+                    <a16:rowId xmlns:a16="http://schemas.microsoft.com/office/drawing/2014/main" val="1153798254"/>
+                  </a:ext>
+                </a:extLst>
+              </a:tr>
+              <a:tr h="383539">
+                <a:tc>
+                  <a:txBody>
+                    <a:bodyPr/>
+                    <a:lstStyle/>
+                    <a:p>
+                      <a:r>
+                        <a:rPr lang="en-US" dirty="0" err="1">
+                          <a:solidFill>
+                            <a:schemeClr val="bg1"/>
+                          </a:solidFill>
+                        </a:rPr>
+                        <a:t>Pengalaman</a:t>
+                      </a:r>
+                      <a:endParaRPr lang="en-US" dirty="0">
+                        <a:solidFill>
+                          <a:schemeClr val="bg1"/>
+                        </a:solidFill>
+                      </a:endParaRPr>
+                    </a:p>
+                  </a:txBody>
+                  <a:tcPr marL="0" marR="0" marT="0" marB="0"/>
+                </a:tc>
+                <a:tc>
+                  <a:txBody>
+                    <a:bodyPr/>
+                    <a:lstStyle/>
+                    <a:p>
+                      <a:r>
+                        <a:rPr lang="en-US" dirty="0">
+                          <a:solidFill>
+                            <a:schemeClr val="bg1"/>
+                          </a:solidFill>
+                        </a:rPr>
+                        <a:t>: </a:t>
+                      </a:r>
+                      <a:r>
+                        <a:rPr lang="en-US" b="1" dirty="0">
+                          <a:solidFill>
+                            <a:schemeClr val="bg1"/>
+                          </a:solidFill>
+                        </a:rPr>
+                        <a:t>Statistician &amp; App Developer</a:t>
+                      </a:r>
+                      <a:r>
+                        <a:rPr lang="en-US" dirty="0">
+                          <a:solidFill>
+                            <a:schemeClr val="bg1"/>
+                          </a:solidFill>
+                        </a:rPr>
+                        <a:t> - PT </a:t>
+                      </a:r>
+                      <a:r>
+                        <a:rPr lang="en-US" dirty="0" err="1">
+                          <a:solidFill>
+                            <a:schemeClr val="bg1"/>
+                          </a:solidFill>
+                        </a:rPr>
+                        <a:t>Ganesha</a:t>
+                      </a:r>
+                      <a:r>
+                        <a:rPr lang="en-US" dirty="0">
+                          <a:solidFill>
+                            <a:schemeClr val="bg1"/>
+                          </a:solidFill>
+                        </a:rPr>
+                        <a:t> </a:t>
+                      </a:r>
+                      <a:r>
+                        <a:rPr lang="en-US" dirty="0" err="1">
+                          <a:solidFill>
+                            <a:schemeClr val="bg1"/>
+                          </a:solidFill>
+                        </a:rPr>
+                        <a:t>Cipta</a:t>
+                      </a:r>
+                      <a:r>
+                        <a:rPr lang="en-US" dirty="0">
+                          <a:solidFill>
+                            <a:schemeClr val="bg1"/>
+                          </a:solidFill>
+                        </a:rPr>
+                        <a:t> </a:t>
+                      </a:r>
+                      <a:r>
+                        <a:rPr lang="en-US" dirty="0" err="1">
+                          <a:solidFill>
+                            <a:schemeClr val="bg1"/>
+                          </a:solidFill>
+                        </a:rPr>
+                        <a:t>Informatika</a:t>
+                      </a:r>
+                      <a:endParaRPr lang="en-US" dirty="0">
+                        <a:solidFill>
+                          <a:schemeClr val="bg1"/>
+                        </a:solidFill>
+                      </a:endParaRPr>
+                    </a:p>
+                  </a:txBody>
+                  <a:tcPr marL="0" marR="0" marT="0" marB="0"/>
+                </a:tc>
+                <a:extLst>
+                  <a:ext uri="{0D108BD9-81ED-4DB2-BD59-A6C34878D82A}">
+                    <a16:rowId xmlns:a16="http://schemas.microsoft.com/office/drawing/2014/main" val="844803306"/>
+                  </a:ext>
+                </a:extLst>
+              </a:tr>
+              <a:tr h="383539">
+                <a:tc>
+                  <a:txBody>
+                    <a:bodyPr/>
+                    <a:lstStyle/>
+                    <a:p>
+                      <a:endParaRPr lang="en-US" dirty="0">
+                        <a:solidFill>
+                          <a:schemeClr val="bg1"/>
+                        </a:solidFill>
+                      </a:endParaRPr>
+                    </a:p>
+                  </a:txBody>
+                  <a:tcPr marL="0" marR="0" marT="0" marB="0"/>
+                </a:tc>
+                <a:tc>
+                  <a:txBody>
+                    <a:bodyPr/>
+                    <a:lstStyle/>
+                    <a:p>
+                      <a:r>
+                        <a:rPr lang="en-US" dirty="0">
+                          <a:solidFill>
+                            <a:schemeClr val="bg1"/>
+                          </a:solidFill>
+                        </a:rPr>
+                        <a:t>  </a:t>
+                      </a:r>
+                      <a:r>
+                        <a:rPr lang="en-US" b="1" dirty="0">
+                          <a:solidFill>
+                            <a:schemeClr val="bg1"/>
+                          </a:solidFill>
+                        </a:rPr>
+                        <a:t>Customer Value Management </a:t>
+                      </a:r>
+                      <a:r>
+                        <a:rPr lang="en-US" dirty="0">
+                          <a:solidFill>
+                            <a:schemeClr val="bg1"/>
+                          </a:solidFill>
+                        </a:rPr>
+                        <a:t>- PT </a:t>
+                      </a:r>
+                      <a:r>
+                        <a:rPr lang="en-US" dirty="0" err="1">
+                          <a:solidFill>
+                            <a:schemeClr val="bg1"/>
+                          </a:solidFill>
+                        </a:rPr>
+                        <a:t>Asuransi</a:t>
+                      </a:r>
+                      <a:r>
+                        <a:rPr lang="en-US" dirty="0">
+                          <a:solidFill>
+                            <a:schemeClr val="bg1"/>
+                          </a:solidFill>
+                        </a:rPr>
+                        <a:t> Jiwa </a:t>
+                      </a:r>
+                      <a:r>
+                        <a:rPr lang="en-US" dirty="0" err="1">
+                          <a:solidFill>
+                            <a:schemeClr val="bg1"/>
+                          </a:solidFill>
+                        </a:rPr>
+                        <a:t>Sequislife</a:t>
+                      </a:r>
+                      <a:endParaRPr lang="en-US" dirty="0">
+                        <a:solidFill>
+                          <a:schemeClr val="bg1"/>
+                        </a:solidFill>
+                      </a:endParaRPr>
+                    </a:p>
+                  </a:txBody>
+                  <a:tcPr marL="0" marR="0" marT="0" marB="0"/>
+                </a:tc>
+                <a:extLst>
+                  <a:ext uri="{0D108BD9-81ED-4DB2-BD59-A6C34878D82A}">
+                    <a16:rowId xmlns:a16="http://schemas.microsoft.com/office/drawing/2014/main" val="2999181153"/>
+                  </a:ext>
+                </a:extLst>
+              </a:tr>
+              <a:tr h="738077">
+                <a:tc>
+                  <a:txBody>
+                    <a:bodyPr/>
+                    <a:lstStyle/>
+                    <a:p>
+                      <a:endParaRPr lang="en-US" dirty="0">
+                        <a:solidFill>
+                          <a:schemeClr val="bg1"/>
+                        </a:solidFill>
+                      </a:endParaRPr>
+                    </a:p>
+                  </a:txBody>
+                  <a:tcPr marL="0" marR="0" marT="0" marB="0"/>
+                </a:tc>
+                <a:tc>
+                  <a:txBody>
+                    <a:bodyPr/>
+                    <a:lstStyle/>
+                    <a:p>
+                      <a:r>
+                        <a:rPr lang="en-US" b="1" dirty="0">
+                          <a:solidFill>
+                            <a:schemeClr val="bg1"/>
+                          </a:solidFill>
+                        </a:rPr>
+                        <a:t>  Senior Data Analyst</a:t>
+                      </a:r>
+                      <a:r>
+                        <a:rPr lang="en-US" dirty="0">
+                          <a:solidFill>
+                            <a:schemeClr val="bg1"/>
+                          </a:solidFill>
+                        </a:rPr>
+                        <a:t> - </a:t>
+                      </a:r>
+                      <a:r>
+                        <a:rPr lang="en-US" dirty="0" err="1">
+                          <a:solidFill>
+                            <a:schemeClr val="bg1"/>
+                          </a:solidFill>
+                        </a:rPr>
+                        <a:t>StarCore</a:t>
+                      </a:r>
+                      <a:r>
+                        <a:rPr lang="en-US" dirty="0">
+                          <a:solidFill>
+                            <a:schemeClr val="bg1"/>
+                          </a:solidFill>
+                        </a:rPr>
+                        <a:t> Analytics</a:t>
+                      </a:r>
+                    </a:p>
+                    <a:p>
+                      <a:endParaRPr lang="en-US" dirty="0">
+                        <a:solidFill>
+                          <a:schemeClr val="bg1"/>
+                        </a:solidFill>
+                      </a:endParaRPr>
+                    </a:p>
+                  </a:txBody>
+                  <a:tcPr marL="0" marR="0" marT="0" marB="0"/>
+                </a:tc>
+                <a:extLst>
+                  <a:ext uri="{0D108BD9-81ED-4DB2-BD59-A6C34878D82A}">
+                    <a16:rowId xmlns:a16="http://schemas.microsoft.com/office/drawing/2014/main" val="4029170737"/>
+                  </a:ext>
+                </a:extLst>
+              </a:tr>
+              <a:tr h="383539">
+                <a:tc>
+                  <a:txBody>
+                    <a:bodyPr/>
+                    <a:lstStyle/>
+                    <a:p>
+                      <a:r>
+                        <a:rPr lang="en-US" dirty="0">
+                          <a:solidFill>
+                            <a:schemeClr val="bg1"/>
+                          </a:solidFill>
+                        </a:rPr>
+                        <a:t>GitHub</a:t>
+                      </a:r>
+                    </a:p>
+                  </a:txBody>
+                  <a:tcPr marL="0" marR="0" marT="0" marB="0"/>
+                </a:tc>
+                <a:tc>
+                  <a:txBody>
+                    <a:bodyPr/>
+                    <a:lstStyle/>
+                    <a:p>
+                      <a:r>
+                        <a:rPr lang="en-US" dirty="0">
+                          <a:solidFill>
+                            <a:schemeClr val="bg1"/>
+                          </a:solidFill>
+                        </a:rPr>
+                        <a:t>: </a:t>
+                      </a:r>
+                      <a:r>
+                        <a:rPr lang="en-US" dirty="0">
+                          <a:solidFill>
+                            <a:schemeClr val="bg1"/>
+                          </a:solidFill>
+                          <a:hlinkClick r:id="rId3">
+                            <a:extLst>
+                              <a:ext uri="{A12FA001-AC4F-418D-AE19-62706E023703}">
+                                <ahyp:hlinkClr xmlns:ahyp="http://schemas.microsoft.com/office/drawing/2018/hyperlinkcolor" val="tx"/>
+                              </a:ext>
+                            </a:extLst>
+                          </a:hlinkClick>
+                        </a:rPr>
+                        <a:t>https://github.com/aephidayatuloh</a:t>
+                      </a:r>
+                      <a:endParaRPr lang="en-US" dirty="0">
+                        <a:solidFill>
+                          <a:schemeClr val="bg1"/>
+                        </a:solidFill>
+                      </a:endParaRPr>
+                    </a:p>
+                  </a:txBody>
+                  <a:tcPr marL="0" marR="0" marT="0" marB="0"/>
+                </a:tc>
+                <a:extLst>
+                  <a:ext uri="{0D108BD9-81ED-4DB2-BD59-A6C34878D82A}">
+                    <a16:rowId xmlns:a16="http://schemas.microsoft.com/office/drawing/2014/main" val="3316537249"/>
+                  </a:ext>
+                </a:extLst>
+              </a:tr>
+              <a:tr h="383539">
+                <a:tc>
+                  <a:txBody>
+                    <a:bodyPr/>
+                    <a:lstStyle/>
+                    <a:p>
+                      <a:r>
+                        <a:rPr lang="en-US" dirty="0">
+                          <a:solidFill>
+                            <a:schemeClr val="bg1"/>
+                          </a:solidFill>
+                        </a:rPr>
+                        <a:t>Email</a:t>
+                      </a:r>
+                    </a:p>
+                  </a:txBody>
+                  <a:tcPr marL="0" marR="0" marT="0" marB="0"/>
+                </a:tc>
+                <a:tc>
+                  <a:txBody>
+                    <a:bodyPr/>
+                    <a:lstStyle/>
+                    <a:p>
+                      <a:r>
+                        <a:rPr lang="en-US" dirty="0">
+                          <a:solidFill>
+                            <a:schemeClr val="bg1"/>
+                          </a:solidFill>
+                        </a:rPr>
+                        <a:t>: </a:t>
+                      </a:r>
+                      <a:r>
+                        <a:rPr lang="en-US" dirty="0">
+                          <a:solidFill>
+                            <a:schemeClr val="bg1"/>
+                          </a:solidFill>
+                          <a:hlinkClick r:id="rId4">
+                            <a:extLst>
+                              <a:ext uri="{A12FA001-AC4F-418D-AE19-62706E023703}">
+                                <ahyp:hlinkClr xmlns:ahyp="http://schemas.microsoft.com/office/drawing/2018/hyperlinkcolor" val="tx"/>
+                              </a:ext>
+                            </a:extLst>
+                          </a:hlinkClick>
+                        </a:rPr>
+                        <a:t>aephidayatuloh.mail@gmail.com</a:t>
+                      </a:r>
+                      <a:r>
+                        <a:rPr lang="en-US" dirty="0">
+                          <a:solidFill>
+                            <a:schemeClr val="bg1"/>
+                          </a:solidFill>
+                        </a:rPr>
+                        <a:t> </a:t>
+                      </a:r>
+                    </a:p>
+                  </a:txBody>
+                  <a:tcPr marL="0" marR="0" marT="0" marB="0"/>
+                </a:tc>
+                <a:extLst>
+                  <a:ext uri="{0D108BD9-81ED-4DB2-BD59-A6C34878D82A}">
+                    <a16:rowId xmlns:a16="http://schemas.microsoft.com/office/drawing/2014/main" val="2217595755"/>
+                  </a:ext>
+                </a:extLst>
+              </a:tr>
+              <a:tr h="383539">
+                <a:tc>
+                  <a:txBody>
+                    <a:bodyPr/>
+                    <a:lstStyle/>
+                    <a:p>
+                      <a:r>
+                        <a:rPr lang="en-US" dirty="0" err="1">
+                          <a:solidFill>
+                            <a:schemeClr val="bg1"/>
+                          </a:solidFill>
+                        </a:rPr>
+                        <a:t>RPubs</a:t>
+                      </a:r>
+                      <a:endParaRPr lang="en-US" dirty="0">
+                        <a:solidFill>
+                          <a:schemeClr val="bg1"/>
+                        </a:solidFill>
+                      </a:endParaRPr>
+                    </a:p>
+                  </a:txBody>
+                  <a:tcPr marL="0" marR="0" marT="0" marB="0"/>
+                </a:tc>
+                <a:tc>
+                  <a:txBody>
+                    <a:bodyPr/>
+                    <a:lstStyle/>
+                    <a:p>
+                      <a:r>
+                        <a:rPr lang="en-US" dirty="0">
+                          <a:solidFill>
+                            <a:schemeClr val="bg1"/>
+                          </a:solidFill>
+                        </a:rPr>
+                        <a:t>: </a:t>
+                      </a:r>
+                      <a:r>
+                        <a:rPr lang="en-US" sz="1800" dirty="0">
+                          <a:solidFill>
+                            <a:schemeClr val="bg1"/>
+                          </a:solidFill>
+                          <a:hlinkClick r:id="rId5">
+                            <a:extLst>
+                              <a:ext uri="{A12FA001-AC4F-418D-AE19-62706E023703}">
+                                <ahyp:hlinkClr xmlns:ahyp="http://schemas.microsoft.com/office/drawing/2018/hyperlinkcolor" val="tx"/>
+                              </a:ext>
+                            </a:extLst>
+                          </a:hlinkClick>
+                        </a:rPr>
+                        <a:t>https://rpubs.com/aephidayatuloh</a:t>
+                      </a:r>
+                      <a:endParaRPr lang="en-US" dirty="0">
+                        <a:solidFill>
+                          <a:schemeClr val="bg1"/>
+                        </a:solidFill>
+                      </a:endParaRPr>
+                    </a:p>
+                  </a:txBody>
+                  <a:tcPr marL="0" marR="0" marT="0" marB="0"/>
+                </a:tc>
+                <a:extLst>
+                  <a:ext uri="{0D108BD9-81ED-4DB2-BD59-A6C34878D82A}">
+                    <a16:rowId xmlns:a16="http://schemas.microsoft.com/office/drawing/2014/main" val="2034221898"/>
+                  </a:ext>
+                </a:extLst>
+              </a:tr>
+            </a:tbl>
+          </a:graphicData>
+        </a:graphic>
+      </p:graphicFrame>
+      <p:sp>
+        <p:nvSpPr>
+          <p:cNvPr id="21" name="TextBox 20">
+            <a:extLst>
+              <a:ext uri="{FF2B5EF4-FFF2-40B4-BE49-F238E27FC236}">
+                <a16:creationId xmlns:a16="http://schemas.microsoft.com/office/drawing/2014/main" id="{D461C21D-1A37-437D-BAA2-33E003AEB32C}"/>
+              </a:ext>
+            </a:extLst>
+          </p:cNvPr>
+          <p:cNvSpPr txBox="1"/>
+          <p:nvPr/>
+        </p:nvSpPr>
+        <p:spPr>
+          <a:xfrm>
+            <a:off x="5925083" y="5875963"/>
+            <a:ext cx="2484623" cy="867779"/>
+          </a:xfrm>
+          <a:prstGeom prst="rect">
+            <a:avLst/>
+          </a:prstGeom>
+          <a:noFill/>
+        </p:spPr>
+        <p:txBody>
+          <a:bodyPr wrap="square" rtlCol="0">
+            <a:noAutofit/>
+          </a:bodyPr>
+          <a:lstStyle/>
+          <a:p>
+            <a:r>
+              <a:rPr lang="en-US" sz="1400" b="1" dirty="0" err="1">
+                <a:solidFill>
+                  <a:schemeClr val="accent1">
+                    <a:lumMod val="20000"/>
+                    <a:lumOff val="80000"/>
+                  </a:schemeClr>
+                </a:solidFill>
+              </a:rPr>
+              <a:t>Belajar</a:t>
+            </a:r>
+            <a:r>
+              <a:rPr lang="en-US" sz="1400" b="1" dirty="0">
+                <a:solidFill>
+                  <a:schemeClr val="accent1">
+                    <a:lumMod val="20000"/>
+                    <a:lumOff val="80000"/>
+                  </a:schemeClr>
+                </a:solidFill>
+              </a:rPr>
+              <a:t> GNU</a:t>
+            </a:r>
+          </a:p>
+          <a:p>
+            <a:r>
+              <a:rPr lang="en-US" sz="2400" b="1" dirty="0">
+                <a:solidFill>
+                  <a:schemeClr val="accent1">
+                    <a:lumMod val="20000"/>
+                    <a:lumOff val="80000"/>
+                  </a:schemeClr>
+                </a:solidFill>
+              </a:rPr>
+              <a:t>R Indonesia</a:t>
+            </a:r>
+            <a:endParaRPr lang="en-US" sz="3200" b="1" dirty="0">
+              <a:solidFill>
+                <a:schemeClr val="accent1">
+                  <a:lumMod val="20000"/>
+                  <a:lumOff val="80000"/>
+                </a:schemeClr>
+              </a:solidFill>
+            </a:endParaRPr>
+          </a:p>
+        </p:txBody>
+      </p:sp>
+      <p:grpSp>
+        <p:nvGrpSpPr>
+          <p:cNvPr id="5" name="Group 4">
+            <a:extLst>
+              <a:ext uri="{FF2B5EF4-FFF2-40B4-BE49-F238E27FC236}">
+                <a16:creationId xmlns:a16="http://schemas.microsoft.com/office/drawing/2014/main" id="{AF246219-D83B-4B7F-AABA-1914188C7C35}"/>
+              </a:ext>
+            </a:extLst>
+          </p:cNvPr>
+          <p:cNvGrpSpPr/>
+          <p:nvPr/>
+        </p:nvGrpSpPr>
+        <p:grpSpPr>
+          <a:xfrm>
+            <a:off x="5995187" y="5308749"/>
+            <a:ext cx="3226398" cy="615553"/>
+            <a:chOff x="3829050" y="4831314"/>
+            <a:chExt cx="3226398" cy="615553"/>
+          </a:xfrm>
+        </p:grpSpPr>
+        <p:pic>
+          <p:nvPicPr>
+            <p:cNvPr id="1026" name="Picture 2" descr="Hasil gambar untuk telegram logo&quot;">
+              <a:extLst>
+                <a:ext uri="{FF2B5EF4-FFF2-40B4-BE49-F238E27FC236}">
+                  <a16:creationId xmlns:a16="http://schemas.microsoft.com/office/drawing/2014/main" id="{EC2E127C-0853-47AC-9B34-F2A39A7390CE}"/>
+                </a:ext>
+              </a:extLst>
+            </p:cNvPr>
+            <p:cNvPicPr>
+              <a:picLocks noChangeAspect="1" noChangeArrowheads="1"/>
+            </p:cNvPicPr>
+            <p:nvPr/>
+          </p:nvPicPr>
+          <p:blipFill>
+            <a:blip r:embed="rId6">
+              <a:extLst>
+                <a:ext uri="{28A0092B-C50C-407E-A947-70E740481C1C}">
+                  <a14:useLocalDpi xmlns:a14="http://schemas.microsoft.com/office/drawing/2010/main" val="0"/>
+                </a:ext>
+              </a:extLst>
+            </a:blip>
+            <a:srcRect/>
+            <a:stretch>
+              <a:fillRect/>
+            </a:stretch>
+          </p:blipFill>
+          <p:spPr bwMode="auto">
+            <a:xfrm>
+              <a:off x="3829050" y="4880207"/>
+              <a:ext cx="548640" cy="548640"/>
+            </a:xfrm>
+            <a:prstGeom prst="rect">
+              <a:avLst/>
+            </a:prstGeom>
+            <a:noFill/>
+            <a:extLst>
+              <a:ext uri="{909E8E84-426E-40DD-AFC4-6F175D3DCCD1}">
+                <a14:hiddenFill xmlns:a14="http://schemas.microsoft.com/office/drawing/2010/main">
+                  <a:solidFill>
+                    <a:srgbClr val="FFFFFF"/>
+                  </a:solidFill>
+                </a14:hiddenFill>
+              </a:ext>
+            </a:extLst>
+          </p:spPr>
+        </p:pic>
+        <p:sp>
+          <p:nvSpPr>
+            <p:cNvPr id="3" name="TextBox 2">
+              <a:extLst>
+                <a:ext uri="{FF2B5EF4-FFF2-40B4-BE49-F238E27FC236}">
+                  <a16:creationId xmlns:a16="http://schemas.microsoft.com/office/drawing/2014/main" id="{65B38A08-77CF-4FF1-95E4-CE8A2C38A1CA}"/>
+                </a:ext>
+              </a:extLst>
+            </p:cNvPr>
+            <p:cNvSpPr txBox="1"/>
+            <p:nvPr/>
+          </p:nvSpPr>
+          <p:spPr>
+            <a:xfrm>
+              <a:off x="4369072" y="4831314"/>
+              <a:ext cx="2686376" cy="615553"/>
+            </a:xfrm>
+            <a:prstGeom prst="rect">
+              <a:avLst/>
+            </a:prstGeom>
+            <a:noFill/>
+          </p:spPr>
+          <p:txBody>
+            <a:bodyPr wrap="none" rtlCol="0">
+              <a:spAutoFit/>
+            </a:bodyPr>
+            <a:lstStyle/>
+            <a:p>
+              <a:r>
+                <a:rPr lang="en-US" b="1" dirty="0">
+                  <a:solidFill>
+                    <a:schemeClr val="accent1">
+                      <a:lumMod val="60000"/>
+                      <a:lumOff val="40000"/>
+                    </a:schemeClr>
+                  </a:solidFill>
+                </a:rPr>
+                <a:t>telegram community </a:t>
+              </a:r>
+            </a:p>
+            <a:p>
+              <a:r>
+                <a:rPr lang="en-US" sz="1600" b="1" dirty="0">
+                  <a:solidFill>
+                    <a:schemeClr val="bg1"/>
+                  </a:solidFill>
+                </a:rPr>
+                <a:t>https://t.me/GNURIndonesia</a:t>
+              </a:r>
+            </a:p>
+          </p:txBody>
+        </p:sp>
+      </p:grpSp>
+      <p:sp>
+        <p:nvSpPr>
+          <p:cNvPr id="2" name="Title 1">
+            <a:extLst>
+              <a:ext uri="{FF2B5EF4-FFF2-40B4-BE49-F238E27FC236}">
+                <a16:creationId xmlns:a16="http://schemas.microsoft.com/office/drawing/2014/main" id="{827FFEC0-0F77-449D-BBF0-612A38986E4A}"/>
+              </a:ext>
+            </a:extLst>
+          </p:cNvPr>
+          <p:cNvSpPr>
+            <a:spLocks noGrp="1"/>
+          </p:cNvSpPr>
+          <p:nvPr>
+            <p:ph type="title"/>
+          </p:nvPr>
+        </p:nvSpPr>
+        <p:spPr>
+          <a:xfrm>
+            <a:off x="3737703" y="383257"/>
+            <a:ext cx="10515600" cy="1050608"/>
+          </a:xfrm>
+        </p:spPr>
+        <p:txBody>
+          <a:bodyPr>
+            <a:normAutofit/>
+          </a:bodyPr>
+          <a:lstStyle/>
+          <a:p>
+            <a:r>
+              <a:rPr lang="en-US" sz="5400" b="1" dirty="0">
+                <a:solidFill>
+                  <a:schemeClr val="bg1"/>
+                </a:solidFill>
+                <a:latin typeface="Arial" panose="020B0604020202020204" pitchFamily="34" charset="0"/>
+                <a:cs typeface="Arial" panose="020B0604020202020204" pitchFamily="34" charset="0"/>
+              </a:rPr>
+              <a:t>Aep Hidayatuloh, </a:t>
+            </a:r>
+            <a:r>
+              <a:rPr lang="en-US" sz="5400" b="1" dirty="0" err="1">
+                <a:solidFill>
+                  <a:schemeClr val="bg1"/>
+                </a:solidFill>
+                <a:latin typeface="Arial" panose="020B0604020202020204" pitchFamily="34" charset="0"/>
+                <a:cs typeface="Arial" panose="020B0604020202020204" pitchFamily="34" charset="0"/>
+              </a:rPr>
+              <a:t>S.Stat</a:t>
+            </a:r>
+            <a:endParaRPr lang="en-US" sz="6600" b="1" dirty="0">
+              <a:solidFill>
+                <a:schemeClr val="bg1"/>
+              </a:solidFill>
+              <a:latin typeface="Arial" panose="020B0604020202020204" pitchFamily="34" charset="0"/>
+              <a:cs typeface="Arial" panose="020B0604020202020204" pitchFamily="34" charset="0"/>
+            </a:endParaRPr>
+          </a:p>
+        </p:txBody>
+      </p:sp>
+      <p:sp>
+        <p:nvSpPr>
+          <p:cNvPr id="4" name="Slide Number Placeholder 3">
+            <a:extLst>
+              <a:ext uri="{FF2B5EF4-FFF2-40B4-BE49-F238E27FC236}">
+                <a16:creationId xmlns:a16="http://schemas.microsoft.com/office/drawing/2014/main" id="{B29C49FC-64A4-4036-989C-A4AAE40E1D42}"/>
+              </a:ext>
+            </a:extLst>
+          </p:cNvPr>
+          <p:cNvSpPr>
+            <a:spLocks noGrp="1"/>
+          </p:cNvSpPr>
+          <p:nvPr>
+            <p:ph type="sldNum" sz="quarter" idx="12"/>
+          </p:nvPr>
+        </p:nvSpPr>
+        <p:spPr/>
+        <p:txBody>
+          <a:bodyPr/>
+          <a:lstStyle/>
+          <a:p>
+            <a:fld id="{85BF4DEC-8208-446A-9E6D-0E3E6C2BB421}" type="slidenum">
+              <a:rPr lang="en-US" smtClean="0"/>
+              <a:t>1</a:t>
+            </a:fld>
+            <a:endParaRPr lang="en-US" dirty="0"/>
+          </a:p>
+        </p:txBody>
+      </p:sp>
       <p:pic>
         <p:nvPicPr>
-          <p:cNvPr id="2050" name="Picture 2" descr="Youtube Play Logo transparent PNG - StickPNG">
-            <a:extLst>
-              <a:ext uri="{FF2B5EF4-FFF2-40B4-BE49-F238E27FC236}">
-                <a16:creationId xmlns:a16="http://schemas.microsoft.com/office/drawing/2014/main" id="{6B60D4E2-1B48-4546-A443-2FA070421773}"/>
+          <p:cNvPr id="7" name="Picture 2" descr="GitHub - indo-r/logo">
+            <a:extLst>
+              <a:ext uri="{FF2B5EF4-FFF2-40B4-BE49-F238E27FC236}">
+                <a16:creationId xmlns:a16="http://schemas.microsoft.com/office/drawing/2014/main" id="{331022B3-8910-476D-B2CD-8E30326D7770}"/>
               </a:ext>
             </a:extLst>
           </p:cNvPr>
@@ -3571,7 +4510,7 @@
           <p:nvPr/>
         </p:nvPicPr>
         <p:blipFill>
-          <a:blip r:embed="rId3">
+          <a:blip r:embed="rId7">
             <a:extLst>
               <a:ext uri="{28A0092B-C50C-407E-A947-70E740481C1C}">
                 <a14:useLocalDpi xmlns:a14="http://schemas.microsoft.com/office/drawing/2010/main" val="0"/>
@@ -3585,22 +4524,13 @@
         </p:blipFill>
         <p:spPr bwMode="auto">
           <a:xfrm>
-            <a:off x="626904" y="742852"/>
-            <a:ext cx="6675120" cy="4693449"/>
+            <a:off x="4628754" y="5263840"/>
+            <a:ext cx="1047273" cy="1206233"/>
           </a:xfrm>
           <a:prstGeom prst="rect">
             <a:avLst/>
           </a:prstGeom>
-          <a:ln>
-            <a:noFill/>
-          </a:ln>
-          <a:effectLst>
-            <a:outerShdw blurRad="190500" algn="tl" rotWithShape="0">
-              <a:srgbClr val="000000">
-                <a:alpha val="70000"/>
-              </a:srgbClr>
-            </a:outerShdw>
-          </a:effectLst>
+          <a:noFill/>
           <a:extLst>
             <a:ext uri="{909E8E84-426E-40DD-AFC4-6F175D3DCCD1}">
               <a14:hiddenFill xmlns:a14="http://schemas.microsoft.com/office/drawing/2010/main">
@@ -3612,497 +4542,10 @@
           </a:extLst>
         </p:spPr>
       </p:pic>
-      <p:sp>
-        <p:nvSpPr>
-          <p:cNvPr id="2" name="Title 1">
-            <a:extLst>
-              <a:ext uri="{FF2B5EF4-FFF2-40B4-BE49-F238E27FC236}">
-                <a16:creationId xmlns:a16="http://schemas.microsoft.com/office/drawing/2014/main" id="{9AE1E34B-0570-4F7D-999B-DF0B21C0A637}"/>
-              </a:ext>
-            </a:extLst>
-          </p:cNvPr>
-          <p:cNvSpPr>
-            <a:spLocks noGrp="1"/>
-          </p:cNvSpPr>
-          <p:nvPr>
-            <p:ph type="ctrTitle"/>
-          </p:nvPr>
-        </p:nvSpPr>
-        <p:spPr>
-          <a:xfrm>
-            <a:off x="727447" y="1753590"/>
-            <a:ext cx="6358706" cy="3730752"/>
-          </a:xfrm>
-        </p:spPr>
-        <p:txBody>
-          <a:bodyPr>
-            <a:normAutofit fontScale="90000"/>
-          </a:bodyPr>
-          <a:lstStyle/>
-          <a:p>
-            <a:r>
-              <a:rPr kumimoji="0" lang="en-US" sz="6600" b="1" i="0" u="none" strike="noStrike" kern="1200" cap="none" spc="0" normalizeH="0" baseline="0" noProof="0" dirty="0" err="1">
-                <a:ln>
-                  <a:noFill/>
-                </a:ln>
-                <a:solidFill>
-                  <a:srgbClr val="FFFFFF"/>
-                </a:solidFill>
-                <a:effectLst>
-                  <a:outerShdw blurRad="50800" dist="127000" dir="8100000" algn="tr" rotWithShape="0">
-                    <a:prstClr val="black">
-                      <a:alpha val="40000"/>
-                    </a:prstClr>
-                  </a:outerShdw>
-                </a:effectLst>
-                <a:uLnTx/>
-                <a:uFillTx/>
-                <a:latin typeface="Open sans"/>
-                <a:ea typeface="+mj-ea"/>
-                <a:cs typeface="+mj-cs"/>
-              </a:rPr>
-              <a:t>Mengintip</a:t>
-            </a:r>
-            <a:r>
-              <a:rPr kumimoji="0" lang="en-US" sz="6600" b="1" i="0" u="none" strike="noStrike" kern="1200" cap="none" spc="0" normalizeH="0" baseline="0" noProof="0" dirty="0">
-                <a:ln>
-                  <a:noFill/>
-                </a:ln>
-                <a:solidFill>
-                  <a:srgbClr val="FFFFFF"/>
-                </a:solidFill>
-                <a:effectLst>
-                  <a:outerShdw blurRad="50800" dist="127000" dir="8100000" algn="tr" rotWithShape="0">
-                    <a:prstClr val="black">
-                      <a:alpha val="40000"/>
-                    </a:prstClr>
-                  </a:outerShdw>
-                </a:effectLst>
-                <a:uLnTx/>
-                <a:uFillTx/>
-                <a:latin typeface="Open sans"/>
-                <a:ea typeface="+mj-ea"/>
-                <a:cs typeface="+mj-cs"/>
-              </a:rPr>
-              <a:t> </a:t>
-            </a:r>
-            <a:r>
-              <a:rPr kumimoji="0" lang="en-US" sz="6600" b="1" i="0" u="none" strike="noStrike" kern="1200" cap="none" spc="0" normalizeH="0" baseline="0" noProof="0" dirty="0">
-                <a:ln>
-                  <a:noFill/>
-                </a:ln>
-                <a:solidFill>
-                  <a:schemeClr val="bg1"/>
-                </a:solidFill>
-                <a:effectLst>
-                  <a:outerShdw blurRad="50800" dist="127000" dir="8100000" algn="tr" rotWithShape="0">
-                    <a:prstClr val="black">
-                      <a:alpha val="40000"/>
-                    </a:prstClr>
-                  </a:outerShdw>
-                </a:effectLst>
-                <a:uLnTx/>
-                <a:uFillTx/>
-                <a:latin typeface="Open sans"/>
-                <a:ea typeface="+mj-ea"/>
-                <a:cs typeface="+mj-cs"/>
-              </a:rPr>
-              <a:t>Data </a:t>
-            </a:r>
-            <a:br>
-              <a:rPr kumimoji="0" lang="en-US" sz="6600" b="1" i="0" u="none" strike="noStrike" kern="1200" cap="none" spc="0" normalizeH="0" baseline="0" noProof="0" dirty="0">
-                <a:ln>
-                  <a:noFill/>
-                </a:ln>
-                <a:solidFill>
-                  <a:srgbClr val="E12A26"/>
-                </a:solidFill>
-                <a:effectLst>
-                  <a:outerShdw blurRad="50800" dist="127000" dir="8100000" algn="tr" rotWithShape="0">
-                    <a:prstClr val="black">
-                      <a:alpha val="40000"/>
-                    </a:prstClr>
-                  </a:outerShdw>
-                </a:effectLst>
-                <a:uLnTx/>
-                <a:uFillTx/>
-                <a:latin typeface="Open sans"/>
-                <a:ea typeface="+mj-ea"/>
-                <a:cs typeface="+mj-cs"/>
-              </a:rPr>
-            </a:br>
-            <a:br>
-              <a:rPr kumimoji="0" lang="en-US" sz="3600" b="1" i="0" u="none" strike="noStrike" kern="1200" cap="none" spc="0" normalizeH="0" baseline="0" noProof="0" dirty="0">
-                <a:ln>
-                  <a:noFill/>
-                </a:ln>
-                <a:solidFill>
-                  <a:srgbClr val="E12A26"/>
-                </a:solidFill>
-                <a:effectLst>
-                  <a:outerShdw blurRad="50800" dist="127000" dir="8100000" algn="tr" rotWithShape="0">
-                    <a:prstClr val="black">
-                      <a:alpha val="40000"/>
-                    </a:prstClr>
-                  </a:outerShdw>
-                </a:effectLst>
-                <a:uLnTx/>
-                <a:uFillTx/>
-                <a:latin typeface="Open sans"/>
-                <a:ea typeface="+mj-ea"/>
-                <a:cs typeface="+mj-cs"/>
-              </a:rPr>
-            </a:br>
-            <a:br>
-              <a:rPr kumimoji="0" lang="en-US" sz="4400" b="1" i="0" u="none" strike="noStrike" kern="1200" cap="none" spc="0" normalizeH="0" baseline="0" noProof="0" dirty="0">
-                <a:ln>
-                  <a:noFill/>
-                </a:ln>
-                <a:solidFill>
-                  <a:srgbClr val="E12A26"/>
-                </a:solidFill>
-                <a:effectLst>
-                  <a:outerShdw blurRad="50800" dist="127000" dir="8100000" algn="tr" rotWithShape="0">
-                    <a:prstClr val="black">
-                      <a:alpha val="40000"/>
-                    </a:prstClr>
-                  </a:outerShdw>
-                </a:effectLst>
-                <a:uLnTx/>
-                <a:uFillTx/>
-                <a:latin typeface="Open sans"/>
-                <a:ea typeface="+mj-ea"/>
-                <a:cs typeface="+mj-cs"/>
-              </a:rPr>
-            </a:br>
-            <a:br>
-              <a:rPr kumimoji="0" lang="en-US" sz="6600" b="1" i="0" u="none" strike="noStrike" kern="1200" cap="none" spc="0" normalizeH="0" baseline="0" noProof="0" dirty="0">
-                <a:ln>
-                  <a:noFill/>
-                </a:ln>
-                <a:solidFill>
-                  <a:srgbClr val="E12A26"/>
-                </a:solidFill>
-                <a:effectLst>
-                  <a:outerShdw blurRad="50800" dist="127000" dir="8100000" algn="tr" rotWithShape="0">
-                    <a:prstClr val="black">
-                      <a:alpha val="40000"/>
-                    </a:prstClr>
-                  </a:outerShdw>
-                </a:effectLst>
-                <a:uLnTx/>
-                <a:uFillTx/>
-                <a:latin typeface="Open sans"/>
-                <a:ea typeface="+mj-ea"/>
-                <a:cs typeface="+mj-cs"/>
-              </a:rPr>
-            </a:br>
-            <a:r>
-              <a:rPr kumimoji="0" lang="en-US" sz="6600" b="1" i="0" u="none" strike="noStrike" kern="1200" cap="none" spc="0" normalizeH="0" baseline="0" noProof="0" dirty="0">
-                <a:ln>
-                  <a:noFill/>
-                </a:ln>
-                <a:solidFill>
-                  <a:srgbClr val="FFFFFF"/>
-                </a:solidFill>
-                <a:effectLst>
-                  <a:outerShdw blurRad="50800" dist="127000" dir="8100000" algn="tr" rotWithShape="0">
-                    <a:prstClr val="black">
-                      <a:alpha val="40000"/>
-                    </a:prstClr>
-                  </a:outerShdw>
-                </a:effectLst>
-                <a:uLnTx/>
-                <a:uFillTx/>
-                <a:latin typeface="Open sans"/>
-                <a:ea typeface="+mj-ea"/>
-                <a:cs typeface="+mj-cs"/>
-              </a:rPr>
-              <a:t>YouTuber I</a:t>
-            </a:r>
-            <a:r>
-              <a:rPr kumimoji="0" lang="en-US" sz="6600" b="1" i="0" u="none" strike="noStrike" kern="1200" cap="none" spc="0" normalizeH="0" baseline="0" noProof="0" dirty="0">
-                <a:ln>
-                  <a:noFill/>
-                </a:ln>
-                <a:solidFill>
-                  <a:schemeClr val="bg1"/>
-                </a:solidFill>
-                <a:effectLst>
-                  <a:outerShdw blurRad="50800" dist="127000" dir="8100000" algn="tr" rotWithShape="0">
-                    <a:prstClr val="black">
-                      <a:alpha val="40000"/>
-                    </a:prstClr>
-                  </a:outerShdw>
-                </a:effectLst>
-                <a:uLnTx/>
-                <a:uFillTx/>
-                <a:latin typeface="Open sans"/>
-                <a:ea typeface="+mj-ea"/>
-                <a:cs typeface="+mj-cs"/>
-              </a:rPr>
-              <a:t>nd</a:t>
-            </a:r>
-            <a:r>
-              <a:rPr kumimoji="0" lang="en-US" sz="6600" b="1" i="0" u="none" strike="noStrike" kern="1200" cap="none" spc="0" normalizeH="0" baseline="0" noProof="0" dirty="0">
-                <a:ln>
-                  <a:noFill/>
-                </a:ln>
-                <a:solidFill>
-                  <a:srgbClr val="FFFFFF"/>
-                </a:solidFill>
-                <a:effectLst>
-                  <a:outerShdw blurRad="50800" dist="127000" dir="8100000" algn="tr" rotWithShape="0">
-                    <a:prstClr val="black">
-                      <a:alpha val="40000"/>
-                    </a:prstClr>
-                  </a:outerShdw>
-                </a:effectLst>
-                <a:uLnTx/>
-                <a:uFillTx/>
-                <a:latin typeface="Open sans"/>
-                <a:ea typeface="+mj-ea"/>
-                <a:cs typeface="+mj-cs"/>
-              </a:rPr>
-              <a:t>onesia</a:t>
-            </a:r>
-            <a:endParaRPr lang="en-US" dirty="0"/>
-          </a:p>
-        </p:txBody>
-      </p:sp>
-      <p:sp>
-        <p:nvSpPr>
-          <p:cNvPr id="3" name="Subtitle 2">
-            <a:extLst>
-              <a:ext uri="{FF2B5EF4-FFF2-40B4-BE49-F238E27FC236}">
-                <a16:creationId xmlns:a16="http://schemas.microsoft.com/office/drawing/2014/main" id="{8C66C292-FF61-40E6-A842-B0FC05887FE8}"/>
-              </a:ext>
-            </a:extLst>
-          </p:cNvPr>
-          <p:cNvSpPr>
-            <a:spLocks noGrp="1"/>
-          </p:cNvSpPr>
-          <p:nvPr>
-            <p:ph type="subTitle" idx="1"/>
-          </p:nvPr>
-        </p:nvSpPr>
-        <p:spPr>
-          <a:xfrm>
-            <a:off x="7402567" y="5431810"/>
-            <a:ext cx="4135233" cy="948421"/>
-          </a:xfrm>
-        </p:spPr>
-        <p:txBody>
-          <a:bodyPr>
-            <a:normAutofit lnSpcReduction="10000"/>
-          </a:bodyPr>
-          <a:lstStyle/>
-          <a:p>
-            <a:pPr algn="l">
-              <a:lnSpc>
-                <a:spcPct val="120000"/>
-              </a:lnSpc>
-              <a:spcBef>
-                <a:spcPts val="0"/>
-              </a:spcBef>
-            </a:pPr>
-            <a:r>
-              <a:rPr lang="en-US" sz="1600" b="1" dirty="0">
-                <a:solidFill>
-                  <a:schemeClr val="bg1"/>
-                </a:solidFill>
-              </a:rPr>
-              <a:t>Aep Hidayatuloh</a:t>
-            </a:r>
-          </a:p>
-          <a:p>
-            <a:pPr algn="l">
-              <a:lnSpc>
-                <a:spcPct val="120000"/>
-              </a:lnSpc>
-              <a:spcBef>
-                <a:spcPts val="0"/>
-              </a:spcBef>
-            </a:pPr>
-            <a:r>
-              <a:rPr lang="en-US" sz="1600" b="1" dirty="0">
-                <a:solidFill>
-                  <a:schemeClr val="bg1"/>
-                </a:solidFill>
-              </a:rPr>
-              <a:t>Senior Data Analyst @ </a:t>
-            </a:r>
-            <a:r>
-              <a:rPr lang="en-US" sz="1600" b="1" dirty="0" err="1">
-                <a:solidFill>
-                  <a:schemeClr val="bg1"/>
-                </a:solidFill>
-              </a:rPr>
-              <a:t>StarCore</a:t>
-            </a:r>
-            <a:r>
-              <a:rPr lang="en-US" sz="1600" b="1" dirty="0">
-                <a:solidFill>
-                  <a:schemeClr val="bg1"/>
-                </a:solidFill>
-              </a:rPr>
-              <a:t> Analytics</a:t>
-            </a:r>
-          </a:p>
-          <a:p>
-            <a:pPr algn="l">
-              <a:lnSpc>
-                <a:spcPct val="120000"/>
-              </a:lnSpc>
-              <a:spcBef>
-                <a:spcPts val="0"/>
-              </a:spcBef>
-            </a:pPr>
-            <a:r>
-              <a:rPr lang="en-US" sz="1600" dirty="0">
-                <a:solidFill>
-                  <a:schemeClr val="bg1"/>
-                </a:solidFill>
-              </a:rPr>
-              <a:t>aephidayatuloh.mail@gmail.com</a:t>
-            </a:r>
-          </a:p>
-        </p:txBody>
-      </p:sp>
-      <p:sp>
-        <p:nvSpPr>
-          <p:cNvPr id="9" name="Rectangle 8">
-            <a:extLst>
-              <a:ext uri="{FF2B5EF4-FFF2-40B4-BE49-F238E27FC236}">
-                <a16:creationId xmlns:a16="http://schemas.microsoft.com/office/drawing/2014/main" id="{F76C7804-C2DC-4222-9A4A-967D23D3DD66}"/>
-              </a:ext>
-            </a:extLst>
-          </p:cNvPr>
-          <p:cNvSpPr/>
-          <p:nvPr/>
-        </p:nvSpPr>
-        <p:spPr>
-          <a:xfrm>
-            <a:off x="338483" y="254882"/>
-            <a:ext cx="11515034" cy="6348236"/>
-          </a:xfrm>
-          <a:prstGeom prst="rect">
-            <a:avLst/>
-          </a:prstGeom>
-          <a:noFill/>
-          <a:ln w="76200">
-            <a:solidFill>
-              <a:srgbClr val="FFC000"/>
-            </a:solidFill>
-          </a:ln>
-        </p:spPr>
-        <p:style>
-          <a:lnRef idx="2">
-            <a:schemeClr val="accent1">
-              <a:shade val="50000"/>
-            </a:schemeClr>
-          </a:lnRef>
-          <a:fillRef idx="1">
-            <a:schemeClr val="accent1"/>
-          </a:fillRef>
-          <a:effectRef idx="0">
-            <a:schemeClr val="accent1"/>
-          </a:effectRef>
-          <a:fontRef idx="minor">
-            <a:schemeClr val="lt1"/>
-          </a:fontRef>
-        </p:style>
-        <p:txBody>
-          <a:bodyPr rtlCol="0" anchor="ctr"/>
-          <a:lstStyle/>
-          <a:p>
-            <a:pPr algn="ctr"/>
-            <a:endParaRPr lang="en-US"/>
-          </a:p>
-        </p:txBody>
-      </p:sp>
-      <p:sp>
-        <p:nvSpPr>
-          <p:cNvPr id="10" name="TextBox 9">
-            <a:extLst>
-              <a:ext uri="{FF2B5EF4-FFF2-40B4-BE49-F238E27FC236}">
-                <a16:creationId xmlns:a16="http://schemas.microsoft.com/office/drawing/2014/main" id="{42BE4117-E17E-473D-8999-60D7C03950D2}"/>
-              </a:ext>
-            </a:extLst>
-          </p:cNvPr>
-          <p:cNvSpPr txBox="1"/>
-          <p:nvPr/>
-        </p:nvSpPr>
-        <p:spPr>
-          <a:xfrm>
-            <a:off x="7402567" y="4785482"/>
-            <a:ext cx="3714607" cy="646331"/>
-          </a:xfrm>
-          <a:prstGeom prst="rect">
-            <a:avLst/>
-          </a:prstGeom>
-          <a:noFill/>
-        </p:spPr>
-        <p:txBody>
-          <a:bodyPr wrap="none" rtlCol="0">
-            <a:spAutoFit/>
-          </a:bodyPr>
-          <a:lstStyle/>
-          <a:p>
-            <a:r>
-              <a:rPr lang="en-US" b="1" dirty="0">
-                <a:solidFill>
-                  <a:schemeClr val="bg1"/>
-                </a:solidFill>
-                <a:latin typeface="Arial Black" panose="020B0A04020102020204" pitchFamily="34" charset="0"/>
-              </a:rPr>
-              <a:t>Webinar </a:t>
-            </a:r>
-            <a:r>
-              <a:rPr lang="en-US" b="1" dirty="0" err="1">
-                <a:solidFill>
-                  <a:schemeClr val="bg1"/>
-                </a:solidFill>
-                <a:latin typeface="Arial Black" panose="020B0A04020102020204" pitchFamily="34" charset="0"/>
-              </a:rPr>
-              <a:t>Himpro</a:t>
-            </a:r>
-            <a:r>
-              <a:rPr lang="en-US" b="1" dirty="0">
-                <a:solidFill>
-                  <a:schemeClr val="bg1"/>
-                </a:solidFill>
-                <a:latin typeface="Arial Black" panose="020B0A04020102020204" pitchFamily="34" charset="0"/>
-              </a:rPr>
-              <a:t> GSB </a:t>
-            </a:r>
-          </a:p>
-          <a:p>
-            <a:r>
-              <a:rPr lang="en-US" b="1" dirty="0" err="1">
-                <a:solidFill>
-                  <a:schemeClr val="bg1"/>
-                </a:solidFill>
-                <a:latin typeface="Arial Black" panose="020B0A04020102020204" pitchFamily="34" charset="0"/>
-              </a:rPr>
-              <a:t>Tanggal</a:t>
-            </a:r>
-            <a:r>
-              <a:rPr lang="en-US" b="1" dirty="0">
-                <a:solidFill>
-                  <a:schemeClr val="bg1"/>
-                </a:solidFill>
-                <a:latin typeface="Arial Black" panose="020B0A04020102020204" pitchFamily="34" charset="0"/>
-              </a:rPr>
-              <a:t> 19 September 2020</a:t>
-            </a:r>
-          </a:p>
-        </p:txBody>
-      </p:sp>
     </p:spTree>
     <p:extLst>
       <p:ext uri="{BB962C8B-B14F-4D97-AF65-F5344CB8AC3E}">
-        <p14:creationId xmlns:p14="http://schemas.microsoft.com/office/powerpoint/2010/main" val="1539510676"/>
+        <p14:creationId xmlns:p14="http://schemas.microsoft.com/office/powerpoint/2010/main" val="2170515023"/>
       </p:ext>
     </p:extLst>
   </p:cSld>
@@ -4131,10 +4574,10 @@
       </p:grpSpPr>
       <p:sp>
         <p:nvSpPr>
-          <p:cNvPr id="4" name="Title 3">
-            <a:extLst>
-              <a:ext uri="{FF2B5EF4-FFF2-40B4-BE49-F238E27FC236}">
-                <a16:creationId xmlns:a16="http://schemas.microsoft.com/office/drawing/2014/main" id="{0CF5449B-1625-47B9-9BE9-1FD571FCBBC5}"/>
+          <p:cNvPr id="2" name="Title 1">
+            <a:extLst>
+              <a:ext uri="{FF2B5EF4-FFF2-40B4-BE49-F238E27FC236}">
+                <a16:creationId xmlns:a16="http://schemas.microsoft.com/office/drawing/2014/main" id="{6E1F67C2-68AC-4D6C-A352-C94CAABA22B4}"/>
               </a:ext>
             </a:extLst>
           </p:cNvPr>
@@ -4151,22 +4594,18 @@
           <a:lstStyle/>
           <a:p>
             <a:r>
-              <a:rPr lang="en-US" dirty="0" err="1"/>
-              <a:t>Kategori</a:t>
-            </a:r>
-            <a:r>
               <a:rPr lang="en-US" dirty="0"/>
-              <a:t> Channel</a:t>
+              <a:t>Preview Data</a:t>
             </a:r>
           </a:p>
         </p:txBody>
       </p:sp>
       <p:pic>
         <p:nvPicPr>
-          <p:cNvPr id="15" name="Content Placeholder 14">
-            <a:extLst>
-              <a:ext uri="{FF2B5EF4-FFF2-40B4-BE49-F238E27FC236}">
-                <a16:creationId xmlns:a16="http://schemas.microsoft.com/office/drawing/2014/main" id="{457CD164-494D-41A4-A9B1-6C650DE885DF}"/>
+          <p:cNvPr id="11" name="Content Placeholder 10">
+            <a:extLst>
+              <a:ext uri="{FF2B5EF4-FFF2-40B4-BE49-F238E27FC236}">
+                <a16:creationId xmlns:a16="http://schemas.microsoft.com/office/drawing/2014/main" id="{9F263598-4704-410C-AD66-02ADCC6616F6}"/>
               </a:ext>
             </a:extLst>
           </p:cNvPr>
@@ -4185,20 +4624,45 @@
         </p:blipFill>
         <p:spPr>
           <a:xfrm>
-            <a:off x="1176021" y="1825625"/>
-            <a:ext cx="9839957" cy="4351338"/>
+            <a:off x="838199" y="1892468"/>
+            <a:ext cx="10515600" cy="1952433"/>
           </a:xfrm>
-          <a:ln>
-            <a:solidFill>
-              <a:srgbClr val="E12A26"/>
-            </a:solidFill>
-          </a:ln>
+        </p:spPr>
+      </p:pic>
+      <p:pic>
+        <p:nvPicPr>
+          <p:cNvPr id="13" name="Picture 12">
+            <a:extLst>
+              <a:ext uri="{FF2B5EF4-FFF2-40B4-BE49-F238E27FC236}">
+                <a16:creationId xmlns:a16="http://schemas.microsoft.com/office/drawing/2014/main" id="{C5914776-FE54-49B2-B694-11B46B2FAA0F}"/>
+              </a:ext>
+            </a:extLst>
+          </p:cNvPr>
+          <p:cNvPicPr>
+            <a:picLocks noChangeAspect="1"/>
+          </p:cNvPicPr>
+          <p:nvPr/>
+        </p:nvPicPr>
+        <p:blipFill>
+          <a:blip r:embed="rId3"/>
+          <a:stretch>
+            <a:fillRect/>
+          </a:stretch>
+        </p:blipFill>
+        <p:spPr>
+          <a:xfrm>
+            <a:off x="838200" y="4040017"/>
+            <a:ext cx="8564141" cy="1956816"/>
+          </a:xfrm>
+          <a:prstGeom prst="rect">
+            <a:avLst/>
+          </a:prstGeom>
         </p:spPr>
       </p:pic>
     </p:spTree>
     <p:extLst>
       <p:ext uri="{BB962C8B-B14F-4D97-AF65-F5344CB8AC3E}">
-        <p14:creationId xmlns:p14="http://schemas.microsoft.com/office/powerpoint/2010/main" val="1218448449"/>
+        <p14:creationId xmlns:p14="http://schemas.microsoft.com/office/powerpoint/2010/main" val="329393205"/>
       </p:ext>
     </p:extLst>
   </p:cSld>
@@ -4209,1810 +4673,6 @@
 </file>
 
 <file path=ppt/slides/slide11.xml><?xml version="1.0" encoding="utf-8"?>
-<p:sld xmlns:a="http://schemas.openxmlformats.org/drawingml/2006/main" xmlns:r="http://schemas.openxmlformats.org/officeDocument/2006/relationships" xmlns:p="http://schemas.openxmlformats.org/presentationml/2006/main">
-  <p:cSld>
-    <p:spTree>
-      <p:nvGrpSpPr>
-        <p:cNvPr id="1" name=""/>
-        <p:cNvGrpSpPr/>
-        <p:nvPr/>
-      </p:nvGrpSpPr>
-      <p:grpSpPr>
-        <a:xfrm>
-          <a:off x="0" y="0"/>
-          <a:ext cx="0" cy="0"/>
-          <a:chOff x="0" y="0"/>
-          <a:chExt cx="0" cy="0"/>
-        </a:xfrm>
-      </p:grpSpPr>
-      <p:sp>
-        <p:nvSpPr>
-          <p:cNvPr id="2" name="Title 1">
-            <a:extLst>
-              <a:ext uri="{FF2B5EF4-FFF2-40B4-BE49-F238E27FC236}">
-                <a16:creationId xmlns:a16="http://schemas.microsoft.com/office/drawing/2014/main" id="{8A01CAF0-9F91-49E6-940B-7C78243E1155}"/>
-              </a:ext>
-            </a:extLst>
-          </p:cNvPr>
-          <p:cNvSpPr>
-            <a:spLocks noGrp="1"/>
-          </p:cNvSpPr>
-          <p:nvPr>
-            <p:ph type="title"/>
-          </p:nvPr>
-        </p:nvSpPr>
-        <p:spPr/>
-        <p:txBody>
-          <a:bodyPr/>
-          <a:lstStyle/>
-          <a:p>
-            <a:r>
-              <a:rPr lang="en-US" dirty="0"/>
-              <a:t>Top Channel</a:t>
-            </a:r>
-          </a:p>
-        </p:txBody>
-      </p:sp>
-      <p:pic>
-        <p:nvPicPr>
-          <p:cNvPr id="9" name="Content Placeholder 8">
-            <a:extLst>
-              <a:ext uri="{FF2B5EF4-FFF2-40B4-BE49-F238E27FC236}">
-                <a16:creationId xmlns:a16="http://schemas.microsoft.com/office/drawing/2014/main" id="{1096B773-1F1A-467A-9FE5-609E50C9B554}"/>
-              </a:ext>
-            </a:extLst>
-          </p:cNvPr>
-          <p:cNvPicPr>
-            <a:picLocks noGrp="1" noChangeAspect="1"/>
-          </p:cNvPicPr>
-          <p:nvPr>
-            <p:ph idx="1"/>
-          </p:nvPr>
-        </p:nvPicPr>
-        <p:blipFill>
-          <a:blip r:embed="rId2"/>
-          <a:stretch>
-            <a:fillRect/>
-          </a:stretch>
-        </p:blipFill>
-        <p:spPr>
-          <a:xfrm>
-            <a:off x="1182273" y="1825625"/>
-            <a:ext cx="9827454" cy="4351338"/>
-          </a:xfrm>
-          <a:ln>
-            <a:solidFill>
-              <a:srgbClr val="E12A26"/>
-            </a:solidFill>
-          </a:ln>
-        </p:spPr>
-      </p:pic>
-    </p:spTree>
-    <p:extLst>
-      <p:ext uri="{BB962C8B-B14F-4D97-AF65-F5344CB8AC3E}">
-        <p14:creationId xmlns:p14="http://schemas.microsoft.com/office/powerpoint/2010/main" val="1035710561"/>
-      </p:ext>
-    </p:extLst>
-  </p:cSld>
-  <p:clrMapOvr>
-    <a:masterClrMapping/>
-  </p:clrMapOvr>
-</p:sld>
-</file>
-
-<file path=ppt/slides/slide12.xml><?xml version="1.0" encoding="utf-8"?>
-<p:sld xmlns:a="http://schemas.openxmlformats.org/drawingml/2006/main" xmlns:r="http://schemas.openxmlformats.org/officeDocument/2006/relationships" xmlns:p="http://schemas.openxmlformats.org/presentationml/2006/main">
-  <p:cSld>
-    <p:spTree>
-      <p:nvGrpSpPr>
-        <p:cNvPr id="1" name=""/>
-        <p:cNvGrpSpPr/>
-        <p:nvPr/>
-      </p:nvGrpSpPr>
-      <p:grpSpPr>
-        <a:xfrm>
-          <a:off x="0" y="0"/>
-          <a:ext cx="0" cy="0"/>
-          <a:chOff x="0" y="0"/>
-          <a:chExt cx="0" cy="0"/>
-        </a:xfrm>
-      </p:grpSpPr>
-      <p:sp>
-        <p:nvSpPr>
-          <p:cNvPr id="2" name="Title 1">
-            <a:extLst>
-              <a:ext uri="{FF2B5EF4-FFF2-40B4-BE49-F238E27FC236}">
-                <a16:creationId xmlns:a16="http://schemas.microsoft.com/office/drawing/2014/main" id="{B0C62338-DA7F-449F-A8D8-19CFF09EE167}"/>
-              </a:ext>
-            </a:extLst>
-          </p:cNvPr>
-          <p:cNvSpPr>
-            <a:spLocks noGrp="1"/>
-          </p:cNvSpPr>
-          <p:nvPr>
-            <p:ph type="title"/>
-          </p:nvPr>
-        </p:nvSpPr>
-        <p:spPr/>
-        <p:txBody>
-          <a:bodyPr/>
-          <a:lstStyle/>
-          <a:p>
-            <a:r>
-              <a:rPr lang="en-US" dirty="0" err="1"/>
-              <a:t>Wordcloud</a:t>
-            </a:r>
-            <a:endParaRPr lang="en-US" dirty="0"/>
-          </a:p>
-        </p:txBody>
-      </p:sp>
-      <p:pic>
-        <p:nvPicPr>
-          <p:cNvPr id="5" name="Content Placeholder 4">
-            <a:extLst>
-              <a:ext uri="{FF2B5EF4-FFF2-40B4-BE49-F238E27FC236}">
-                <a16:creationId xmlns:a16="http://schemas.microsoft.com/office/drawing/2014/main" id="{8016A17D-C8A7-4FD3-B88F-B3FCFAF1B7D7}"/>
-              </a:ext>
-            </a:extLst>
-          </p:cNvPr>
-          <p:cNvPicPr>
-            <a:picLocks noGrp="1" noChangeAspect="1"/>
-          </p:cNvPicPr>
-          <p:nvPr>
-            <p:ph idx="1"/>
-          </p:nvPr>
-        </p:nvPicPr>
-        <p:blipFill>
-          <a:blip r:embed="rId2"/>
-          <a:stretch>
-            <a:fillRect/>
-          </a:stretch>
-        </p:blipFill>
-        <p:spPr>
-          <a:xfrm>
-            <a:off x="1901384" y="1825625"/>
-            <a:ext cx="8389232" cy="4351338"/>
-          </a:xfrm>
-        </p:spPr>
-      </p:pic>
-    </p:spTree>
-    <p:extLst>
-      <p:ext uri="{BB962C8B-B14F-4D97-AF65-F5344CB8AC3E}">
-        <p14:creationId xmlns:p14="http://schemas.microsoft.com/office/powerpoint/2010/main" val="1867819385"/>
-      </p:ext>
-    </p:extLst>
-  </p:cSld>
-  <p:clrMapOvr>
-    <a:masterClrMapping/>
-  </p:clrMapOvr>
-</p:sld>
-</file>
-
-<file path=ppt/slides/slide13.xml><?xml version="1.0" encoding="utf-8"?>
-<p:sld xmlns:a="http://schemas.openxmlformats.org/drawingml/2006/main" xmlns:r="http://schemas.openxmlformats.org/officeDocument/2006/relationships" xmlns:p="http://schemas.openxmlformats.org/presentationml/2006/main">
-  <p:cSld>
-    <p:spTree>
-      <p:nvGrpSpPr>
-        <p:cNvPr id="1" name=""/>
-        <p:cNvGrpSpPr/>
-        <p:nvPr/>
-      </p:nvGrpSpPr>
-      <p:grpSpPr>
-        <a:xfrm>
-          <a:off x="0" y="0"/>
-          <a:ext cx="0" cy="0"/>
-          <a:chOff x="0" y="0"/>
-          <a:chExt cx="0" cy="0"/>
-        </a:xfrm>
-      </p:grpSpPr>
-      <p:sp>
-        <p:nvSpPr>
-          <p:cNvPr id="2" name="Title 1">
-            <a:extLst>
-              <a:ext uri="{FF2B5EF4-FFF2-40B4-BE49-F238E27FC236}">
-                <a16:creationId xmlns:a16="http://schemas.microsoft.com/office/drawing/2014/main" id="{4AFABD5F-D19C-4B67-89F2-F261EE389B57}"/>
-              </a:ext>
-            </a:extLst>
-          </p:cNvPr>
-          <p:cNvSpPr>
-            <a:spLocks noGrp="1"/>
-          </p:cNvSpPr>
-          <p:nvPr>
-            <p:ph type="title"/>
-          </p:nvPr>
-        </p:nvSpPr>
-        <p:spPr/>
-        <p:txBody>
-          <a:bodyPr/>
-          <a:lstStyle/>
-          <a:p>
-            <a:r>
-              <a:rPr lang="en-US" dirty="0" err="1"/>
-              <a:t>Durasi</a:t>
-            </a:r>
-            <a:r>
-              <a:rPr lang="en-US" dirty="0"/>
-              <a:t> </a:t>
-            </a:r>
-            <a:r>
-              <a:rPr lang="en-US" dirty="0" err="1"/>
-              <a:t>Bergabung</a:t>
-            </a:r>
-            <a:r>
-              <a:rPr lang="en-US" dirty="0"/>
-              <a:t> Channel</a:t>
-            </a:r>
-          </a:p>
-        </p:txBody>
-      </p:sp>
-      <p:pic>
-        <p:nvPicPr>
-          <p:cNvPr id="14" name="Content Placeholder 13">
-            <a:extLst>
-              <a:ext uri="{FF2B5EF4-FFF2-40B4-BE49-F238E27FC236}">
-                <a16:creationId xmlns:a16="http://schemas.microsoft.com/office/drawing/2014/main" id="{7E26CEE6-281E-4E9C-B4BB-11B9A9FA6A66}"/>
-              </a:ext>
-            </a:extLst>
-          </p:cNvPr>
-          <p:cNvPicPr>
-            <a:picLocks noGrp="1" noChangeAspect="1"/>
-          </p:cNvPicPr>
-          <p:nvPr>
-            <p:ph idx="1"/>
-          </p:nvPr>
-        </p:nvPicPr>
-        <p:blipFill>
-          <a:blip r:embed="rId2"/>
-          <a:stretch>
-            <a:fillRect/>
-          </a:stretch>
-        </p:blipFill>
-        <p:spPr>
-          <a:xfrm>
-            <a:off x="2072446" y="1825625"/>
-            <a:ext cx="8047107" cy="4351338"/>
-          </a:xfrm>
-          <a:ln>
-            <a:solidFill>
-              <a:srgbClr val="E12A26"/>
-            </a:solidFill>
-          </a:ln>
-        </p:spPr>
-      </p:pic>
-      <p:sp>
-        <p:nvSpPr>
-          <p:cNvPr id="6" name="Rectangle: Rounded Corners 5">
-            <a:extLst>
-              <a:ext uri="{FF2B5EF4-FFF2-40B4-BE49-F238E27FC236}">
-                <a16:creationId xmlns:a16="http://schemas.microsoft.com/office/drawing/2014/main" id="{4CA73214-14F5-4483-93DC-A8BEF7C4A298}"/>
-              </a:ext>
-            </a:extLst>
-          </p:cNvPr>
-          <p:cNvSpPr/>
-          <p:nvPr/>
-        </p:nvSpPr>
-        <p:spPr>
-          <a:xfrm>
-            <a:off x="6196087" y="3401703"/>
-            <a:ext cx="2019866" cy="1211239"/>
-          </a:xfrm>
-          <a:prstGeom prst="roundRect">
-            <a:avLst/>
-          </a:prstGeom>
-          <a:noFill/>
-          <a:ln w="57150">
-            <a:solidFill>
-              <a:srgbClr val="E12A26"/>
-            </a:solidFill>
-          </a:ln>
-        </p:spPr>
-        <p:style>
-          <a:lnRef idx="2">
-            <a:schemeClr val="accent1">
-              <a:shade val="50000"/>
-            </a:schemeClr>
-          </a:lnRef>
-          <a:fillRef idx="1">
-            <a:schemeClr val="accent1"/>
-          </a:fillRef>
-          <a:effectRef idx="0">
-            <a:schemeClr val="accent1"/>
-          </a:effectRef>
-          <a:fontRef idx="minor">
-            <a:schemeClr val="lt1"/>
-          </a:fontRef>
-        </p:style>
-        <p:txBody>
-          <a:bodyPr rtlCol="0" anchor="ctr"/>
-          <a:lstStyle/>
-          <a:p>
-            <a:pPr algn="ctr"/>
-            <a:endParaRPr lang="en-US"/>
-          </a:p>
-        </p:txBody>
-      </p:sp>
-    </p:spTree>
-    <p:extLst>
-      <p:ext uri="{BB962C8B-B14F-4D97-AF65-F5344CB8AC3E}">
-        <p14:creationId xmlns:p14="http://schemas.microsoft.com/office/powerpoint/2010/main" val="985635392"/>
-      </p:ext>
-    </p:extLst>
-  </p:cSld>
-  <p:clrMapOvr>
-    <a:masterClrMapping/>
-  </p:clrMapOvr>
-</p:sld>
-</file>
-
-<file path=ppt/slides/slide14.xml><?xml version="1.0" encoding="utf-8"?>
-<p:sld xmlns:a="http://schemas.openxmlformats.org/drawingml/2006/main" xmlns:r="http://schemas.openxmlformats.org/officeDocument/2006/relationships" xmlns:p="http://schemas.openxmlformats.org/presentationml/2006/main">
-  <p:cSld>
-    <p:spTree>
-      <p:nvGrpSpPr>
-        <p:cNvPr id="1" name=""/>
-        <p:cNvGrpSpPr/>
-        <p:nvPr/>
-      </p:nvGrpSpPr>
-      <p:grpSpPr>
-        <a:xfrm>
-          <a:off x="0" y="0"/>
-          <a:ext cx="0" cy="0"/>
-          <a:chOff x="0" y="0"/>
-          <a:chExt cx="0" cy="0"/>
-        </a:xfrm>
-      </p:grpSpPr>
-      <p:sp>
-        <p:nvSpPr>
-          <p:cNvPr id="2" name="Title 1">
-            <a:extLst>
-              <a:ext uri="{FF2B5EF4-FFF2-40B4-BE49-F238E27FC236}">
-                <a16:creationId xmlns:a16="http://schemas.microsoft.com/office/drawing/2014/main" id="{2E0B8CAC-A547-424C-ACB3-9BCA276788BC}"/>
-              </a:ext>
-            </a:extLst>
-          </p:cNvPr>
-          <p:cNvSpPr>
-            <a:spLocks noGrp="1"/>
-          </p:cNvSpPr>
-          <p:nvPr>
-            <p:ph type="title"/>
-          </p:nvPr>
-        </p:nvSpPr>
-        <p:spPr/>
-        <p:txBody>
-          <a:bodyPr/>
-          <a:lstStyle/>
-          <a:p>
-            <a:r>
-              <a:rPr lang="en-US" dirty="0" err="1"/>
-              <a:t>Sebaran</a:t>
-            </a:r>
-            <a:r>
-              <a:rPr lang="en-US" dirty="0"/>
-              <a:t> </a:t>
-            </a:r>
-            <a:r>
-              <a:rPr lang="en-US" dirty="0" err="1"/>
-              <a:t>Penghasilan</a:t>
-            </a:r>
-            <a:endParaRPr lang="en-US" dirty="0"/>
-          </a:p>
-        </p:txBody>
-      </p:sp>
-      <p:pic>
-        <p:nvPicPr>
-          <p:cNvPr id="25" name="Content Placeholder 24">
-            <a:extLst>
-              <a:ext uri="{FF2B5EF4-FFF2-40B4-BE49-F238E27FC236}">
-                <a16:creationId xmlns:a16="http://schemas.microsoft.com/office/drawing/2014/main" id="{BB756474-45CE-467D-9C0B-A3B052FB4838}"/>
-              </a:ext>
-            </a:extLst>
-          </p:cNvPr>
-          <p:cNvPicPr>
-            <a:picLocks noGrp="1" noChangeAspect="1"/>
-          </p:cNvPicPr>
-          <p:nvPr>
-            <p:ph idx="1"/>
-          </p:nvPr>
-        </p:nvPicPr>
-        <p:blipFill>
-          <a:blip r:embed="rId2"/>
-          <a:stretch>
-            <a:fillRect/>
-          </a:stretch>
-        </p:blipFill>
-        <p:spPr>
-          <a:xfrm>
-            <a:off x="2068349" y="1825625"/>
-            <a:ext cx="8055301" cy="4351338"/>
-          </a:xfrm>
-          <a:ln>
-            <a:solidFill>
-              <a:srgbClr val="E12A26"/>
-            </a:solidFill>
-          </a:ln>
-        </p:spPr>
-      </p:pic>
-    </p:spTree>
-    <p:extLst>
-      <p:ext uri="{BB962C8B-B14F-4D97-AF65-F5344CB8AC3E}">
-        <p14:creationId xmlns:p14="http://schemas.microsoft.com/office/powerpoint/2010/main" val="792296865"/>
-      </p:ext>
-    </p:extLst>
-  </p:cSld>
-  <p:clrMapOvr>
-    <a:masterClrMapping/>
-  </p:clrMapOvr>
-</p:sld>
-</file>
-
-<file path=ppt/slides/slide15.xml><?xml version="1.0" encoding="utf-8"?>
-<p:sld xmlns:a="http://schemas.openxmlformats.org/drawingml/2006/main" xmlns:r="http://schemas.openxmlformats.org/officeDocument/2006/relationships" xmlns:p="http://schemas.openxmlformats.org/presentationml/2006/main">
-  <p:cSld>
-    <p:spTree>
-      <p:nvGrpSpPr>
-        <p:cNvPr id="1" name=""/>
-        <p:cNvGrpSpPr/>
-        <p:nvPr/>
-      </p:nvGrpSpPr>
-      <p:grpSpPr>
-        <a:xfrm>
-          <a:off x="0" y="0"/>
-          <a:ext cx="0" cy="0"/>
-          <a:chOff x="0" y="0"/>
-          <a:chExt cx="0" cy="0"/>
-        </a:xfrm>
-      </p:grpSpPr>
-      <p:sp>
-        <p:nvSpPr>
-          <p:cNvPr id="2" name="Title 1">
-            <a:extLst>
-              <a:ext uri="{FF2B5EF4-FFF2-40B4-BE49-F238E27FC236}">
-                <a16:creationId xmlns:a16="http://schemas.microsoft.com/office/drawing/2014/main" id="{70944C03-18BA-48DD-A700-61DF59D001D7}"/>
-              </a:ext>
-            </a:extLst>
-          </p:cNvPr>
-          <p:cNvSpPr>
-            <a:spLocks noGrp="1"/>
-          </p:cNvSpPr>
-          <p:nvPr>
-            <p:ph type="title"/>
-          </p:nvPr>
-        </p:nvSpPr>
-        <p:spPr/>
-        <p:txBody>
-          <a:bodyPr/>
-          <a:lstStyle/>
-          <a:p>
-            <a:r>
-              <a:rPr lang="en-US" dirty="0"/>
-              <a:t>Total View Channel</a:t>
-            </a:r>
-          </a:p>
-        </p:txBody>
-      </p:sp>
-      <p:pic>
-        <p:nvPicPr>
-          <p:cNvPr id="9" name="Content Placeholder 8">
-            <a:extLst>
-              <a:ext uri="{FF2B5EF4-FFF2-40B4-BE49-F238E27FC236}">
-                <a16:creationId xmlns:a16="http://schemas.microsoft.com/office/drawing/2014/main" id="{02A86EE7-833F-45A0-B6FB-47E6674D3E9F}"/>
-              </a:ext>
-            </a:extLst>
-          </p:cNvPr>
-          <p:cNvPicPr>
-            <a:picLocks noGrp="1" noChangeAspect="1"/>
-          </p:cNvPicPr>
-          <p:nvPr>
-            <p:ph idx="1"/>
-          </p:nvPr>
-        </p:nvPicPr>
-        <p:blipFill>
-          <a:blip r:embed="rId2"/>
-          <a:stretch>
-            <a:fillRect/>
-          </a:stretch>
-        </p:blipFill>
-        <p:spPr>
-          <a:xfrm>
-            <a:off x="2061347" y="1825625"/>
-            <a:ext cx="8069305" cy="4351338"/>
-          </a:xfrm>
-          <a:ln>
-            <a:solidFill>
-              <a:srgbClr val="E12A26"/>
-            </a:solidFill>
-          </a:ln>
-        </p:spPr>
-      </p:pic>
-    </p:spTree>
-    <p:extLst>
-      <p:ext uri="{BB962C8B-B14F-4D97-AF65-F5344CB8AC3E}">
-        <p14:creationId xmlns:p14="http://schemas.microsoft.com/office/powerpoint/2010/main" val="2009724890"/>
-      </p:ext>
-    </p:extLst>
-  </p:cSld>
-  <p:clrMapOvr>
-    <a:masterClrMapping/>
-  </p:clrMapOvr>
-</p:sld>
-</file>
-
-<file path=ppt/slides/slide16.xml><?xml version="1.0" encoding="utf-8"?>
-<p:sld xmlns:a="http://schemas.openxmlformats.org/drawingml/2006/main" xmlns:r="http://schemas.openxmlformats.org/officeDocument/2006/relationships" xmlns:p="http://schemas.openxmlformats.org/presentationml/2006/main">
-  <p:cSld>
-    <p:spTree>
-      <p:nvGrpSpPr>
-        <p:cNvPr id="1" name=""/>
-        <p:cNvGrpSpPr/>
-        <p:nvPr/>
-      </p:nvGrpSpPr>
-      <p:grpSpPr>
-        <a:xfrm>
-          <a:off x="0" y="0"/>
-          <a:ext cx="0" cy="0"/>
-          <a:chOff x="0" y="0"/>
-          <a:chExt cx="0" cy="0"/>
-        </a:xfrm>
-      </p:grpSpPr>
-      <p:sp>
-        <p:nvSpPr>
-          <p:cNvPr id="2" name="Title 1">
-            <a:extLst>
-              <a:ext uri="{FF2B5EF4-FFF2-40B4-BE49-F238E27FC236}">
-                <a16:creationId xmlns:a16="http://schemas.microsoft.com/office/drawing/2014/main" id="{B3B78B49-5B6F-439E-BAB2-710A58E8C27B}"/>
-              </a:ext>
-            </a:extLst>
-          </p:cNvPr>
-          <p:cNvSpPr>
-            <a:spLocks noGrp="1"/>
-          </p:cNvSpPr>
-          <p:nvPr>
-            <p:ph type="title"/>
-          </p:nvPr>
-        </p:nvSpPr>
-        <p:spPr/>
-        <p:txBody>
-          <a:bodyPr/>
-          <a:lstStyle/>
-          <a:p>
-            <a:r>
-              <a:rPr lang="en-US" dirty="0"/>
-              <a:t>Top 5 Subscriber Channel</a:t>
-            </a:r>
-          </a:p>
-        </p:txBody>
-      </p:sp>
-      <p:pic>
-        <p:nvPicPr>
-          <p:cNvPr id="6" name="Content Placeholder 8">
-            <a:extLst>
-              <a:ext uri="{FF2B5EF4-FFF2-40B4-BE49-F238E27FC236}">
-                <a16:creationId xmlns:a16="http://schemas.microsoft.com/office/drawing/2014/main" id="{155974A4-3217-4B60-940A-127F9EADA5DD}"/>
-              </a:ext>
-            </a:extLst>
-          </p:cNvPr>
-          <p:cNvPicPr>
-            <a:picLocks noChangeAspect="1"/>
-          </p:cNvPicPr>
-          <p:nvPr/>
-        </p:nvPicPr>
-        <p:blipFill>
-          <a:blip r:embed="rId2"/>
-          <a:stretch>
-            <a:fillRect/>
-          </a:stretch>
-        </p:blipFill>
-        <p:spPr>
-          <a:xfrm>
-            <a:off x="904479" y="1825625"/>
-            <a:ext cx="5366725" cy="4766244"/>
-          </a:xfrm>
-          <a:prstGeom prst="rect">
-            <a:avLst/>
-          </a:prstGeom>
-          <a:ln>
-            <a:solidFill>
-              <a:srgbClr val="E12A26"/>
-            </a:solidFill>
-          </a:ln>
-        </p:spPr>
-      </p:pic>
-      <p:sp>
-        <p:nvSpPr>
-          <p:cNvPr id="7" name="Rectangle: Rounded Corners 6">
-            <a:extLst>
-              <a:ext uri="{FF2B5EF4-FFF2-40B4-BE49-F238E27FC236}">
-                <a16:creationId xmlns:a16="http://schemas.microsoft.com/office/drawing/2014/main" id="{706B4C8C-5101-4300-8663-CE3DB06F1B86}"/>
-              </a:ext>
-            </a:extLst>
-          </p:cNvPr>
-          <p:cNvSpPr/>
-          <p:nvPr/>
-        </p:nvSpPr>
-        <p:spPr>
-          <a:xfrm>
-            <a:off x="1378428" y="2142699"/>
-            <a:ext cx="4804012" cy="996286"/>
-          </a:xfrm>
-          <a:prstGeom prst="roundRect">
-            <a:avLst>
-              <a:gd name="adj" fmla="val 5708"/>
-            </a:avLst>
-          </a:prstGeom>
-          <a:noFill/>
-          <a:ln w="38100">
-            <a:prstDash val="sysDash"/>
-          </a:ln>
-        </p:spPr>
-        <p:style>
-          <a:lnRef idx="2">
-            <a:schemeClr val="accent1">
-              <a:shade val="50000"/>
-            </a:schemeClr>
-          </a:lnRef>
-          <a:fillRef idx="1">
-            <a:schemeClr val="accent1"/>
-          </a:fillRef>
-          <a:effectRef idx="0">
-            <a:schemeClr val="accent1"/>
-          </a:effectRef>
-          <a:fontRef idx="minor">
-            <a:schemeClr val="lt1"/>
-          </a:fontRef>
-        </p:style>
-        <p:txBody>
-          <a:bodyPr rtlCol="0" anchor="ctr"/>
-          <a:lstStyle/>
-          <a:p>
-            <a:pPr algn="ctr"/>
-            <a:endParaRPr lang="en-US"/>
-          </a:p>
-        </p:txBody>
-      </p:sp>
-      <p:pic>
-        <p:nvPicPr>
-          <p:cNvPr id="17" name="Content Placeholder 16">
-            <a:extLst>
-              <a:ext uri="{FF2B5EF4-FFF2-40B4-BE49-F238E27FC236}">
-                <a16:creationId xmlns:a16="http://schemas.microsoft.com/office/drawing/2014/main" id="{2C298808-B258-4098-A3CF-86B42FEE0EC7}"/>
-              </a:ext>
-            </a:extLst>
-          </p:cNvPr>
-          <p:cNvPicPr>
-            <a:picLocks noGrp="1" noChangeAspect="1"/>
-          </p:cNvPicPr>
-          <p:nvPr>
-            <p:ph idx="1"/>
-          </p:nvPr>
-        </p:nvPicPr>
-        <p:blipFill>
-          <a:blip r:embed="rId3"/>
-          <a:stretch>
-            <a:fillRect/>
-          </a:stretch>
-        </p:blipFill>
-        <p:spPr>
-          <a:xfrm>
-            <a:off x="6636539" y="1808444"/>
-            <a:ext cx="4395596" cy="2311757"/>
-          </a:xfrm>
-          <a:ln>
-            <a:solidFill>
-              <a:srgbClr val="E12A26"/>
-            </a:solidFill>
-          </a:ln>
-        </p:spPr>
-      </p:pic>
-      <p:pic>
-        <p:nvPicPr>
-          <p:cNvPr id="19" name="Picture 18">
-            <a:extLst>
-              <a:ext uri="{FF2B5EF4-FFF2-40B4-BE49-F238E27FC236}">
-                <a16:creationId xmlns:a16="http://schemas.microsoft.com/office/drawing/2014/main" id="{F82D2833-F127-4F0F-8E27-D1915B582099}"/>
-              </a:ext>
-            </a:extLst>
-          </p:cNvPr>
-          <p:cNvPicPr>
-            <a:picLocks noChangeAspect="1"/>
-          </p:cNvPicPr>
-          <p:nvPr/>
-        </p:nvPicPr>
-        <p:blipFill>
-          <a:blip r:embed="rId4"/>
-          <a:stretch>
-            <a:fillRect/>
-          </a:stretch>
-        </p:blipFill>
-        <p:spPr>
-          <a:xfrm>
-            <a:off x="6636539" y="4280113"/>
-            <a:ext cx="4391522" cy="2311756"/>
-          </a:xfrm>
-          <a:prstGeom prst="rect">
-            <a:avLst/>
-          </a:prstGeom>
-          <a:ln>
-            <a:solidFill>
-              <a:srgbClr val="E12A26"/>
-            </a:solidFill>
-          </a:ln>
-        </p:spPr>
-      </p:pic>
-    </p:spTree>
-    <p:extLst>
-      <p:ext uri="{BB962C8B-B14F-4D97-AF65-F5344CB8AC3E}">
-        <p14:creationId xmlns:p14="http://schemas.microsoft.com/office/powerpoint/2010/main" val="1776496391"/>
-      </p:ext>
-    </p:extLst>
-  </p:cSld>
-  <p:clrMapOvr>
-    <a:masterClrMapping/>
-  </p:clrMapOvr>
-</p:sld>
-</file>
-
-<file path=ppt/slides/slide17.xml><?xml version="1.0" encoding="utf-8"?>
-<p:sld xmlns:a="http://schemas.openxmlformats.org/drawingml/2006/main" xmlns:r="http://schemas.openxmlformats.org/officeDocument/2006/relationships" xmlns:p="http://schemas.openxmlformats.org/presentationml/2006/main">
-  <p:cSld>
-    <p:spTree>
-      <p:nvGrpSpPr>
-        <p:cNvPr id="1" name=""/>
-        <p:cNvGrpSpPr/>
-        <p:nvPr/>
-      </p:nvGrpSpPr>
-      <p:grpSpPr>
-        <a:xfrm>
-          <a:off x="0" y="0"/>
-          <a:ext cx="0" cy="0"/>
-          <a:chOff x="0" y="0"/>
-          <a:chExt cx="0" cy="0"/>
-        </a:xfrm>
-      </p:grpSpPr>
-      <p:pic>
-        <p:nvPicPr>
-          <p:cNvPr id="64" name="Content Placeholder 63">
-            <a:extLst>
-              <a:ext uri="{FF2B5EF4-FFF2-40B4-BE49-F238E27FC236}">
-                <a16:creationId xmlns:a16="http://schemas.microsoft.com/office/drawing/2014/main" id="{61D884BD-B122-437E-92DA-4D7A8FDBAFA2}"/>
-              </a:ext>
-            </a:extLst>
-          </p:cNvPr>
-          <p:cNvPicPr>
-            <a:picLocks noGrp="1" noChangeAspect="1"/>
-          </p:cNvPicPr>
-          <p:nvPr>
-            <p:ph idx="1"/>
-          </p:nvPr>
-        </p:nvPicPr>
-        <p:blipFill>
-          <a:blip r:embed="rId2"/>
-          <a:stretch>
-            <a:fillRect/>
-          </a:stretch>
-        </p:blipFill>
-        <p:spPr>
-          <a:xfrm>
-            <a:off x="1048739" y="2027841"/>
-            <a:ext cx="5019551" cy="4351338"/>
-          </a:xfrm>
-        </p:spPr>
-      </p:pic>
-      <p:sp>
-        <p:nvSpPr>
-          <p:cNvPr id="2" name="Title 1">
-            <a:extLst>
-              <a:ext uri="{FF2B5EF4-FFF2-40B4-BE49-F238E27FC236}">
-                <a16:creationId xmlns:a16="http://schemas.microsoft.com/office/drawing/2014/main" id="{D0E06A0D-3A94-492E-99F6-2BE22693399E}"/>
-              </a:ext>
-            </a:extLst>
-          </p:cNvPr>
-          <p:cNvSpPr>
-            <a:spLocks noGrp="1"/>
-          </p:cNvSpPr>
-          <p:nvPr>
-            <p:ph type="title"/>
-          </p:nvPr>
-        </p:nvSpPr>
-        <p:spPr/>
-        <p:txBody>
-          <a:bodyPr/>
-          <a:lstStyle/>
-          <a:p>
-            <a:r>
-              <a:rPr lang="en-US" dirty="0" err="1"/>
-              <a:t>Korelasi</a:t>
-            </a:r>
-            <a:endParaRPr lang="en-US" dirty="0"/>
-          </a:p>
-        </p:txBody>
-      </p:sp>
-      <p:sp>
-        <p:nvSpPr>
-          <p:cNvPr id="11" name="TextBox 10">
-            <a:extLst>
-              <a:ext uri="{FF2B5EF4-FFF2-40B4-BE49-F238E27FC236}">
-                <a16:creationId xmlns:a16="http://schemas.microsoft.com/office/drawing/2014/main" id="{E5FEF39F-91A5-4CE1-BC79-FA2CCC3E12E9}"/>
-              </a:ext>
-            </a:extLst>
-          </p:cNvPr>
-          <p:cNvSpPr txBox="1"/>
-          <p:nvPr/>
-        </p:nvSpPr>
-        <p:spPr>
-          <a:xfrm>
-            <a:off x="6095999" y="1192404"/>
-            <a:ext cx="5675585" cy="1077218"/>
-          </a:xfrm>
-          <a:prstGeom prst="rect">
-            <a:avLst/>
-          </a:prstGeom>
-          <a:noFill/>
-          <a:ln>
-            <a:solidFill>
-              <a:srgbClr val="E12A26"/>
-            </a:solidFill>
-          </a:ln>
-        </p:spPr>
-        <p:txBody>
-          <a:bodyPr wrap="square" rtlCol="0">
-            <a:spAutoFit/>
-          </a:bodyPr>
-          <a:lstStyle/>
-          <a:p>
-            <a:r>
-              <a:rPr lang="en-US" sz="1600" dirty="0"/>
-              <a:t>Uji </a:t>
-            </a:r>
-            <a:r>
-              <a:rPr lang="en-US" sz="1600" dirty="0" err="1"/>
-              <a:t>Hipotesis</a:t>
-            </a:r>
-            <a:r>
-              <a:rPr lang="en-US" sz="1600" dirty="0"/>
-              <a:t> </a:t>
-            </a:r>
-            <a:r>
-              <a:rPr lang="en-US" sz="1600" dirty="0" err="1"/>
-              <a:t>dgn</a:t>
-            </a:r>
-            <a:r>
-              <a:rPr lang="en-US" sz="1600" dirty="0"/>
-              <a:t> </a:t>
-            </a:r>
-            <a:r>
-              <a:rPr lang="en-US" sz="1600" dirty="0" err="1"/>
-              <a:t>taraf</a:t>
-            </a:r>
-            <a:r>
-              <a:rPr lang="en-US" sz="1600" dirty="0"/>
-              <a:t> </a:t>
-            </a:r>
-            <a:r>
-              <a:rPr lang="en-US" sz="1600" dirty="0" err="1"/>
-              <a:t>nyata</a:t>
-            </a:r>
-            <a:r>
-              <a:rPr lang="en-US" sz="1600" dirty="0"/>
-              <a:t> 5%</a:t>
-            </a:r>
-          </a:p>
-          <a:p>
-            <a:endParaRPr lang="en-US" sz="1600" dirty="0"/>
-          </a:p>
-          <a:p>
-            <a:r>
-              <a:rPr lang="en-US" sz="1600" dirty="0"/>
-              <a:t>H0: </a:t>
-            </a:r>
-            <a:r>
-              <a:rPr lang="en-US" sz="1600" dirty="0" err="1"/>
-              <a:t>tidak</a:t>
-            </a:r>
-            <a:r>
-              <a:rPr lang="en-US" sz="1600" dirty="0"/>
-              <a:t> </a:t>
-            </a:r>
-            <a:r>
-              <a:rPr lang="en-US" sz="1600" dirty="0" err="1"/>
-              <a:t>ada</a:t>
-            </a:r>
-            <a:r>
-              <a:rPr lang="en-US" sz="1600" dirty="0"/>
-              <a:t> </a:t>
-            </a:r>
-            <a:r>
-              <a:rPr lang="en-US" sz="1600" dirty="0" err="1"/>
-              <a:t>korelasi</a:t>
-            </a:r>
-            <a:r>
-              <a:rPr lang="en-US" sz="1600" dirty="0"/>
-              <a:t> (</a:t>
-            </a:r>
-            <a:r>
-              <a:rPr lang="el-GR" sz="1600" i="1" dirty="0"/>
-              <a:t>ρ</a:t>
-            </a:r>
-            <a:r>
-              <a:rPr lang="en-US" sz="1600" dirty="0"/>
-              <a:t> = 0)</a:t>
-            </a:r>
-          </a:p>
-          <a:p>
-            <a:r>
-              <a:rPr lang="en-US" sz="1600" dirty="0"/>
-              <a:t>H1: Ada </a:t>
-            </a:r>
-            <a:r>
-              <a:rPr lang="en-US" sz="1600" dirty="0" err="1"/>
-              <a:t>korelasi</a:t>
-            </a:r>
-            <a:r>
-              <a:rPr lang="en-US" sz="1600" dirty="0"/>
-              <a:t>  (</a:t>
-            </a:r>
-            <a:r>
-              <a:rPr lang="el-GR" sz="1600" i="1" dirty="0"/>
-              <a:t>ρ</a:t>
-            </a:r>
-            <a:r>
-              <a:rPr lang="en-US" sz="1600" dirty="0"/>
-              <a:t> ≠ 0)</a:t>
-            </a:r>
-          </a:p>
-        </p:txBody>
-      </p:sp>
-      <p:pic>
-        <p:nvPicPr>
-          <p:cNvPr id="53" name="Picture 52">
-            <a:extLst>
-              <a:ext uri="{FF2B5EF4-FFF2-40B4-BE49-F238E27FC236}">
-                <a16:creationId xmlns:a16="http://schemas.microsoft.com/office/drawing/2014/main" id="{56FBE3DC-C7E6-4792-86D5-8F5738AF13D6}"/>
-              </a:ext>
-            </a:extLst>
-          </p:cNvPr>
-          <p:cNvPicPr>
-            <a:picLocks noChangeAspect="1"/>
-          </p:cNvPicPr>
-          <p:nvPr/>
-        </p:nvPicPr>
-        <p:blipFill rotWithShape="1">
-          <a:blip r:embed="rId3"/>
-          <a:srcRect r="3283"/>
-          <a:stretch/>
-        </p:blipFill>
-        <p:spPr>
-          <a:xfrm>
-            <a:off x="6143376" y="2542859"/>
-            <a:ext cx="5675585" cy="3419952"/>
-          </a:xfrm>
-          <a:prstGeom prst="rect">
-            <a:avLst/>
-          </a:prstGeom>
-        </p:spPr>
-      </p:pic>
-      <p:cxnSp>
-        <p:nvCxnSpPr>
-          <p:cNvPr id="55" name="Straight Arrow Connector 54">
-            <a:extLst>
-              <a:ext uri="{FF2B5EF4-FFF2-40B4-BE49-F238E27FC236}">
-                <a16:creationId xmlns:a16="http://schemas.microsoft.com/office/drawing/2014/main" id="{072E4BCE-D2C8-4B12-BF37-A4B2AF6FE537}"/>
-              </a:ext>
-            </a:extLst>
-          </p:cNvPr>
-          <p:cNvCxnSpPr>
-            <a:cxnSpLocks/>
-            <a:stCxn id="24" idx="3"/>
-          </p:cNvCxnSpPr>
-          <p:nvPr/>
-        </p:nvCxnSpPr>
-        <p:spPr>
-          <a:xfrm>
-            <a:off x="5765121" y="2667017"/>
-            <a:ext cx="2327310" cy="1048586"/>
-          </a:xfrm>
-          <a:prstGeom prst="straightConnector1">
-            <a:avLst/>
-          </a:prstGeom>
-          <a:ln>
-            <a:tailEnd type="triangle"/>
-          </a:ln>
-        </p:spPr>
-        <p:style>
-          <a:lnRef idx="1">
-            <a:schemeClr val="accent1"/>
-          </a:lnRef>
-          <a:fillRef idx="0">
-            <a:schemeClr val="accent1"/>
-          </a:fillRef>
-          <a:effectRef idx="0">
-            <a:schemeClr val="accent1"/>
-          </a:effectRef>
-          <a:fontRef idx="minor">
-            <a:schemeClr val="tx1"/>
-          </a:fontRef>
-        </p:style>
-      </p:cxnSp>
-      <p:sp>
-        <p:nvSpPr>
-          <p:cNvPr id="9" name="Rectangle 8">
-            <a:extLst>
-              <a:ext uri="{FF2B5EF4-FFF2-40B4-BE49-F238E27FC236}">
-                <a16:creationId xmlns:a16="http://schemas.microsoft.com/office/drawing/2014/main" id="{E6B37205-5259-4DB4-BBA0-35B70B7134D2}"/>
-              </a:ext>
-            </a:extLst>
-          </p:cNvPr>
-          <p:cNvSpPr/>
-          <p:nvPr/>
-        </p:nvSpPr>
-        <p:spPr>
-          <a:xfrm>
-            <a:off x="6264322" y="6059606"/>
-            <a:ext cx="341194" cy="319573"/>
-          </a:xfrm>
-          <a:prstGeom prst="rect">
-            <a:avLst/>
-          </a:prstGeom>
-          <a:solidFill>
-            <a:srgbClr val="00B0F0"/>
-          </a:solidFill>
-        </p:spPr>
-        <p:style>
-          <a:lnRef idx="2">
-            <a:schemeClr val="accent1">
-              <a:shade val="50000"/>
-            </a:schemeClr>
-          </a:lnRef>
-          <a:fillRef idx="1">
-            <a:schemeClr val="accent1"/>
-          </a:fillRef>
-          <a:effectRef idx="0">
-            <a:schemeClr val="accent1"/>
-          </a:effectRef>
-          <a:fontRef idx="minor">
-            <a:schemeClr val="lt1"/>
-          </a:fontRef>
-        </p:style>
-        <p:txBody>
-          <a:bodyPr rtlCol="0" anchor="ctr"/>
-          <a:lstStyle/>
-          <a:p>
-            <a:pPr algn="ctr"/>
-            <a:endParaRPr lang="en-US"/>
-          </a:p>
-        </p:txBody>
-      </p:sp>
-      <p:sp>
-        <p:nvSpPr>
-          <p:cNvPr id="10" name="TextBox 9">
-            <a:extLst>
-              <a:ext uri="{FF2B5EF4-FFF2-40B4-BE49-F238E27FC236}">
-                <a16:creationId xmlns:a16="http://schemas.microsoft.com/office/drawing/2014/main" id="{83AF8FFA-AAC8-454E-82E5-C779CDA230F9}"/>
-              </a:ext>
-            </a:extLst>
-          </p:cNvPr>
-          <p:cNvSpPr txBox="1"/>
-          <p:nvPr/>
-        </p:nvSpPr>
-        <p:spPr>
-          <a:xfrm>
-            <a:off x="6609788" y="6059606"/>
-            <a:ext cx="1482643" cy="307777"/>
-          </a:xfrm>
-          <a:prstGeom prst="rect">
-            <a:avLst/>
-          </a:prstGeom>
-          <a:noFill/>
-        </p:spPr>
-        <p:txBody>
-          <a:bodyPr wrap="square" rtlCol="0">
-            <a:spAutoFit/>
-          </a:bodyPr>
-          <a:lstStyle/>
-          <a:p>
-            <a:r>
-              <a:rPr lang="en-US" sz="1400" dirty="0" err="1"/>
-              <a:t>Korelasi</a:t>
-            </a:r>
-            <a:r>
-              <a:rPr lang="en-US" sz="1400" dirty="0"/>
-              <a:t> </a:t>
-            </a:r>
-            <a:r>
-              <a:rPr lang="en-US" sz="1400" dirty="0" err="1"/>
-              <a:t>signifikan</a:t>
-            </a:r>
-            <a:endParaRPr lang="en-US" sz="1400" dirty="0"/>
-          </a:p>
-        </p:txBody>
-      </p:sp>
-      <p:sp>
-        <p:nvSpPr>
-          <p:cNvPr id="12" name="Rectangle 11">
-            <a:extLst>
-              <a:ext uri="{FF2B5EF4-FFF2-40B4-BE49-F238E27FC236}">
-                <a16:creationId xmlns:a16="http://schemas.microsoft.com/office/drawing/2014/main" id="{2EE12822-30BB-477F-872C-99FD6625EED2}"/>
-              </a:ext>
-            </a:extLst>
-          </p:cNvPr>
-          <p:cNvSpPr/>
-          <p:nvPr/>
-        </p:nvSpPr>
-        <p:spPr>
-          <a:xfrm>
-            <a:off x="8996149" y="6054887"/>
-            <a:ext cx="341194" cy="319573"/>
-          </a:xfrm>
-          <a:prstGeom prst="rect">
-            <a:avLst/>
-          </a:prstGeom>
-          <a:solidFill>
-            <a:srgbClr val="E12A26"/>
-          </a:solidFill>
-        </p:spPr>
-        <p:style>
-          <a:lnRef idx="2">
-            <a:schemeClr val="accent1">
-              <a:shade val="50000"/>
-            </a:schemeClr>
-          </a:lnRef>
-          <a:fillRef idx="1">
-            <a:schemeClr val="accent1"/>
-          </a:fillRef>
-          <a:effectRef idx="0">
-            <a:schemeClr val="accent1"/>
-          </a:effectRef>
-          <a:fontRef idx="minor">
-            <a:schemeClr val="lt1"/>
-          </a:fontRef>
-        </p:style>
-        <p:txBody>
-          <a:bodyPr rtlCol="0" anchor="ctr"/>
-          <a:lstStyle/>
-          <a:p>
-            <a:pPr algn="ctr"/>
-            <a:endParaRPr lang="en-US"/>
-          </a:p>
-        </p:txBody>
-      </p:sp>
-      <p:sp>
-        <p:nvSpPr>
-          <p:cNvPr id="15" name="TextBox 14">
-            <a:extLst>
-              <a:ext uri="{FF2B5EF4-FFF2-40B4-BE49-F238E27FC236}">
-                <a16:creationId xmlns:a16="http://schemas.microsoft.com/office/drawing/2014/main" id="{1F1A915B-2602-498F-8CF9-A194AB8C2D44}"/>
-              </a:ext>
-            </a:extLst>
-          </p:cNvPr>
-          <p:cNvSpPr txBox="1"/>
-          <p:nvPr/>
-        </p:nvSpPr>
-        <p:spPr>
-          <a:xfrm>
-            <a:off x="9341615" y="6054887"/>
-            <a:ext cx="2012184" cy="307777"/>
-          </a:xfrm>
-          <a:prstGeom prst="rect">
-            <a:avLst/>
-          </a:prstGeom>
-          <a:noFill/>
-        </p:spPr>
-        <p:txBody>
-          <a:bodyPr wrap="square" rtlCol="0">
-            <a:spAutoFit/>
-          </a:bodyPr>
-          <a:lstStyle/>
-          <a:p>
-            <a:r>
-              <a:rPr lang="en-US" sz="1400" dirty="0" err="1"/>
-              <a:t>Korelasi</a:t>
-            </a:r>
-            <a:r>
-              <a:rPr lang="en-US" sz="1400" dirty="0"/>
-              <a:t> </a:t>
-            </a:r>
-            <a:r>
-              <a:rPr lang="en-US" sz="1400" dirty="0" err="1"/>
-              <a:t>tidak</a:t>
-            </a:r>
-            <a:r>
-              <a:rPr lang="en-US" sz="1400" dirty="0"/>
-              <a:t> </a:t>
-            </a:r>
-            <a:r>
-              <a:rPr lang="en-US" sz="1400" dirty="0" err="1"/>
-              <a:t>signifikan</a:t>
-            </a:r>
-            <a:endParaRPr lang="en-US" sz="1400" dirty="0"/>
-          </a:p>
-        </p:txBody>
-      </p:sp>
-      <p:pic>
-        <p:nvPicPr>
-          <p:cNvPr id="36" name="Content Placeholder 18">
-            <a:extLst>
-              <a:ext uri="{FF2B5EF4-FFF2-40B4-BE49-F238E27FC236}">
-                <a16:creationId xmlns:a16="http://schemas.microsoft.com/office/drawing/2014/main" id="{A6B4A03F-8C72-4345-BE8C-6349963D2F2E}"/>
-              </a:ext>
-            </a:extLst>
-          </p:cNvPr>
-          <p:cNvPicPr>
-            <a:picLocks noChangeAspect="1"/>
-          </p:cNvPicPr>
-          <p:nvPr/>
-        </p:nvPicPr>
-        <p:blipFill>
-          <a:blip r:embed="rId4"/>
-          <a:stretch>
-            <a:fillRect/>
-          </a:stretch>
-        </p:blipFill>
-        <p:spPr>
-          <a:xfrm>
-            <a:off x="619873" y="1975276"/>
-            <a:ext cx="5398790" cy="4455629"/>
-          </a:xfrm>
-          <a:prstGeom prst="rect">
-            <a:avLst/>
-          </a:prstGeom>
-        </p:spPr>
-      </p:pic>
-      <p:cxnSp>
-        <p:nvCxnSpPr>
-          <p:cNvPr id="13" name="Straight Arrow Connector 12">
-            <a:extLst>
-              <a:ext uri="{FF2B5EF4-FFF2-40B4-BE49-F238E27FC236}">
-                <a16:creationId xmlns:a16="http://schemas.microsoft.com/office/drawing/2014/main" id="{CB456953-9991-422C-BC58-296903C65C99}"/>
-              </a:ext>
-            </a:extLst>
-          </p:cNvPr>
-          <p:cNvCxnSpPr>
-            <a:cxnSpLocks/>
-          </p:cNvCxnSpPr>
-          <p:nvPr/>
-        </p:nvCxnSpPr>
-        <p:spPr>
-          <a:xfrm flipH="1">
-            <a:off x="3343701" y="3682111"/>
-            <a:ext cx="1251896" cy="397964"/>
-          </a:xfrm>
-          <a:prstGeom prst="straightConnector1">
-            <a:avLst/>
-          </a:prstGeom>
-          <a:ln>
-            <a:tailEnd type="triangle"/>
-          </a:ln>
-        </p:spPr>
-        <p:style>
-          <a:lnRef idx="1">
-            <a:schemeClr val="accent1"/>
-          </a:lnRef>
-          <a:fillRef idx="0">
-            <a:schemeClr val="accent1"/>
-          </a:fillRef>
-          <a:effectRef idx="0">
-            <a:schemeClr val="accent1"/>
-          </a:effectRef>
-          <a:fontRef idx="minor">
-            <a:schemeClr val="tx1"/>
-          </a:fontRef>
-        </p:style>
-      </p:cxnSp>
-      <p:sp>
-        <p:nvSpPr>
-          <p:cNvPr id="14" name="TextBox 13">
-            <a:extLst>
-              <a:ext uri="{FF2B5EF4-FFF2-40B4-BE49-F238E27FC236}">
-                <a16:creationId xmlns:a16="http://schemas.microsoft.com/office/drawing/2014/main" id="{38DED5E4-4D8C-4870-9EB8-0A4BCCD18FD5}"/>
-              </a:ext>
-            </a:extLst>
-          </p:cNvPr>
-          <p:cNvSpPr txBox="1"/>
-          <p:nvPr/>
-        </p:nvSpPr>
-        <p:spPr>
-          <a:xfrm>
-            <a:off x="4653949" y="3379481"/>
-            <a:ext cx="915140" cy="523220"/>
-          </a:xfrm>
-          <a:prstGeom prst="rect">
-            <a:avLst/>
-          </a:prstGeom>
-          <a:noFill/>
-        </p:spPr>
-        <p:txBody>
-          <a:bodyPr wrap="square" rtlCol="0">
-            <a:spAutoFit/>
-          </a:bodyPr>
-          <a:lstStyle/>
-          <a:p>
-            <a:pPr algn="ctr"/>
-            <a:r>
-              <a:rPr lang="en-US" sz="1400" dirty="0" err="1"/>
-              <a:t>Koefisien</a:t>
-            </a:r>
-            <a:r>
-              <a:rPr lang="en-US" sz="1400" dirty="0"/>
-              <a:t> </a:t>
-            </a:r>
-            <a:r>
-              <a:rPr lang="en-US" sz="1400" dirty="0" err="1"/>
-              <a:t>korelasi</a:t>
-            </a:r>
-            <a:endParaRPr lang="en-US" sz="1400" dirty="0"/>
-          </a:p>
-        </p:txBody>
-      </p:sp>
-      <p:cxnSp>
-        <p:nvCxnSpPr>
-          <p:cNvPr id="22" name="Straight Arrow Connector 21">
-            <a:extLst>
-              <a:ext uri="{FF2B5EF4-FFF2-40B4-BE49-F238E27FC236}">
-                <a16:creationId xmlns:a16="http://schemas.microsoft.com/office/drawing/2014/main" id="{79D87B3C-41F5-40DA-B8A5-312E6E6064F6}"/>
-              </a:ext>
-            </a:extLst>
-          </p:cNvPr>
-          <p:cNvCxnSpPr>
-            <a:cxnSpLocks/>
-            <a:stCxn id="24" idx="1"/>
-          </p:cNvCxnSpPr>
-          <p:nvPr/>
-        </p:nvCxnSpPr>
-        <p:spPr>
-          <a:xfrm flipH="1">
-            <a:off x="2852383" y="2667017"/>
-            <a:ext cx="1743214" cy="951393"/>
-          </a:xfrm>
-          <a:prstGeom prst="straightConnector1">
-            <a:avLst/>
-          </a:prstGeom>
-          <a:ln>
-            <a:tailEnd type="triangle"/>
-          </a:ln>
-        </p:spPr>
-        <p:style>
-          <a:lnRef idx="1">
-            <a:schemeClr val="accent1"/>
-          </a:lnRef>
-          <a:fillRef idx="0">
-            <a:schemeClr val="accent1"/>
-          </a:fillRef>
-          <a:effectRef idx="0">
-            <a:schemeClr val="accent1"/>
-          </a:effectRef>
-          <a:fontRef idx="minor">
-            <a:schemeClr val="tx1"/>
-          </a:fontRef>
-        </p:style>
-      </p:cxnSp>
-      <p:sp>
-        <p:nvSpPr>
-          <p:cNvPr id="24" name="TextBox 23">
-            <a:extLst>
-              <a:ext uri="{FF2B5EF4-FFF2-40B4-BE49-F238E27FC236}">
-                <a16:creationId xmlns:a16="http://schemas.microsoft.com/office/drawing/2014/main" id="{212E6EAE-5BF8-4E59-8380-BF4105775B3E}"/>
-              </a:ext>
-            </a:extLst>
-          </p:cNvPr>
-          <p:cNvSpPr txBox="1"/>
-          <p:nvPr/>
-        </p:nvSpPr>
-        <p:spPr>
-          <a:xfrm>
-            <a:off x="4595597" y="2405407"/>
-            <a:ext cx="1169524" cy="523220"/>
-          </a:xfrm>
-          <a:prstGeom prst="rect">
-            <a:avLst/>
-          </a:prstGeom>
-          <a:noFill/>
-        </p:spPr>
-        <p:txBody>
-          <a:bodyPr wrap="square" rtlCol="0">
-            <a:spAutoFit/>
-          </a:bodyPr>
-          <a:lstStyle/>
-          <a:p>
-            <a:pPr algn="ctr"/>
-            <a:r>
-              <a:rPr lang="en-US" sz="1400" dirty="0" err="1"/>
-              <a:t>Korelasi</a:t>
-            </a:r>
-            <a:r>
-              <a:rPr lang="en-US" sz="1400" dirty="0"/>
-              <a:t> </a:t>
-            </a:r>
-            <a:r>
-              <a:rPr lang="en-US" sz="1400" dirty="0" err="1"/>
-              <a:t>tidak</a:t>
-            </a:r>
-            <a:r>
-              <a:rPr lang="en-US" sz="1400" dirty="0"/>
-              <a:t> </a:t>
-            </a:r>
-            <a:r>
-              <a:rPr lang="en-US" sz="1400" dirty="0" err="1"/>
-              <a:t>signifikan</a:t>
-            </a:r>
-            <a:endParaRPr lang="en-US" sz="1400" dirty="0"/>
-          </a:p>
-        </p:txBody>
-      </p:sp>
-    </p:spTree>
-    <p:extLst>
-      <p:ext uri="{BB962C8B-B14F-4D97-AF65-F5344CB8AC3E}">
-        <p14:creationId xmlns:p14="http://schemas.microsoft.com/office/powerpoint/2010/main" val="2446108616"/>
-      </p:ext>
-    </p:extLst>
-  </p:cSld>
-  <p:clrMapOvr>
-    <a:masterClrMapping/>
-  </p:clrMapOvr>
-  <p:timing>
-    <p:tnLst>
-      <p:par>
-        <p:cTn id="1" dur="indefinite" restart="never" nodeType="tmRoot">
-          <p:childTnLst>
-            <p:seq concurrent="1" nextAc="seek">
-              <p:cTn id="2" dur="indefinite" nodeType="mainSeq">
-                <p:childTnLst>
-                  <p:par>
-                    <p:cTn id="3" fill="hold">
-                      <p:stCondLst>
-                        <p:cond delay="indefinite"/>
-                      </p:stCondLst>
-                      <p:childTnLst>
-                        <p:par>
-                          <p:cTn id="4" fill="hold">
-                            <p:stCondLst>
-                              <p:cond delay="0"/>
-                            </p:stCondLst>
-                            <p:childTnLst>
-                              <p:par>
-                                <p:cTn id="5" presetID="1" presetClass="entr" presetSubtype="0" fill="hold" nodeType="clickEffect">
-                                  <p:stCondLst>
-                                    <p:cond delay="0"/>
-                                  </p:stCondLst>
-                                  <p:childTnLst>
-                                    <p:set>
-                                      <p:cBhvr>
-                                        <p:cTn id="6" dur="1" fill="hold">
-                                          <p:stCondLst>
-                                            <p:cond delay="0"/>
-                                          </p:stCondLst>
-                                        </p:cTn>
-                                        <p:tgtEl>
-                                          <p:spTgt spid="36"/>
-                                        </p:tgtEl>
-                                        <p:attrNameLst>
-                                          <p:attrName>style.visibility</p:attrName>
-                                        </p:attrNameLst>
-                                      </p:cBhvr>
-                                      <p:to>
-                                        <p:strVal val="visible"/>
-                                      </p:to>
-                                    </p:set>
-                                  </p:childTnLst>
-                                </p:cTn>
-                              </p:par>
-                            </p:childTnLst>
-                          </p:cTn>
-                        </p:par>
-                      </p:childTnLst>
-                    </p:cTn>
-                  </p:par>
-                </p:childTnLst>
-              </p:cTn>
-              <p:prevCondLst>
-                <p:cond evt="onPrev" delay="0">
-                  <p:tgtEl>
-                    <p:sldTgt/>
-                  </p:tgtEl>
-                </p:cond>
-              </p:prevCondLst>
-              <p:nextCondLst>
-                <p:cond evt="onNext" delay="0">
-                  <p:tgtEl>
-                    <p:sldTgt/>
-                  </p:tgtEl>
-                </p:cond>
-              </p:nextCondLst>
-            </p:seq>
-          </p:childTnLst>
-        </p:cTn>
-      </p:par>
-    </p:tnLst>
-  </p:timing>
-</p:sld>
-</file>
-
-<file path=ppt/slides/slide18.xml><?xml version="1.0" encoding="utf-8"?>
-<p:sld xmlns:a="http://schemas.openxmlformats.org/drawingml/2006/main" xmlns:r="http://schemas.openxmlformats.org/officeDocument/2006/relationships" xmlns:p="http://schemas.openxmlformats.org/presentationml/2006/main">
-  <p:cSld>
-    <p:spTree>
-      <p:nvGrpSpPr>
-        <p:cNvPr id="1" name=""/>
-        <p:cNvGrpSpPr/>
-        <p:nvPr/>
-      </p:nvGrpSpPr>
-      <p:grpSpPr>
-        <a:xfrm>
-          <a:off x="0" y="0"/>
-          <a:ext cx="0" cy="0"/>
-          <a:chOff x="0" y="0"/>
-          <a:chExt cx="0" cy="0"/>
-        </a:xfrm>
-      </p:grpSpPr>
-      <p:sp>
-        <p:nvSpPr>
-          <p:cNvPr id="2" name="Title 1">
-            <a:extLst>
-              <a:ext uri="{FF2B5EF4-FFF2-40B4-BE49-F238E27FC236}">
-                <a16:creationId xmlns:a16="http://schemas.microsoft.com/office/drawing/2014/main" id="{2228CF77-E1F9-42B1-893F-4CF5270FE397}"/>
-              </a:ext>
-            </a:extLst>
-          </p:cNvPr>
-          <p:cNvSpPr>
-            <a:spLocks noGrp="1"/>
-          </p:cNvSpPr>
-          <p:nvPr>
-            <p:ph type="title"/>
-          </p:nvPr>
-        </p:nvSpPr>
-        <p:spPr/>
-        <p:txBody>
-          <a:bodyPr/>
-          <a:lstStyle/>
-          <a:p>
-            <a:r>
-              <a:rPr lang="en-US" dirty="0"/>
-              <a:t>Scatterplot </a:t>
-            </a:r>
-          </a:p>
-        </p:txBody>
-      </p:sp>
-      <p:pic>
-        <p:nvPicPr>
-          <p:cNvPr id="7" name="Picture 6">
-            <a:extLst>
-              <a:ext uri="{FF2B5EF4-FFF2-40B4-BE49-F238E27FC236}">
-                <a16:creationId xmlns:a16="http://schemas.microsoft.com/office/drawing/2014/main" id="{F4A81E56-EB1E-4F49-8E3C-DB9D58E5F18C}"/>
-              </a:ext>
-            </a:extLst>
-          </p:cNvPr>
-          <p:cNvPicPr>
-            <a:picLocks noChangeAspect="1"/>
-          </p:cNvPicPr>
-          <p:nvPr/>
-        </p:nvPicPr>
-        <p:blipFill>
-          <a:blip r:embed="rId2"/>
-          <a:stretch>
-            <a:fillRect/>
-          </a:stretch>
-        </p:blipFill>
-        <p:spPr>
-          <a:xfrm>
-            <a:off x="6237552" y="2453421"/>
-            <a:ext cx="5510732" cy="2883166"/>
-          </a:xfrm>
-          <a:prstGeom prst="rect">
-            <a:avLst/>
-          </a:prstGeom>
-          <a:ln>
-            <a:solidFill>
-              <a:schemeClr val="accent1"/>
-            </a:solidFill>
-          </a:ln>
-        </p:spPr>
-      </p:pic>
-      <p:sp>
-        <p:nvSpPr>
-          <p:cNvPr id="8" name="TextBox 7">
-            <a:extLst>
-              <a:ext uri="{FF2B5EF4-FFF2-40B4-BE49-F238E27FC236}">
-                <a16:creationId xmlns:a16="http://schemas.microsoft.com/office/drawing/2014/main" id="{2DFFD130-E46A-492C-ACED-A72E08A4317B}"/>
-              </a:ext>
-            </a:extLst>
-          </p:cNvPr>
-          <p:cNvSpPr txBox="1"/>
-          <p:nvPr/>
-        </p:nvSpPr>
-        <p:spPr>
-          <a:xfrm>
-            <a:off x="2520000" y="5622878"/>
-            <a:ext cx="1645920" cy="369332"/>
-          </a:xfrm>
-          <a:prstGeom prst="rect">
-            <a:avLst/>
-          </a:prstGeom>
-          <a:noFill/>
-        </p:spPr>
-        <p:txBody>
-          <a:bodyPr wrap="square" rtlCol="0">
-            <a:spAutoFit/>
-          </a:bodyPr>
-          <a:lstStyle/>
-          <a:p>
-            <a:pPr algn="ctr"/>
-            <a:r>
-              <a:rPr lang="en-US" dirty="0" err="1"/>
-              <a:t>Tidak</a:t>
-            </a:r>
-            <a:r>
-              <a:rPr lang="en-US" dirty="0"/>
-              <a:t> </a:t>
-            </a:r>
-            <a:r>
-              <a:rPr lang="en-US" dirty="0" err="1"/>
-              <a:t>signifikan</a:t>
-            </a:r>
-            <a:endParaRPr lang="en-US" dirty="0"/>
-          </a:p>
-        </p:txBody>
-      </p:sp>
-      <p:sp>
-        <p:nvSpPr>
-          <p:cNvPr id="10" name="TextBox 9">
-            <a:extLst>
-              <a:ext uri="{FF2B5EF4-FFF2-40B4-BE49-F238E27FC236}">
-                <a16:creationId xmlns:a16="http://schemas.microsoft.com/office/drawing/2014/main" id="{1214388C-CDE1-4B80-98B9-3AD333A8C71F}"/>
-              </a:ext>
-            </a:extLst>
-          </p:cNvPr>
-          <p:cNvSpPr txBox="1"/>
-          <p:nvPr/>
-        </p:nvSpPr>
-        <p:spPr>
-          <a:xfrm>
-            <a:off x="8169958" y="5622878"/>
-            <a:ext cx="1645920" cy="369332"/>
-          </a:xfrm>
-          <a:prstGeom prst="rect">
-            <a:avLst/>
-          </a:prstGeom>
-          <a:noFill/>
-        </p:spPr>
-        <p:txBody>
-          <a:bodyPr wrap="square" rtlCol="0">
-            <a:spAutoFit/>
-          </a:bodyPr>
-          <a:lstStyle/>
-          <a:p>
-            <a:pPr algn="ctr"/>
-            <a:r>
-              <a:rPr lang="en-US" dirty="0" err="1"/>
-              <a:t>Signifikan</a:t>
-            </a:r>
-            <a:endParaRPr lang="en-US" dirty="0"/>
-          </a:p>
-        </p:txBody>
-      </p:sp>
-      <p:pic>
-        <p:nvPicPr>
-          <p:cNvPr id="17" name="Content Placeholder 16">
-            <a:extLst>
-              <a:ext uri="{FF2B5EF4-FFF2-40B4-BE49-F238E27FC236}">
-                <a16:creationId xmlns:a16="http://schemas.microsoft.com/office/drawing/2014/main" id="{38D8D251-90F3-442B-872F-3A3B59252329}"/>
-              </a:ext>
-            </a:extLst>
-          </p:cNvPr>
-          <p:cNvPicPr>
-            <a:picLocks noGrp="1" noChangeAspect="1"/>
-          </p:cNvPicPr>
-          <p:nvPr>
-            <p:ph idx="1"/>
-          </p:nvPr>
-        </p:nvPicPr>
-        <p:blipFill>
-          <a:blip r:embed="rId3"/>
-          <a:stretch>
-            <a:fillRect/>
-          </a:stretch>
-        </p:blipFill>
-        <p:spPr>
-          <a:xfrm>
-            <a:off x="575145" y="2453420"/>
-            <a:ext cx="5480443" cy="2887929"/>
-          </a:xfrm>
-          <a:ln>
-            <a:solidFill>
-              <a:srgbClr val="E12A26"/>
-            </a:solidFill>
-          </a:ln>
-        </p:spPr>
-      </p:pic>
-      <p:sp>
-        <p:nvSpPr>
-          <p:cNvPr id="11" name="TextBox 10">
-            <a:extLst>
-              <a:ext uri="{FF2B5EF4-FFF2-40B4-BE49-F238E27FC236}">
-                <a16:creationId xmlns:a16="http://schemas.microsoft.com/office/drawing/2014/main" id="{C4B40565-1DDF-4797-827A-92F393208389}"/>
-              </a:ext>
-            </a:extLst>
-          </p:cNvPr>
-          <p:cNvSpPr txBox="1"/>
-          <p:nvPr/>
-        </p:nvSpPr>
-        <p:spPr>
-          <a:xfrm>
-            <a:off x="3351109" y="3016155"/>
-            <a:ext cx="1005840" cy="369332"/>
-          </a:xfrm>
-          <a:prstGeom prst="rect">
-            <a:avLst/>
-          </a:prstGeom>
-          <a:noFill/>
-        </p:spPr>
-        <p:txBody>
-          <a:bodyPr wrap="square" rtlCol="0">
-            <a:spAutoFit/>
-          </a:bodyPr>
-          <a:lstStyle/>
-          <a:p>
-            <a:r>
-              <a:rPr lang="en-US" i="1" dirty="0"/>
-              <a:t>r</a:t>
-            </a:r>
-            <a:r>
-              <a:rPr lang="en-US" dirty="0"/>
-              <a:t> = -0.12</a:t>
-            </a:r>
-          </a:p>
-        </p:txBody>
-      </p:sp>
-      <p:sp>
-        <p:nvSpPr>
-          <p:cNvPr id="13" name="TextBox 12">
-            <a:extLst>
-              <a:ext uri="{FF2B5EF4-FFF2-40B4-BE49-F238E27FC236}">
-                <a16:creationId xmlns:a16="http://schemas.microsoft.com/office/drawing/2014/main" id="{91FDBFBC-7551-4DF2-8B9C-0A87B4A151E5}"/>
-              </a:ext>
-            </a:extLst>
-          </p:cNvPr>
-          <p:cNvSpPr txBox="1"/>
-          <p:nvPr/>
-        </p:nvSpPr>
-        <p:spPr>
-          <a:xfrm>
-            <a:off x="8992918" y="3016155"/>
-            <a:ext cx="1005840" cy="369332"/>
-          </a:xfrm>
-          <a:prstGeom prst="rect">
-            <a:avLst/>
-          </a:prstGeom>
-          <a:noFill/>
-        </p:spPr>
-        <p:txBody>
-          <a:bodyPr wrap="square" rtlCol="0">
-            <a:spAutoFit/>
-          </a:bodyPr>
-          <a:lstStyle/>
-          <a:p>
-            <a:r>
-              <a:rPr lang="en-US" i="1" dirty="0"/>
-              <a:t>r</a:t>
-            </a:r>
-            <a:r>
-              <a:rPr lang="en-US" dirty="0"/>
-              <a:t> = 1.00</a:t>
-            </a:r>
-          </a:p>
-        </p:txBody>
-      </p:sp>
-    </p:spTree>
-    <p:extLst>
-      <p:ext uri="{BB962C8B-B14F-4D97-AF65-F5344CB8AC3E}">
-        <p14:creationId xmlns:p14="http://schemas.microsoft.com/office/powerpoint/2010/main" val="2871306448"/>
-      </p:ext>
-    </p:extLst>
-  </p:cSld>
-  <p:clrMapOvr>
-    <a:masterClrMapping/>
-  </p:clrMapOvr>
-</p:sld>
-</file>
-
-<file path=ppt/slides/slide19.xml><?xml version="1.0" encoding="utf-8"?>
 <p:sld xmlns:a="http://schemas.openxmlformats.org/drawingml/2006/main" xmlns:r="http://schemas.openxmlformats.org/officeDocument/2006/relationships" xmlns:p="http://schemas.openxmlformats.org/presentationml/2006/main">
   <p:cSld>
     <p:bg>
@@ -6260,16 +4920,9 @@
             <p:ph type="title"/>
           </p:nvPr>
         </p:nvSpPr>
-        <p:spPr>
-          <a:xfrm>
-            <a:off x="831850" y="1992572"/>
-            <a:ext cx="7302216" cy="3677008"/>
-          </a:xfrm>
-        </p:spPr>
+        <p:spPr/>
         <p:txBody>
-          <a:bodyPr>
-            <a:normAutofit/>
-          </a:bodyPr>
+          <a:bodyPr/>
           <a:lstStyle/>
           <a:p>
             <a:r>
@@ -6293,98 +4946,7 @@
                 <a:ea typeface="+mj-ea"/>
                 <a:cs typeface="+mj-cs"/>
               </a:rPr>
-              <a:t>Analisis</a:t>
-            </a:r>
-            <a:r>
-              <a:rPr kumimoji="0" lang="en-US" sz="7200" b="1" i="0" u="none" strike="noStrike" kern="1200" cap="none" spc="0" normalizeH="0" baseline="0" noProof="0" dirty="0">
-                <a:ln>
-                  <a:noFill/>
-                </a:ln>
-                <a:solidFill>
-                  <a:srgbClr val="E12A26"/>
-                </a:solidFill>
-                <a:effectLst>
-                  <a:outerShdw blurRad="50800" dist="114300" dir="8100000" algn="tr" rotWithShape="0">
-                    <a:prstClr val="black">
-                      <a:alpha val="40000"/>
-                    </a:prstClr>
-                  </a:outerShdw>
-                </a:effectLst>
-                <a:uLnTx/>
-                <a:uFillTx/>
-                <a:latin typeface="Open sans"/>
-                <a:ea typeface="+mj-ea"/>
-                <a:cs typeface="+mj-cs"/>
-              </a:rPr>
-              <a:t> </a:t>
-            </a:r>
-            <a:br>
-              <a:rPr kumimoji="0" lang="en-US" sz="7200" b="1" i="0" u="none" strike="noStrike" kern="1200" cap="none" spc="0" normalizeH="0" baseline="0" noProof="0" dirty="0">
-                <a:ln>
-                  <a:noFill/>
-                </a:ln>
-                <a:solidFill>
-                  <a:srgbClr val="E12A26"/>
-                </a:solidFill>
-                <a:effectLst>
-                  <a:outerShdw blurRad="50800" dist="114300" dir="8100000" algn="tr" rotWithShape="0">
-                    <a:prstClr val="black">
-                      <a:alpha val="40000"/>
-                    </a:prstClr>
-                  </a:outerShdw>
-                </a:effectLst>
-                <a:uLnTx/>
-                <a:uFillTx/>
-                <a:latin typeface="Open sans"/>
-                <a:ea typeface="+mj-ea"/>
-                <a:cs typeface="+mj-cs"/>
-              </a:rPr>
-            </a:br>
-            <a:r>
-              <a:rPr kumimoji="0" lang="en-US" sz="7200" b="1" i="0" u="none" strike="noStrike" kern="1200" cap="none" spc="0" normalizeH="0" baseline="0" noProof="0" dirty="0" err="1">
-                <a:ln>
-                  <a:noFill/>
-                </a:ln>
-                <a:solidFill>
-                  <a:srgbClr val="E12A26"/>
-                </a:solidFill>
-                <a:effectLst>
-                  <a:outerShdw blurRad="50800" dist="114300" dir="8100000" algn="tr" rotWithShape="0">
-                    <a:prstClr val="black">
-                      <a:alpha val="40000"/>
-                    </a:prstClr>
-                  </a:outerShdw>
-                </a:effectLst>
-                <a:uLnTx/>
-                <a:uFillTx/>
-                <a:latin typeface="Open sans"/>
-                <a:ea typeface="+mj-ea"/>
-                <a:cs typeface="+mj-cs"/>
-              </a:rPr>
-              <a:t>Komponen</a:t>
-            </a:r>
-            <a:r>
-              <a:rPr kumimoji="0" lang="en-US" sz="7200" b="1" i="0" u="none" strike="noStrike" kern="1200" cap="none" spc="0" normalizeH="0" baseline="0" noProof="0" dirty="0">
-                <a:ln>
-                  <a:noFill/>
-                </a:ln>
-                <a:solidFill>
-                  <a:srgbClr val="E12A26"/>
-                </a:solidFill>
-                <a:effectLst>
-                  <a:outerShdw blurRad="50800" dist="114300" dir="8100000" algn="tr" rotWithShape="0">
-                    <a:prstClr val="black">
-                      <a:alpha val="40000"/>
-                    </a:prstClr>
-                  </a:outerShdw>
-                </a:effectLst>
-                <a:uLnTx/>
-                <a:uFillTx/>
-                <a:latin typeface="Open sans"/>
-                <a:ea typeface="+mj-ea"/>
-                <a:cs typeface="+mj-cs"/>
-              </a:rPr>
-              <a:t> Utama</a:t>
+              <a:t>Visualisasi</a:t>
             </a:r>
             <a:endParaRPr lang="en-US" dirty="0">
               <a:solidFill>
@@ -6449,13 +5011,1626 @@
     </p:spTree>
     <p:extLst>
       <p:ext uri="{BB962C8B-B14F-4D97-AF65-F5344CB8AC3E}">
-        <p14:creationId xmlns:p14="http://schemas.microsoft.com/office/powerpoint/2010/main" val="3530592707"/>
+        <p14:creationId xmlns:p14="http://schemas.microsoft.com/office/powerpoint/2010/main" val="3781572194"/>
       </p:ext>
     </p:extLst>
   </p:cSld>
   <p:clrMapOvr>
     <a:masterClrMapping/>
   </p:clrMapOvr>
+</p:sld>
+</file>
+
+<file path=ppt/slides/slide12.xml><?xml version="1.0" encoding="utf-8"?>
+<p:sld xmlns:a="http://schemas.openxmlformats.org/drawingml/2006/main" xmlns:r="http://schemas.openxmlformats.org/officeDocument/2006/relationships" xmlns:p="http://schemas.openxmlformats.org/presentationml/2006/main">
+  <p:cSld>
+    <p:spTree>
+      <p:nvGrpSpPr>
+        <p:cNvPr id="1" name=""/>
+        <p:cNvGrpSpPr/>
+        <p:nvPr/>
+      </p:nvGrpSpPr>
+      <p:grpSpPr>
+        <a:xfrm>
+          <a:off x="0" y="0"/>
+          <a:ext cx="0" cy="0"/>
+          <a:chOff x="0" y="0"/>
+          <a:chExt cx="0" cy="0"/>
+        </a:xfrm>
+      </p:grpSpPr>
+      <p:sp>
+        <p:nvSpPr>
+          <p:cNvPr id="4" name="Title 3">
+            <a:extLst>
+              <a:ext uri="{FF2B5EF4-FFF2-40B4-BE49-F238E27FC236}">
+                <a16:creationId xmlns:a16="http://schemas.microsoft.com/office/drawing/2014/main" id="{0CF5449B-1625-47B9-9BE9-1FD571FCBBC5}"/>
+              </a:ext>
+            </a:extLst>
+          </p:cNvPr>
+          <p:cNvSpPr>
+            <a:spLocks noGrp="1"/>
+          </p:cNvSpPr>
+          <p:nvPr>
+            <p:ph type="title"/>
+          </p:nvPr>
+        </p:nvSpPr>
+        <p:spPr/>
+        <p:txBody>
+          <a:bodyPr/>
+          <a:lstStyle/>
+          <a:p>
+            <a:r>
+              <a:rPr lang="en-US" dirty="0" err="1"/>
+              <a:t>Kategori</a:t>
+            </a:r>
+            <a:r>
+              <a:rPr lang="en-US" dirty="0"/>
+              <a:t> Channel</a:t>
+            </a:r>
+          </a:p>
+        </p:txBody>
+      </p:sp>
+      <p:pic>
+        <p:nvPicPr>
+          <p:cNvPr id="15" name="Content Placeholder 14">
+            <a:extLst>
+              <a:ext uri="{FF2B5EF4-FFF2-40B4-BE49-F238E27FC236}">
+                <a16:creationId xmlns:a16="http://schemas.microsoft.com/office/drawing/2014/main" id="{457CD164-494D-41A4-A9B1-6C650DE885DF}"/>
+              </a:ext>
+            </a:extLst>
+          </p:cNvPr>
+          <p:cNvPicPr>
+            <a:picLocks noGrp="1" noChangeAspect="1"/>
+          </p:cNvPicPr>
+          <p:nvPr>
+            <p:ph idx="1"/>
+          </p:nvPr>
+        </p:nvPicPr>
+        <p:blipFill>
+          <a:blip r:embed="rId2"/>
+          <a:stretch>
+            <a:fillRect/>
+          </a:stretch>
+        </p:blipFill>
+        <p:spPr>
+          <a:xfrm>
+            <a:off x="1176021" y="1825625"/>
+            <a:ext cx="9839957" cy="4351338"/>
+          </a:xfrm>
+          <a:ln>
+            <a:solidFill>
+              <a:srgbClr val="E12A26"/>
+            </a:solidFill>
+          </a:ln>
+        </p:spPr>
+      </p:pic>
+    </p:spTree>
+    <p:extLst>
+      <p:ext uri="{BB962C8B-B14F-4D97-AF65-F5344CB8AC3E}">
+        <p14:creationId xmlns:p14="http://schemas.microsoft.com/office/powerpoint/2010/main" val="1218448449"/>
+      </p:ext>
+    </p:extLst>
+  </p:cSld>
+  <p:clrMapOvr>
+    <a:masterClrMapping/>
+  </p:clrMapOvr>
+</p:sld>
+</file>
+
+<file path=ppt/slides/slide13.xml><?xml version="1.0" encoding="utf-8"?>
+<p:sld xmlns:a="http://schemas.openxmlformats.org/drawingml/2006/main" xmlns:r="http://schemas.openxmlformats.org/officeDocument/2006/relationships" xmlns:p="http://schemas.openxmlformats.org/presentationml/2006/main">
+  <p:cSld>
+    <p:spTree>
+      <p:nvGrpSpPr>
+        <p:cNvPr id="1" name=""/>
+        <p:cNvGrpSpPr/>
+        <p:nvPr/>
+      </p:nvGrpSpPr>
+      <p:grpSpPr>
+        <a:xfrm>
+          <a:off x="0" y="0"/>
+          <a:ext cx="0" cy="0"/>
+          <a:chOff x="0" y="0"/>
+          <a:chExt cx="0" cy="0"/>
+        </a:xfrm>
+      </p:grpSpPr>
+      <p:sp>
+        <p:nvSpPr>
+          <p:cNvPr id="2" name="Title 1">
+            <a:extLst>
+              <a:ext uri="{FF2B5EF4-FFF2-40B4-BE49-F238E27FC236}">
+                <a16:creationId xmlns:a16="http://schemas.microsoft.com/office/drawing/2014/main" id="{8A01CAF0-9F91-49E6-940B-7C78243E1155}"/>
+              </a:ext>
+            </a:extLst>
+          </p:cNvPr>
+          <p:cNvSpPr>
+            <a:spLocks noGrp="1"/>
+          </p:cNvSpPr>
+          <p:nvPr>
+            <p:ph type="title"/>
+          </p:nvPr>
+        </p:nvSpPr>
+        <p:spPr/>
+        <p:txBody>
+          <a:bodyPr/>
+          <a:lstStyle/>
+          <a:p>
+            <a:r>
+              <a:rPr lang="en-US" dirty="0"/>
+              <a:t>Top Channel</a:t>
+            </a:r>
+          </a:p>
+        </p:txBody>
+      </p:sp>
+      <p:pic>
+        <p:nvPicPr>
+          <p:cNvPr id="9" name="Content Placeholder 8">
+            <a:extLst>
+              <a:ext uri="{FF2B5EF4-FFF2-40B4-BE49-F238E27FC236}">
+                <a16:creationId xmlns:a16="http://schemas.microsoft.com/office/drawing/2014/main" id="{1096B773-1F1A-467A-9FE5-609E50C9B554}"/>
+              </a:ext>
+            </a:extLst>
+          </p:cNvPr>
+          <p:cNvPicPr>
+            <a:picLocks noGrp="1" noChangeAspect="1"/>
+          </p:cNvPicPr>
+          <p:nvPr>
+            <p:ph idx="1"/>
+          </p:nvPr>
+        </p:nvPicPr>
+        <p:blipFill>
+          <a:blip r:embed="rId2"/>
+          <a:stretch>
+            <a:fillRect/>
+          </a:stretch>
+        </p:blipFill>
+        <p:spPr>
+          <a:xfrm>
+            <a:off x="1182273" y="1825625"/>
+            <a:ext cx="9827454" cy="4351338"/>
+          </a:xfrm>
+          <a:ln>
+            <a:solidFill>
+              <a:srgbClr val="E12A26"/>
+            </a:solidFill>
+          </a:ln>
+        </p:spPr>
+      </p:pic>
+    </p:spTree>
+    <p:extLst>
+      <p:ext uri="{BB962C8B-B14F-4D97-AF65-F5344CB8AC3E}">
+        <p14:creationId xmlns:p14="http://schemas.microsoft.com/office/powerpoint/2010/main" val="1035710561"/>
+      </p:ext>
+    </p:extLst>
+  </p:cSld>
+  <p:clrMapOvr>
+    <a:masterClrMapping/>
+  </p:clrMapOvr>
+</p:sld>
+</file>
+
+<file path=ppt/slides/slide14.xml><?xml version="1.0" encoding="utf-8"?>
+<p:sld xmlns:a="http://schemas.openxmlformats.org/drawingml/2006/main" xmlns:r="http://schemas.openxmlformats.org/officeDocument/2006/relationships" xmlns:p="http://schemas.openxmlformats.org/presentationml/2006/main">
+  <p:cSld>
+    <p:spTree>
+      <p:nvGrpSpPr>
+        <p:cNvPr id="1" name=""/>
+        <p:cNvGrpSpPr/>
+        <p:nvPr/>
+      </p:nvGrpSpPr>
+      <p:grpSpPr>
+        <a:xfrm>
+          <a:off x="0" y="0"/>
+          <a:ext cx="0" cy="0"/>
+          <a:chOff x="0" y="0"/>
+          <a:chExt cx="0" cy="0"/>
+        </a:xfrm>
+      </p:grpSpPr>
+      <p:sp>
+        <p:nvSpPr>
+          <p:cNvPr id="2" name="Title 1">
+            <a:extLst>
+              <a:ext uri="{FF2B5EF4-FFF2-40B4-BE49-F238E27FC236}">
+                <a16:creationId xmlns:a16="http://schemas.microsoft.com/office/drawing/2014/main" id="{B0C62338-DA7F-449F-A8D8-19CFF09EE167}"/>
+              </a:ext>
+            </a:extLst>
+          </p:cNvPr>
+          <p:cNvSpPr>
+            <a:spLocks noGrp="1"/>
+          </p:cNvSpPr>
+          <p:nvPr>
+            <p:ph type="title"/>
+          </p:nvPr>
+        </p:nvSpPr>
+        <p:spPr/>
+        <p:txBody>
+          <a:bodyPr/>
+          <a:lstStyle/>
+          <a:p>
+            <a:r>
+              <a:rPr lang="en-US" dirty="0" err="1"/>
+              <a:t>Wordcloud</a:t>
+            </a:r>
+            <a:endParaRPr lang="en-US" dirty="0"/>
+          </a:p>
+        </p:txBody>
+      </p:sp>
+      <p:pic>
+        <p:nvPicPr>
+          <p:cNvPr id="5" name="Content Placeholder 4">
+            <a:extLst>
+              <a:ext uri="{FF2B5EF4-FFF2-40B4-BE49-F238E27FC236}">
+                <a16:creationId xmlns:a16="http://schemas.microsoft.com/office/drawing/2014/main" id="{8016A17D-C8A7-4FD3-B88F-B3FCFAF1B7D7}"/>
+              </a:ext>
+            </a:extLst>
+          </p:cNvPr>
+          <p:cNvPicPr>
+            <a:picLocks noGrp="1" noChangeAspect="1"/>
+          </p:cNvPicPr>
+          <p:nvPr>
+            <p:ph idx="1"/>
+          </p:nvPr>
+        </p:nvPicPr>
+        <p:blipFill>
+          <a:blip r:embed="rId2"/>
+          <a:stretch>
+            <a:fillRect/>
+          </a:stretch>
+        </p:blipFill>
+        <p:spPr>
+          <a:xfrm>
+            <a:off x="1901384" y="1825625"/>
+            <a:ext cx="8389232" cy="4351338"/>
+          </a:xfrm>
+        </p:spPr>
+      </p:pic>
+    </p:spTree>
+    <p:extLst>
+      <p:ext uri="{BB962C8B-B14F-4D97-AF65-F5344CB8AC3E}">
+        <p14:creationId xmlns:p14="http://schemas.microsoft.com/office/powerpoint/2010/main" val="1867819385"/>
+      </p:ext>
+    </p:extLst>
+  </p:cSld>
+  <p:clrMapOvr>
+    <a:masterClrMapping/>
+  </p:clrMapOvr>
+</p:sld>
+</file>
+
+<file path=ppt/slides/slide15.xml><?xml version="1.0" encoding="utf-8"?>
+<p:sld xmlns:a="http://schemas.openxmlformats.org/drawingml/2006/main" xmlns:r="http://schemas.openxmlformats.org/officeDocument/2006/relationships" xmlns:p="http://schemas.openxmlformats.org/presentationml/2006/main">
+  <p:cSld>
+    <p:spTree>
+      <p:nvGrpSpPr>
+        <p:cNvPr id="1" name=""/>
+        <p:cNvGrpSpPr/>
+        <p:nvPr/>
+      </p:nvGrpSpPr>
+      <p:grpSpPr>
+        <a:xfrm>
+          <a:off x="0" y="0"/>
+          <a:ext cx="0" cy="0"/>
+          <a:chOff x="0" y="0"/>
+          <a:chExt cx="0" cy="0"/>
+        </a:xfrm>
+      </p:grpSpPr>
+      <p:sp>
+        <p:nvSpPr>
+          <p:cNvPr id="2" name="Title 1">
+            <a:extLst>
+              <a:ext uri="{FF2B5EF4-FFF2-40B4-BE49-F238E27FC236}">
+                <a16:creationId xmlns:a16="http://schemas.microsoft.com/office/drawing/2014/main" id="{4AFABD5F-D19C-4B67-89F2-F261EE389B57}"/>
+              </a:ext>
+            </a:extLst>
+          </p:cNvPr>
+          <p:cNvSpPr>
+            <a:spLocks noGrp="1"/>
+          </p:cNvSpPr>
+          <p:nvPr>
+            <p:ph type="title"/>
+          </p:nvPr>
+        </p:nvSpPr>
+        <p:spPr/>
+        <p:txBody>
+          <a:bodyPr/>
+          <a:lstStyle/>
+          <a:p>
+            <a:r>
+              <a:rPr lang="en-US" dirty="0" err="1"/>
+              <a:t>Durasi</a:t>
+            </a:r>
+            <a:r>
+              <a:rPr lang="en-US" dirty="0"/>
+              <a:t> </a:t>
+            </a:r>
+            <a:r>
+              <a:rPr lang="en-US" dirty="0" err="1"/>
+              <a:t>Bergabung</a:t>
+            </a:r>
+            <a:r>
+              <a:rPr lang="en-US" dirty="0"/>
+              <a:t> Channel</a:t>
+            </a:r>
+          </a:p>
+        </p:txBody>
+      </p:sp>
+      <p:pic>
+        <p:nvPicPr>
+          <p:cNvPr id="14" name="Content Placeholder 13">
+            <a:extLst>
+              <a:ext uri="{FF2B5EF4-FFF2-40B4-BE49-F238E27FC236}">
+                <a16:creationId xmlns:a16="http://schemas.microsoft.com/office/drawing/2014/main" id="{7E26CEE6-281E-4E9C-B4BB-11B9A9FA6A66}"/>
+              </a:ext>
+            </a:extLst>
+          </p:cNvPr>
+          <p:cNvPicPr>
+            <a:picLocks noGrp="1" noChangeAspect="1"/>
+          </p:cNvPicPr>
+          <p:nvPr>
+            <p:ph idx="1"/>
+          </p:nvPr>
+        </p:nvPicPr>
+        <p:blipFill>
+          <a:blip r:embed="rId2"/>
+          <a:stretch>
+            <a:fillRect/>
+          </a:stretch>
+        </p:blipFill>
+        <p:spPr>
+          <a:xfrm>
+            <a:off x="2072446" y="1825625"/>
+            <a:ext cx="8047107" cy="4351338"/>
+          </a:xfrm>
+          <a:ln>
+            <a:solidFill>
+              <a:srgbClr val="E12A26"/>
+            </a:solidFill>
+          </a:ln>
+        </p:spPr>
+      </p:pic>
+      <p:sp>
+        <p:nvSpPr>
+          <p:cNvPr id="6" name="Rectangle: Rounded Corners 5">
+            <a:extLst>
+              <a:ext uri="{FF2B5EF4-FFF2-40B4-BE49-F238E27FC236}">
+                <a16:creationId xmlns:a16="http://schemas.microsoft.com/office/drawing/2014/main" id="{4CA73214-14F5-4483-93DC-A8BEF7C4A298}"/>
+              </a:ext>
+            </a:extLst>
+          </p:cNvPr>
+          <p:cNvSpPr/>
+          <p:nvPr/>
+        </p:nvSpPr>
+        <p:spPr>
+          <a:xfrm>
+            <a:off x="6196087" y="3401703"/>
+            <a:ext cx="2019866" cy="1211239"/>
+          </a:xfrm>
+          <a:prstGeom prst="roundRect">
+            <a:avLst/>
+          </a:prstGeom>
+          <a:noFill/>
+          <a:ln w="57150">
+            <a:solidFill>
+              <a:srgbClr val="E12A26"/>
+            </a:solidFill>
+          </a:ln>
+        </p:spPr>
+        <p:style>
+          <a:lnRef idx="2">
+            <a:schemeClr val="accent1">
+              <a:shade val="50000"/>
+            </a:schemeClr>
+          </a:lnRef>
+          <a:fillRef idx="1">
+            <a:schemeClr val="accent1"/>
+          </a:fillRef>
+          <a:effectRef idx="0">
+            <a:schemeClr val="accent1"/>
+          </a:effectRef>
+          <a:fontRef idx="minor">
+            <a:schemeClr val="lt1"/>
+          </a:fontRef>
+        </p:style>
+        <p:txBody>
+          <a:bodyPr rtlCol="0" anchor="ctr"/>
+          <a:lstStyle/>
+          <a:p>
+            <a:pPr algn="ctr"/>
+            <a:endParaRPr lang="en-US"/>
+          </a:p>
+        </p:txBody>
+      </p:sp>
+    </p:spTree>
+    <p:extLst>
+      <p:ext uri="{BB962C8B-B14F-4D97-AF65-F5344CB8AC3E}">
+        <p14:creationId xmlns:p14="http://schemas.microsoft.com/office/powerpoint/2010/main" val="985635392"/>
+      </p:ext>
+    </p:extLst>
+  </p:cSld>
+  <p:clrMapOvr>
+    <a:masterClrMapping/>
+  </p:clrMapOvr>
+</p:sld>
+</file>
+
+<file path=ppt/slides/slide16.xml><?xml version="1.0" encoding="utf-8"?>
+<p:sld xmlns:a="http://schemas.openxmlformats.org/drawingml/2006/main" xmlns:r="http://schemas.openxmlformats.org/officeDocument/2006/relationships" xmlns:p="http://schemas.openxmlformats.org/presentationml/2006/main">
+  <p:cSld>
+    <p:spTree>
+      <p:nvGrpSpPr>
+        <p:cNvPr id="1" name=""/>
+        <p:cNvGrpSpPr/>
+        <p:nvPr/>
+      </p:nvGrpSpPr>
+      <p:grpSpPr>
+        <a:xfrm>
+          <a:off x="0" y="0"/>
+          <a:ext cx="0" cy="0"/>
+          <a:chOff x="0" y="0"/>
+          <a:chExt cx="0" cy="0"/>
+        </a:xfrm>
+      </p:grpSpPr>
+      <p:sp>
+        <p:nvSpPr>
+          <p:cNvPr id="2" name="Title 1">
+            <a:extLst>
+              <a:ext uri="{FF2B5EF4-FFF2-40B4-BE49-F238E27FC236}">
+                <a16:creationId xmlns:a16="http://schemas.microsoft.com/office/drawing/2014/main" id="{2E0B8CAC-A547-424C-ACB3-9BCA276788BC}"/>
+              </a:ext>
+            </a:extLst>
+          </p:cNvPr>
+          <p:cNvSpPr>
+            <a:spLocks noGrp="1"/>
+          </p:cNvSpPr>
+          <p:nvPr>
+            <p:ph type="title"/>
+          </p:nvPr>
+        </p:nvSpPr>
+        <p:spPr/>
+        <p:txBody>
+          <a:bodyPr/>
+          <a:lstStyle/>
+          <a:p>
+            <a:r>
+              <a:rPr lang="en-US" dirty="0" err="1"/>
+              <a:t>Sebaran</a:t>
+            </a:r>
+            <a:r>
+              <a:rPr lang="en-US" dirty="0"/>
+              <a:t> </a:t>
+            </a:r>
+            <a:r>
+              <a:rPr lang="en-US" dirty="0" err="1"/>
+              <a:t>Penghasilan</a:t>
+            </a:r>
+            <a:endParaRPr lang="en-US" dirty="0"/>
+          </a:p>
+        </p:txBody>
+      </p:sp>
+      <p:pic>
+        <p:nvPicPr>
+          <p:cNvPr id="25" name="Content Placeholder 24">
+            <a:extLst>
+              <a:ext uri="{FF2B5EF4-FFF2-40B4-BE49-F238E27FC236}">
+                <a16:creationId xmlns:a16="http://schemas.microsoft.com/office/drawing/2014/main" id="{BB756474-45CE-467D-9C0B-A3B052FB4838}"/>
+              </a:ext>
+            </a:extLst>
+          </p:cNvPr>
+          <p:cNvPicPr>
+            <a:picLocks noGrp="1" noChangeAspect="1"/>
+          </p:cNvPicPr>
+          <p:nvPr>
+            <p:ph idx="1"/>
+          </p:nvPr>
+        </p:nvPicPr>
+        <p:blipFill>
+          <a:blip r:embed="rId2"/>
+          <a:stretch>
+            <a:fillRect/>
+          </a:stretch>
+        </p:blipFill>
+        <p:spPr>
+          <a:xfrm>
+            <a:off x="2068349" y="1825625"/>
+            <a:ext cx="8055301" cy="4351338"/>
+          </a:xfrm>
+          <a:ln>
+            <a:solidFill>
+              <a:srgbClr val="E12A26"/>
+            </a:solidFill>
+          </a:ln>
+        </p:spPr>
+      </p:pic>
+    </p:spTree>
+    <p:extLst>
+      <p:ext uri="{BB962C8B-B14F-4D97-AF65-F5344CB8AC3E}">
+        <p14:creationId xmlns:p14="http://schemas.microsoft.com/office/powerpoint/2010/main" val="792296865"/>
+      </p:ext>
+    </p:extLst>
+  </p:cSld>
+  <p:clrMapOvr>
+    <a:masterClrMapping/>
+  </p:clrMapOvr>
+</p:sld>
+</file>
+
+<file path=ppt/slides/slide17.xml><?xml version="1.0" encoding="utf-8"?>
+<p:sld xmlns:a="http://schemas.openxmlformats.org/drawingml/2006/main" xmlns:r="http://schemas.openxmlformats.org/officeDocument/2006/relationships" xmlns:p="http://schemas.openxmlformats.org/presentationml/2006/main">
+  <p:cSld>
+    <p:spTree>
+      <p:nvGrpSpPr>
+        <p:cNvPr id="1" name=""/>
+        <p:cNvGrpSpPr/>
+        <p:nvPr/>
+      </p:nvGrpSpPr>
+      <p:grpSpPr>
+        <a:xfrm>
+          <a:off x="0" y="0"/>
+          <a:ext cx="0" cy="0"/>
+          <a:chOff x="0" y="0"/>
+          <a:chExt cx="0" cy="0"/>
+        </a:xfrm>
+      </p:grpSpPr>
+      <p:sp>
+        <p:nvSpPr>
+          <p:cNvPr id="2" name="Title 1">
+            <a:extLst>
+              <a:ext uri="{FF2B5EF4-FFF2-40B4-BE49-F238E27FC236}">
+                <a16:creationId xmlns:a16="http://schemas.microsoft.com/office/drawing/2014/main" id="{70944C03-18BA-48DD-A700-61DF59D001D7}"/>
+              </a:ext>
+            </a:extLst>
+          </p:cNvPr>
+          <p:cNvSpPr>
+            <a:spLocks noGrp="1"/>
+          </p:cNvSpPr>
+          <p:nvPr>
+            <p:ph type="title"/>
+          </p:nvPr>
+        </p:nvSpPr>
+        <p:spPr/>
+        <p:txBody>
+          <a:bodyPr/>
+          <a:lstStyle/>
+          <a:p>
+            <a:r>
+              <a:rPr lang="en-US" dirty="0"/>
+              <a:t>Total View Channel</a:t>
+            </a:r>
+          </a:p>
+        </p:txBody>
+      </p:sp>
+      <p:pic>
+        <p:nvPicPr>
+          <p:cNvPr id="9" name="Content Placeholder 8">
+            <a:extLst>
+              <a:ext uri="{FF2B5EF4-FFF2-40B4-BE49-F238E27FC236}">
+                <a16:creationId xmlns:a16="http://schemas.microsoft.com/office/drawing/2014/main" id="{02A86EE7-833F-45A0-B6FB-47E6674D3E9F}"/>
+              </a:ext>
+            </a:extLst>
+          </p:cNvPr>
+          <p:cNvPicPr>
+            <a:picLocks noGrp="1" noChangeAspect="1"/>
+          </p:cNvPicPr>
+          <p:nvPr>
+            <p:ph idx="1"/>
+          </p:nvPr>
+        </p:nvPicPr>
+        <p:blipFill>
+          <a:blip r:embed="rId2"/>
+          <a:stretch>
+            <a:fillRect/>
+          </a:stretch>
+        </p:blipFill>
+        <p:spPr>
+          <a:xfrm>
+            <a:off x="2061347" y="1825625"/>
+            <a:ext cx="8069305" cy="4351338"/>
+          </a:xfrm>
+          <a:ln>
+            <a:solidFill>
+              <a:srgbClr val="E12A26"/>
+            </a:solidFill>
+          </a:ln>
+        </p:spPr>
+      </p:pic>
+    </p:spTree>
+    <p:extLst>
+      <p:ext uri="{BB962C8B-B14F-4D97-AF65-F5344CB8AC3E}">
+        <p14:creationId xmlns:p14="http://schemas.microsoft.com/office/powerpoint/2010/main" val="2009724890"/>
+      </p:ext>
+    </p:extLst>
+  </p:cSld>
+  <p:clrMapOvr>
+    <a:masterClrMapping/>
+  </p:clrMapOvr>
+</p:sld>
+</file>
+
+<file path=ppt/slides/slide18.xml><?xml version="1.0" encoding="utf-8"?>
+<p:sld xmlns:a="http://schemas.openxmlformats.org/drawingml/2006/main" xmlns:r="http://schemas.openxmlformats.org/officeDocument/2006/relationships" xmlns:p="http://schemas.openxmlformats.org/presentationml/2006/main">
+  <p:cSld>
+    <p:spTree>
+      <p:nvGrpSpPr>
+        <p:cNvPr id="1" name=""/>
+        <p:cNvGrpSpPr/>
+        <p:nvPr/>
+      </p:nvGrpSpPr>
+      <p:grpSpPr>
+        <a:xfrm>
+          <a:off x="0" y="0"/>
+          <a:ext cx="0" cy="0"/>
+          <a:chOff x="0" y="0"/>
+          <a:chExt cx="0" cy="0"/>
+        </a:xfrm>
+      </p:grpSpPr>
+      <p:sp>
+        <p:nvSpPr>
+          <p:cNvPr id="2" name="Title 1">
+            <a:extLst>
+              <a:ext uri="{FF2B5EF4-FFF2-40B4-BE49-F238E27FC236}">
+                <a16:creationId xmlns:a16="http://schemas.microsoft.com/office/drawing/2014/main" id="{B3B78B49-5B6F-439E-BAB2-710A58E8C27B}"/>
+              </a:ext>
+            </a:extLst>
+          </p:cNvPr>
+          <p:cNvSpPr>
+            <a:spLocks noGrp="1"/>
+          </p:cNvSpPr>
+          <p:nvPr>
+            <p:ph type="title"/>
+          </p:nvPr>
+        </p:nvSpPr>
+        <p:spPr/>
+        <p:txBody>
+          <a:bodyPr/>
+          <a:lstStyle/>
+          <a:p>
+            <a:r>
+              <a:rPr lang="en-US" dirty="0"/>
+              <a:t>Top 5 Subscriber Channel</a:t>
+            </a:r>
+          </a:p>
+        </p:txBody>
+      </p:sp>
+      <p:pic>
+        <p:nvPicPr>
+          <p:cNvPr id="6" name="Content Placeholder 8">
+            <a:extLst>
+              <a:ext uri="{FF2B5EF4-FFF2-40B4-BE49-F238E27FC236}">
+                <a16:creationId xmlns:a16="http://schemas.microsoft.com/office/drawing/2014/main" id="{155974A4-3217-4B60-940A-127F9EADA5DD}"/>
+              </a:ext>
+            </a:extLst>
+          </p:cNvPr>
+          <p:cNvPicPr>
+            <a:picLocks noChangeAspect="1"/>
+          </p:cNvPicPr>
+          <p:nvPr/>
+        </p:nvPicPr>
+        <p:blipFill>
+          <a:blip r:embed="rId2"/>
+          <a:stretch>
+            <a:fillRect/>
+          </a:stretch>
+        </p:blipFill>
+        <p:spPr>
+          <a:xfrm>
+            <a:off x="904479" y="1825625"/>
+            <a:ext cx="5366725" cy="4766244"/>
+          </a:xfrm>
+          <a:prstGeom prst="rect">
+            <a:avLst/>
+          </a:prstGeom>
+          <a:ln>
+            <a:solidFill>
+              <a:srgbClr val="E12A26"/>
+            </a:solidFill>
+          </a:ln>
+        </p:spPr>
+      </p:pic>
+      <p:sp>
+        <p:nvSpPr>
+          <p:cNvPr id="7" name="Rectangle: Rounded Corners 6">
+            <a:extLst>
+              <a:ext uri="{FF2B5EF4-FFF2-40B4-BE49-F238E27FC236}">
+                <a16:creationId xmlns:a16="http://schemas.microsoft.com/office/drawing/2014/main" id="{706B4C8C-5101-4300-8663-CE3DB06F1B86}"/>
+              </a:ext>
+            </a:extLst>
+          </p:cNvPr>
+          <p:cNvSpPr/>
+          <p:nvPr/>
+        </p:nvSpPr>
+        <p:spPr>
+          <a:xfrm>
+            <a:off x="1378428" y="2142699"/>
+            <a:ext cx="4804012" cy="996286"/>
+          </a:xfrm>
+          <a:prstGeom prst="roundRect">
+            <a:avLst>
+              <a:gd name="adj" fmla="val 5708"/>
+            </a:avLst>
+          </a:prstGeom>
+          <a:noFill/>
+          <a:ln w="38100">
+            <a:prstDash val="sysDash"/>
+          </a:ln>
+        </p:spPr>
+        <p:style>
+          <a:lnRef idx="2">
+            <a:schemeClr val="accent1">
+              <a:shade val="50000"/>
+            </a:schemeClr>
+          </a:lnRef>
+          <a:fillRef idx="1">
+            <a:schemeClr val="accent1"/>
+          </a:fillRef>
+          <a:effectRef idx="0">
+            <a:schemeClr val="accent1"/>
+          </a:effectRef>
+          <a:fontRef idx="minor">
+            <a:schemeClr val="lt1"/>
+          </a:fontRef>
+        </p:style>
+        <p:txBody>
+          <a:bodyPr rtlCol="0" anchor="ctr"/>
+          <a:lstStyle/>
+          <a:p>
+            <a:pPr algn="ctr"/>
+            <a:endParaRPr lang="en-US"/>
+          </a:p>
+        </p:txBody>
+      </p:sp>
+      <p:pic>
+        <p:nvPicPr>
+          <p:cNvPr id="17" name="Content Placeholder 16">
+            <a:extLst>
+              <a:ext uri="{FF2B5EF4-FFF2-40B4-BE49-F238E27FC236}">
+                <a16:creationId xmlns:a16="http://schemas.microsoft.com/office/drawing/2014/main" id="{2C298808-B258-4098-A3CF-86B42FEE0EC7}"/>
+              </a:ext>
+            </a:extLst>
+          </p:cNvPr>
+          <p:cNvPicPr>
+            <a:picLocks noGrp="1" noChangeAspect="1"/>
+          </p:cNvPicPr>
+          <p:nvPr>
+            <p:ph idx="1"/>
+          </p:nvPr>
+        </p:nvPicPr>
+        <p:blipFill>
+          <a:blip r:embed="rId3"/>
+          <a:stretch>
+            <a:fillRect/>
+          </a:stretch>
+        </p:blipFill>
+        <p:spPr>
+          <a:xfrm>
+            <a:off x="6636539" y="1808444"/>
+            <a:ext cx="4395596" cy="2311757"/>
+          </a:xfrm>
+          <a:ln>
+            <a:solidFill>
+              <a:srgbClr val="E12A26"/>
+            </a:solidFill>
+          </a:ln>
+        </p:spPr>
+      </p:pic>
+      <p:pic>
+        <p:nvPicPr>
+          <p:cNvPr id="19" name="Picture 18">
+            <a:extLst>
+              <a:ext uri="{FF2B5EF4-FFF2-40B4-BE49-F238E27FC236}">
+                <a16:creationId xmlns:a16="http://schemas.microsoft.com/office/drawing/2014/main" id="{F82D2833-F127-4F0F-8E27-D1915B582099}"/>
+              </a:ext>
+            </a:extLst>
+          </p:cNvPr>
+          <p:cNvPicPr>
+            <a:picLocks noChangeAspect="1"/>
+          </p:cNvPicPr>
+          <p:nvPr/>
+        </p:nvPicPr>
+        <p:blipFill>
+          <a:blip r:embed="rId4"/>
+          <a:stretch>
+            <a:fillRect/>
+          </a:stretch>
+        </p:blipFill>
+        <p:spPr>
+          <a:xfrm>
+            <a:off x="6636539" y="4280113"/>
+            <a:ext cx="4391522" cy="2311756"/>
+          </a:xfrm>
+          <a:prstGeom prst="rect">
+            <a:avLst/>
+          </a:prstGeom>
+          <a:ln>
+            <a:solidFill>
+              <a:srgbClr val="E12A26"/>
+            </a:solidFill>
+          </a:ln>
+        </p:spPr>
+      </p:pic>
+    </p:spTree>
+    <p:extLst>
+      <p:ext uri="{BB962C8B-B14F-4D97-AF65-F5344CB8AC3E}">
+        <p14:creationId xmlns:p14="http://schemas.microsoft.com/office/powerpoint/2010/main" val="1776496391"/>
+      </p:ext>
+    </p:extLst>
+  </p:cSld>
+  <p:clrMapOvr>
+    <a:masterClrMapping/>
+  </p:clrMapOvr>
+</p:sld>
+</file>
+
+<file path=ppt/slides/slide19.xml><?xml version="1.0" encoding="utf-8"?>
+<p:sld xmlns:a="http://schemas.openxmlformats.org/drawingml/2006/main" xmlns:r="http://schemas.openxmlformats.org/officeDocument/2006/relationships" xmlns:p="http://schemas.openxmlformats.org/presentationml/2006/main">
+  <p:cSld>
+    <p:spTree>
+      <p:nvGrpSpPr>
+        <p:cNvPr id="1" name=""/>
+        <p:cNvGrpSpPr/>
+        <p:nvPr/>
+      </p:nvGrpSpPr>
+      <p:grpSpPr>
+        <a:xfrm>
+          <a:off x="0" y="0"/>
+          <a:ext cx="0" cy="0"/>
+          <a:chOff x="0" y="0"/>
+          <a:chExt cx="0" cy="0"/>
+        </a:xfrm>
+      </p:grpSpPr>
+      <p:pic>
+        <p:nvPicPr>
+          <p:cNvPr id="64" name="Content Placeholder 63">
+            <a:extLst>
+              <a:ext uri="{FF2B5EF4-FFF2-40B4-BE49-F238E27FC236}">
+                <a16:creationId xmlns:a16="http://schemas.microsoft.com/office/drawing/2014/main" id="{61D884BD-B122-437E-92DA-4D7A8FDBAFA2}"/>
+              </a:ext>
+            </a:extLst>
+          </p:cNvPr>
+          <p:cNvPicPr>
+            <a:picLocks noGrp="1" noChangeAspect="1"/>
+          </p:cNvPicPr>
+          <p:nvPr>
+            <p:ph idx="1"/>
+          </p:nvPr>
+        </p:nvPicPr>
+        <p:blipFill>
+          <a:blip r:embed="rId2"/>
+          <a:stretch>
+            <a:fillRect/>
+          </a:stretch>
+        </p:blipFill>
+        <p:spPr>
+          <a:xfrm>
+            <a:off x="1048739" y="2027841"/>
+            <a:ext cx="5019551" cy="4351338"/>
+          </a:xfrm>
+        </p:spPr>
+      </p:pic>
+      <p:sp>
+        <p:nvSpPr>
+          <p:cNvPr id="2" name="Title 1">
+            <a:extLst>
+              <a:ext uri="{FF2B5EF4-FFF2-40B4-BE49-F238E27FC236}">
+                <a16:creationId xmlns:a16="http://schemas.microsoft.com/office/drawing/2014/main" id="{D0E06A0D-3A94-492E-99F6-2BE22693399E}"/>
+              </a:ext>
+            </a:extLst>
+          </p:cNvPr>
+          <p:cNvSpPr>
+            <a:spLocks noGrp="1"/>
+          </p:cNvSpPr>
+          <p:nvPr>
+            <p:ph type="title"/>
+          </p:nvPr>
+        </p:nvSpPr>
+        <p:spPr/>
+        <p:txBody>
+          <a:bodyPr/>
+          <a:lstStyle/>
+          <a:p>
+            <a:r>
+              <a:rPr lang="en-US" dirty="0" err="1"/>
+              <a:t>Korelasi</a:t>
+            </a:r>
+            <a:endParaRPr lang="en-US" dirty="0"/>
+          </a:p>
+        </p:txBody>
+      </p:sp>
+      <p:sp>
+        <p:nvSpPr>
+          <p:cNvPr id="11" name="TextBox 10">
+            <a:extLst>
+              <a:ext uri="{FF2B5EF4-FFF2-40B4-BE49-F238E27FC236}">
+                <a16:creationId xmlns:a16="http://schemas.microsoft.com/office/drawing/2014/main" id="{E5FEF39F-91A5-4CE1-BC79-FA2CCC3E12E9}"/>
+              </a:ext>
+            </a:extLst>
+          </p:cNvPr>
+          <p:cNvSpPr txBox="1"/>
+          <p:nvPr/>
+        </p:nvSpPr>
+        <p:spPr>
+          <a:xfrm>
+            <a:off x="6095999" y="1192404"/>
+            <a:ext cx="5675585" cy="1077218"/>
+          </a:xfrm>
+          <a:prstGeom prst="rect">
+            <a:avLst/>
+          </a:prstGeom>
+          <a:noFill/>
+          <a:ln>
+            <a:solidFill>
+              <a:srgbClr val="E12A26"/>
+            </a:solidFill>
+          </a:ln>
+        </p:spPr>
+        <p:txBody>
+          <a:bodyPr wrap="square" rtlCol="0">
+            <a:spAutoFit/>
+          </a:bodyPr>
+          <a:lstStyle/>
+          <a:p>
+            <a:r>
+              <a:rPr lang="en-US" sz="1600" dirty="0"/>
+              <a:t>Uji </a:t>
+            </a:r>
+            <a:r>
+              <a:rPr lang="en-US" sz="1600" dirty="0" err="1"/>
+              <a:t>Hipotesis</a:t>
+            </a:r>
+            <a:r>
+              <a:rPr lang="en-US" sz="1600" dirty="0"/>
+              <a:t> </a:t>
+            </a:r>
+            <a:r>
+              <a:rPr lang="en-US" sz="1600" dirty="0" err="1"/>
+              <a:t>dgn</a:t>
+            </a:r>
+            <a:r>
+              <a:rPr lang="en-US" sz="1600" dirty="0"/>
+              <a:t> </a:t>
+            </a:r>
+            <a:r>
+              <a:rPr lang="en-US" sz="1600" dirty="0" err="1"/>
+              <a:t>taraf</a:t>
+            </a:r>
+            <a:r>
+              <a:rPr lang="en-US" sz="1600" dirty="0"/>
+              <a:t> </a:t>
+            </a:r>
+            <a:r>
+              <a:rPr lang="en-US" sz="1600" dirty="0" err="1"/>
+              <a:t>nyata</a:t>
+            </a:r>
+            <a:r>
+              <a:rPr lang="en-US" sz="1600" dirty="0"/>
+              <a:t> 5%</a:t>
+            </a:r>
+          </a:p>
+          <a:p>
+            <a:endParaRPr lang="en-US" sz="1600" dirty="0"/>
+          </a:p>
+          <a:p>
+            <a:r>
+              <a:rPr lang="en-US" sz="1600" dirty="0"/>
+              <a:t>H0: </a:t>
+            </a:r>
+            <a:r>
+              <a:rPr lang="en-US" sz="1600" dirty="0" err="1"/>
+              <a:t>tidak</a:t>
+            </a:r>
+            <a:r>
+              <a:rPr lang="en-US" sz="1600" dirty="0"/>
+              <a:t> </a:t>
+            </a:r>
+            <a:r>
+              <a:rPr lang="en-US" sz="1600" dirty="0" err="1"/>
+              <a:t>ada</a:t>
+            </a:r>
+            <a:r>
+              <a:rPr lang="en-US" sz="1600" dirty="0"/>
+              <a:t> </a:t>
+            </a:r>
+            <a:r>
+              <a:rPr lang="en-US" sz="1600" dirty="0" err="1"/>
+              <a:t>korelasi</a:t>
+            </a:r>
+            <a:r>
+              <a:rPr lang="en-US" sz="1600" dirty="0"/>
+              <a:t> (</a:t>
+            </a:r>
+            <a:r>
+              <a:rPr lang="el-GR" sz="1600" i="1" dirty="0"/>
+              <a:t>ρ</a:t>
+            </a:r>
+            <a:r>
+              <a:rPr lang="en-US" sz="1600" dirty="0"/>
+              <a:t> = 0)</a:t>
+            </a:r>
+          </a:p>
+          <a:p>
+            <a:r>
+              <a:rPr lang="en-US" sz="1600" dirty="0"/>
+              <a:t>H1: Ada </a:t>
+            </a:r>
+            <a:r>
+              <a:rPr lang="en-US" sz="1600" dirty="0" err="1"/>
+              <a:t>korelasi</a:t>
+            </a:r>
+            <a:r>
+              <a:rPr lang="en-US" sz="1600" dirty="0"/>
+              <a:t>  (</a:t>
+            </a:r>
+            <a:r>
+              <a:rPr lang="el-GR" sz="1600" i="1" dirty="0"/>
+              <a:t>ρ</a:t>
+            </a:r>
+            <a:r>
+              <a:rPr lang="en-US" sz="1600" dirty="0"/>
+              <a:t> ≠ 0)</a:t>
+            </a:r>
+          </a:p>
+        </p:txBody>
+      </p:sp>
+      <p:pic>
+        <p:nvPicPr>
+          <p:cNvPr id="53" name="Picture 52">
+            <a:extLst>
+              <a:ext uri="{FF2B5EF4-FFF2-40B4-BE49-F238E27FC236}">
+                <a16:creationId xmlns:a16="http://schemas.microsoft.com/office/drawing/2014/main" id="{56FBE3DC-C7E6-4792-86D5-8F5738AF13D6}"/>
+              </a:ext>
+            </a:extLst>
+          </p:cNvPr>
+          <p:cNvPicPr>
+            <a:picLocks noChangeAspect="1"/>
+          </p:cNvPicPr>
+          <p:nvPr/>
+        </p:nvPicPr>
+        <p:blipFill rotWithShape="1">
+          <a:blip r:embed="rId3"/>
+          <a:srcRect r="3283"/>
+          <a:stretch/>
+        </p:blipFill>
+        <p:spPr>
+          <a:xfrm>
+            <a:off x="6143376" y="2542859"/>
+            <a:ext cx="5675585" cy="3419952"/>
+          </a:xfrm>
+          <a:prstGeom prst="rect">
+            <a:avLst/>
+          </a:prstGeom>
+        </p:spPr>
+      </p:pic>
+      <p:cxnSp>
+        <p:nvCxnSpPr>
+          <p:cNvPr id="55" name="Straight Arrow Connector 54">
+            <a:extLst>
+              <a:ext uri="{FF2B5EF4-FFF2-40B4-BE49-F238E27FC236}">
+                <a16:creationId xmlns:a16="http://schemas.microsoft.com/office/drawing/2014/main" id="{072E4BCE-D2C8-4B12-BF37-A4B2AF6FE537}"/>
+              </a:ext>
+            </a:extLst>
+          </p:cNvPr>
+          <p:cNvCxnSpPr>
+            <a:cxnSpLocks/>
+            <a:stCxn id="24" idx="3"/>
+          </p:cNvCxnSpPr>
+          <p:nvPr/>
+        </p:nvCxnSpPr>
+        <p:spPr>
+          <a:xfrm>
+            <a:off x="5765121" y="2667017"/>
+            <a:ext cx="2327310" cy="1048586"/>
+          </a:xfrm>
+          <a:prstGeom prst="straightConnector1">
+            <a:avLst/>
+          </a:prstGeom>
+          <a:ln>
+            <a:tailEnd type="triangle"/>
+          </a:ln>
+        </p:spPr>
+        <p:style>
+          <a:lnRef idx="1">
+            <a:schemeClr val="accent1"/>
+          </a:lnRef>
+          <a:fillRef idx="0">
+            <a:schemeClr val="accent1"/>
+          </a:fillRef>
+          <a:effectRef idx="0">
+            <a:schemeClr val="accent1"/>
+          </a:effectRef>
+          <a:fontRef idx="minor">
+            <a:schemeClr val="tx1"/>
+          </a:fontRef>
+        </p:style>
+      </p:cxnSp>
+      <p:sp>
+        <p:nvSpPr>
+          <p:cNvPr id="9" name="Rectangle 8">
+            <a:extLst>
+              <a:ext uri="{FF2B5EF4-FFF2-40B4-BE49-F238E27FC236}">
+                <a16:creationId xmlns:a16="http://schemas.microsoft.com/office/drawing/2014/main" id="{E6B37205-5259-4DB4-BBA0-35B70B7134D2}"/>
+              </a:ext>
+            </a:extLst>
+          </p:cNvPr>
+          <p:cNvSpPr/>
+          <p:nvPr/>
+        </p:nvSpPr>
+        <p:spPr>
+          <a:xfrm>
+            <a:off x="6264322" y="6059606"/>
+            <a:ext cx="341194" cy="319573"/>
+          </a:xfrm>
+          <a:prstGeom prst="rect">
+            <a:avLst/>
+          </a:prstGeom>
+          <a:solidFill>
+            <a:srgbClr val="00B0F0"/>
+          </a:solidFill>
+        </p:spPr>
+        <p:style>
+          <a:lnRef idx="2">
+            <a:schemeClr val="accent1">
+              <a:shade val="50000"/>
+            </a:schemeClr>
+          </a:lnRef>
+          <a:fillRef idx="1">
+            <a:schemeClr val="accent1"/>
+          </a:fillRef>
+          <a:effectRef idx="0">
+            <a:schemeClr val="accent1"/>
+          </a:effectRef>
+          <a:fontRef idx="minor">
+            <a:schemeClr val="lt1"/>
+          </a:fontRef>
+        </p:style>
+        <p:txBody>
+          <a:bodyPr rtlCol="0" anchor="ctr"/>
+          <a:lstStyle/>
+          <a:p>
+            <a:pPr algn="ctr"/>
+            <a:endParaRPr lang="en-US"/>
+          </a:p>
+        </p:txBody>
+      </p:sp>
+      <p:sp>
+        <p:nvSpPr>
+          <p:cNvPr id="10" name="TextBox 9">
+            <a:extLst>
+              <a:ext uri="{FF2B5EF4-FFF2-40B4-BE49-F238E27FC236}">
+                <a16:creationId xmlns:a16="http://schemas.microsoft.com/office/drawing/2014/main" id="{83AF8FFA-AAC8-454E-82E5-C779CDA230F9}"/>
+              </a:ext>
+            </a:extLst>
+          </p:cNvPr>
+          <p:cNvSpPr txBox="1"/>
+          <p:nvPr/>
+        </p:nvSpPr>
+        <p:spPr>
+          <a:xfrm>
+            <a:off x="6609788" y="6059606"/>
+            <a:ext cx="1482643" cy="307777"/>
+          </a:xfrm>
+          <a:prstGeom prst="rect">
+            <a:avLst/>
+          </a:prstGeom>
+          <a:noFill/>
+        </p:spPr>
+        <p:txBody>
+          <a:bodyPr wrap="square" rtlCol="0">
+            <a:spAutoFit/>
+          </a:bodyPr>
+          <a:lstStyle/>
+          <a:p>
+            <a:r>
+              <a:rPr lang="en-US" sz="1400" dirty="0" err="1"/>
+              <a:t>Korelasi</a:t>
+            </a:r>
+            <a:r>
+              <a:rPr lang="en-US" sz="1400" dirty="0"/>
+              <a:t> </a:t>
+            </a:r>
+            <a:r>
+              <a:rPr lang="en-US" sz="1400" dirty="0" err="1"/>
+              <a:t>signifikan</a:t>
+            </a:r>
+            <a:endParaRPr lang="en-US" sz="1400" dirty="0"/>
+          </a:p>
+        </p:txBody>
+      </p:sp>
+      <p:sp>
+        <p:nvSpPr>
+          <p:cNvPr id="12" name="Rectangle 11">
+            <a:extLst>
+              <a:ext uri="{FF2B5EF4-FFF2-40B4-BE49-F238E27FC236}">
+                <a16:creationId xmlns:a16="http://schemas.microsoft.com/office/drawing/2014/main" id="{2EE12822-30BB-477F-872C-99FD6625EED2}"/>
+              </a:ext>
+            </a:extLst>
+          </p:cNvPr>
+          <p:cNvSpPr/>
+          <p:nvPr/>
+        </p:nvSpPr>
+        <p:spPr>
+          <a:xfrm>
+            <a:off x="8996149" y="6054887"/>
+            <a:ext cx="341194" cy="319573"/>
+          </a:xfrm>
+          <a:prstGeom prst="rect">
+            <a:avLst/>
+          </a:prstGeom>
+          <a:solidFill>
+            <a:srgbClr val="E12A26"/>
+          </a:solidFill>
+        </p:spPr>
+        <p:style>
+          <a:lnRef idx="2">
+            <a:schemeClr val="accent1">
+              <a:shade val="50000"/>
+            </a:schemeClr>
+          </a:lnRef>
+          <a:fillRef idx="1">
+            <a:schemeClr val="accent1"/>
+          </a:fillRef>
+          <a:effectRef idx="0">
+            <a:schemeClr val="accent1"/>
+          </a:effectRef>
+          <a:fontRef idx="minor">
+            <a:schemeClr val="lt1"/>
+          </a:fontRef>
+        </p:style>
+        <p:txBody>
+          <a:bodyPr rtlCol="0" anchor="ctr"/>
+          <a:lstStyle/>
+          <a:p>
+            <a:pPr algn="ctr"/>
+            <a:endParaRPr lang="en-US"/>
+          </a:p>
+        </p:txBody>
+      </p:sp>
+      <p:sp>
+        <p:nvSpPr>
+          <p:cNvPr id="15" name="TextBox 14">
+            <a:extLst>
+              <a:ext uri="{FF2B5EF4-FFF2-40B4-BE49-F238E27FC236}">
+                <a16:creationId xmlns:a16="http://schemas.microsoft.com/office/drawing/2014/main" id="{1F1A915B-2602-498F-8CF9-A194AB8C2D44}"/>
+              </a:ext>
+            </a:extLst>
+          </p:cNvPr>
+          <p:cNvSpPr txBox="1"/>
+          <p:nvPr/>
+        </p:nvSpPr>
+        <p:spPr>
+          <a:xfrm>
+            <a:off x="9341615" y="6054887"/>
+            <a:ext cx="2012184" cy="307777"/>
+          </a:xfrm>
+          <a:prstGeom prst="rect">
+            <a:avLst/>
+          </a:prstGeom>
+          <a:noFill/>
+        </p:spPr>
+        <p:txBody>
+          <a:bodyPr wrap="square" rtlCol="0">
+            <a:spAutoFit/>
+          </a:bodyPr>
+          <a:lstStyle/>
+          <a:p>
+            <a:r>
+              <a:rPr lang="en-US" sz="1400" dirty="0" err="1"/>
+              <a:t>Korelasi</a:t>
+            </a:r>
+            <a:r>
+              <a:rPr lang="en-US" sz="1400" dirty="0"/>
+              <a:t> </a:t>
+            </a:r>
+            <a:r>
+              <a:rPr lang="en-US" sz="1400" dirty="0" err="1"/>
+              <a:t>tidak</a:t>
+            </a:r>
+            <a:r>
+              <a:rPr lang="en-US" sz="1400" dirty="0"/>
+              <a:t> </a:t>
+            </a:r>
+            <a:r>
+              <a:rPr lang="en-US" sz="1400" dirty="0" err="1"/>
+              <a:t>signifikan</a:t>
+            </a:r>
+            <a:endParaRPr lang="en-US" sz="1400" dirty="0"/>
+          </a:p>
+        </p:txBody>
+      </p:sp>
+      <p:pic>
+        <p:nvPicPr>
+          <p:cNvPr id="36" name="Content Placeholder 18">
+            <a:extLst>
+              <a:ext uri="{FF2B5EF4-FFF2-40B4-BE49-F238E27FC236}">
+                <a16:creationId xmlns:a16="http://schemas.microsoft.com/office/drawing/2014/main" id="{A6B4A03F-8C72-4345-BE8C-6349963D2F2E}"/>
+              </a:ext>
+            </a:extLst>
+          </p:cNvPr>
+          <p:cNvPicPr>
+            <a:picLocks noChangeAspect="1"/>
+          </p:cNvPicPr>
+          <p:nvPr/>
+        </p:nvPicPr>
+        <p:blipFill>
+          <a:blip r:embed="rId4"/>
+          <a:stretch>
+            <a:fillRect/>
+          </a:stretch>
+        </p:blipFill>
+        <p:spPr>
+          <a:xfrm>
+            <a:off x="619873" y="1975276"/>
+            <a:ext cx="5398790" cy="4455629"/>
+          </a:xfrm>
+          <a:prstGeom prst="rect">
+            <a:avLst/>
+          </a:prstGeom>
+        </p:spPr>
+      </p:pic>
+      <p:cxnSp>
+        <p:nvCxnSpPr>
+          <p:cNvPr id="13" name="Straight Arrow Connector 12">
+            <a:extLst>
+              <a:ext uri="{FF2B5EF4-FFF2-40B4-BE49-F238E27FC236}">
+                <a16:creationId xmlns:a16="http://schemas.microsoft.com/office/drawing/2014/main" id="{CB456953-9991-422C-BC58-296903C65C99}"/>
+              </a:ext>
+            </a:extLst>
+          </p:cNvPr>
+          <p:cNvCxnSpPr>
+            <a:cxnSpLocks/>
+          </p:cNvCxnSpPr>
+          <p:nvPr/>
+        </p:nvCxnSpPr>
+        <p:spPr>
+          <a:xfrm flipH="1">
+            <a:off x="3343701" y="3682111"/>
+            <a:ext cx="1251896" cy="397964"/>
+          </a:xfrm>
+          <a:prstGeom prst="straightConnector1">
+            <a:avLst/>
+          </a:prstGeom>
+          <a:ln>
+            <a:tailEnd type="triangle"/>
+          </a:ln>
+        </p:spPr>
+        <p:style>
+          <a:lnRef idx="1">
+            <a:schemeClr val="accent1"/>
+          </a:lnRef>
+          <a:fillRef idx="0">
+            <a:schemeClr val="accent1"/>
+          </a:fillRef>
+          <a:effectRef idx="0">
+            <a:schemeClr val="accent1"/>
+          </a:effectRef>
+          <a:fontRef idx="minor">
+            <a:schemeClr val="tx1"/>
+          </a:fontRef>
+        </p:style>
+      </p:cxnSp>
+      <p:sp>
+        <p:nvSpPr>
+          <p:cNvPr id="14" name="TextBox 13">
+            <a:extLst>
+              <a:ext uri="{FF2B5EF4-FFF2-40B4-BE49-F238E27FC236}">
+                <a16:creationId xmlns:a16="http://schemas.microsoft.com/office/drawing/2014/main" id="{38DED5E4-4D8C-4870-9EB8-0A4BCCD18FD5}"/>
+              </a:ext>
+            </a:extLst>
+          </p:cNvPr>
+          <p:cNvSpPr txBox="1"/>
+          <p:nvPr/>
+        </p:nvSpPr>
+        <p:spPr>
+          <a:xfrm>
+            <a:off x="4653949" y="3379481"/>
+            <a:ext cx="915140" cy="523220"/>
+          </a:xfrm>
+          <a:prstGeom prst="rect">
+            <a:avLst/>
+          </a:prstGeom>
+          <a:noFill/>
+        </p:spPr>
+        <p:txBody>
+          <a:bodyPr wrap="square" rtlCol="0">
+            <a:spAutoFit/>
+          </a:bodyPr>
+          <a:lstStyle/>
+          <a:p>
+            <a:pPr algn="ctr"/>
+            <a:r>
+              <a:rPr lang="en-US" sz="1400" dirty="0" err="1"/>
+              <a:t>Koefisien</a:t>
+            </a:r>
+            <a:r>
+              <a:rPr lang="en-US" sz="1400" dirty="0"/>
+              <a:t> </a:t>
+            </a:r>
+            <a:r>
+              <a:rPr lang="en-US" sz="1400" dirty="0" err="1"/>
+              <a:t>korelasi</a:t>
+            </a:r>
+            <a:endParaRPr lang="en-US" sz="1400" dirty="0"/>
+          </a:p>
+        </p:txBody>
+      </p:sp>
+      <p:cxnSp>
+        <p:nvCxnSpPr>
+          <p:cNvPr id="22" name="Straight Arrow Connector 21">
+            <a:extLst>
+              <a:ext uri="{FF2B5EF4-FFF2-40B4-BE49-F238E27FC236}">
+                <a16:creationId xmlns:a16="http://schemas.microsoft.com/office/drawing/2014/main" id="{79D87B3C-41F5-40DA-B8A5-312E6E6064F6}"/>
+              </a:ext>
+            </a:extLst>
+          </p:cNvPr>
+          <p:cNvCxnSpPr>
+            <a:cxnSpLocks/>
+            <a:stCxn id="24" idx="1"/>
+          </p:cNvCxnSpPr>
+          <p:nvPr/>
+        </p:nvCxnSpPr>
+        <p:spPr>
+          <a:xfrm flipH="1">
+            <a:off x="2852383" y="2667017"/>
+            <a:ext cx="1743214" cy="951393"/>
+          </a:xfrm>
+          <a:prstGeom prst="straightConnector1">
+            <a:avLst/>
+          </a:prstGeom>
+          <a:ln>
+            <a:tailEnd type="triangle"/>
+          </a:ln>
+        </p:spPr>
+        <p:style>
+          <a:lnRef idx="1">
+            <a:schemeClr val="accent1"/>
+          </a:lnRef>
+          <a:fillRef idx="0">
+            <a:schemeClr val="accent1"/>
+          </a:fillRef>
+          <a:effectRef idx="0">
+            <a:schemeClr val="accent1"/>
+          </a:effectRef>
+          <a:fontRef idx="minor">
+            <a:schemeClr val="tx1"/>
+          </a:fontRef>
+        </p:style>
+      </p:cxnSp>
+      <p:sp>
+        <p:nvSpPr>
+          <p:cNvPr id="24" name="TextBox 23">
+            <a:extLst>
+              <a:ext uri="{FF2B5EF4-FFF2-40B4-BE49-F238E27FC236}">
+                <a16:creationId xmlns:a16="http://schemas.microsoft.com/office/drawing/2014/main" id="{212E6EAE-5BF8-4E59-8380-BF4105775B3E}"/>
+              </a:ext>
+            </a:extLst>
+          </p:cNvPr>
+          <p:cNvSpPr txBox="1"/>
+          <p:nvPr/>
+        </p:nvSpPr>
+        <p:spPr>
+          <a:xfrm>
+            <a:off x="4595597" y="2405407"/>
+            <a:ext cx="1169524" cy="523220"/>
+          </a:xfrm>
+          <a:prstGeom prst="rect">
+            <a:avLst/>
+          </a:prstGeom>
+          <a:noFill/>
+        </p:spPr>
+        <p:txBody>
+          <a:bodyPr wrap="square" rtlCol="0">
+            <a:spAutoFit/>
+          </a:bodyPr>
+          <a:lstStyle/>
+          <a:p>
+            <a:pPr algn="ctr"/>
+            <a:r>
+              <a:rPr lang="en-US" sz="1400" dirty="0" err="1"/>
+              <a:t>Korelasi</a:t>
+            </a:r>
+            <a:r>
+              <a:rPr lang="en-US" sz="1400" dirty="0"/>
+              <a:t> </a:t>
+            </a:r>
+            <a:r>
+              <a:rPr lang="en-US" sz="1400" dirty="0" err="1"/>
+              <a:t>tidak</a:t>
+            </a:r>
+            <a:r>
+              <a:rPr lang="en-US" sz="1400" dirty="0"/>
+              <a:t> </a:t>
+            </a:r>
+            <a:r>
+              <a:rPr lang="en-US" sz="1400" dirty="0" err="1"/>
+              <a:t>signifikan</a:t>
+            </a:r>
+            <a:endParaRPr lang="en-US" sz="1400" dirty="0"/>
+          </a:p>
+        </p:txBody>
+      </p:sp>
+    </p:spTree>
+    <p:extLst>
+      <p:ext uri="{BB962C8B-B14F-4D97-AF65-F5344CB8AC3E}">
+        <p14:creationId xmlns:p14="http://schemas.microsoft.com/office/powerpoint/2010/main" val="2446108616"/>
+      </p:ext>
+    </p:extLst>
+  </p:cSld>
+  <p:clrMapOvr>
+    <a:masterClrMapping/>
+  </p:clrMapOvr>
+  <p:timing>
+    <p:tnLst>
+      <p:par>
+        <p:cTn id="1" dur="indefinite" restart="never" nodeType="tmRoot">
+          <p:childTnLst>
+            <p:seq concurrent="1" nextAc="seek">
+              <p:cTn id="2" dur="indefinite" nodeType="mainSeq">
+                <p:childTnLst>
+                  <p:par>
+                    <p:cTn id="3" fill="hold">
+                      <p:stCondLst>
+                        <p:cond delay="indefinite"/>
+                      </p:stCondLst>
+                      <p:childTnLst>
+                        <p:par>
+                          <p:cTn id="4" fill="hold">
+                            <p:stCondLst>
+                              <p:cond delay="0"/>
+                            </p:stCondLst>
+                            <p:childTnLst>
+                              <p:par>
+                                <p:cTn id="5" presetID="1" presetClass="entr" presetSubtype="0" fill="hold" nodeType="clickEffect">
+                                  <p:stCondLst>
+                                    <p:cond delay="0"/>
+                                  </p:stCondLst>
+                                  <p:childTnLst>
+                                    <p:set>
+                                      <p:cBhvr>
+                                        <p:cTn id="6" dur="1" fill="hold">
+                                          <p:stCondLst>
+                                            <p:cond delay="0"/>
+                                          </p:stCondLst>
+                                        </p:cTn>
+                                        <p:tgtEl>
+                                          <p:spTgt spid="36"/>
+                                        </p:tgtEl>
+                                        <p:attrNameLst>
+                                          <p:attrName>style.visibility</p:attrName>
+                                        </p:attrNameLst>
+                                      </p:cBhvr>
+                                      <p:to>
+                                        <p:strVal val="visible"/>
+                                      </p:to>
+                                    </p:set>
+                                  </p:childTnLst>
+                                </p:cTn>
+                              </p:par>
+                            </p:childTnLst>
+                          </p:cTn>
+                        </p:par>
+                      </p:childTnLst>
+                    </p:cTn>
+                  </p:par>
+                </p:childTnLst>
+              </p:cTn>
+              <p:prevCondLst>
+                <p:cond evt="onPrev" delay="0">
+                  <p:tgtEl>
+                    <p:sldTgt/>
+                  </p:tgtEl>
+                </p:cond>
+              </p:prevCondLst>
+              <p:nextCondLst>
+                <p:cond evt="onNext" delay="0">
+                  <p:tgtEl>
+                    <p:sldTgt/>
+                  </p:tgtEl>
+                </p:cond>
+              </p:nextCondLst>
+            </p:seq>
+          </p:childTnLst>
+        </p:cTn>
+      </p:par>
+    </p:tnLst>
+  </p:timing>
 </p:sld>
 </file>
 
@@ -6484,12 +6659,916 @@
           <a:chExt cx="0" cy="0"/>
         </a:xfrm>
       </p:grpSpPr>
+      <p:pic>
+        <p:nvPicPr>
+          <p:cNvPr id="7" name="Picture 6">
+            <a:extLst>
+              <a:ext uri="{FF2B5EF4-FFF2-40B4-BE49-F238E27FC236}">
+                <a16:creationId xmlns:a16="http://schemas.microsoft.com/office/drawing/2014/main" id="{6B92F42D-E2CC-4D51-A328-59D524CFC221}"/>
+              </a:ext>
+            </a:extLst>
+          </p:cNvPr>
+          <p:cNvPicPr>
+            <a:picLocks noChangeAspect="1"/>
+          </p:cNvPicPr>
+          <p:nvPr/>
+        </p:nvPicPr>
+        <p:blipFill>
+          <a:blip r:embed="rId2">
+            <a:extLst>
+              <a:ext uri="{28A0092B-C50C-407E-A947-70E740481C1C}">
+                <a14:useLocalDpi xmlns:a14="http://schemas.microsoft.com/office/drawing/2010/main" val="0"/>
+              </a:ext>
+            </a:extLst>
+          </a:blip>
+          <a:stretch>
+            <a:fillRect/>
+          </a:stretch>
+        </p:blipFill>
+        <p:spPr>
+          <a:xfrm>
+            <a:off x="7138463" y="712588"/>
+            <a:ext cx="4663440" cy="3730752"/>
+          </a:xfrm>
+          <a:prstGeom prst="rect">
+            <a:avLst/>
+          </a:prstGeom>
+        </p:spPr>
+      </p:pic>
+      <p:pic>
+        <p:nvPicPr>
+          <p:cNvPr id="2050" name="Picture 2" descr="Youtube Play Logo transparent PNG - StickPNG">
+            <a:extLst>
+              <a:ext uri="{FF2B5EF4-FFF2-40B4-BE49-F238E27FC236}">
+                <a16:creationId xmlns:a16="http://schemas.microsoft.com/office/drawing/2014/main" id="{6B60D4E2-1B48-4546-A443-2FA070421773}"/>
+              </a:ext>
+            </a:extLst>
+          </p:cNvPr>
+          <p:cNvPicPr>
+            <a:picLocks noChangeAspect="1" noChangeArrowheads="1"/>
+          </p:cNvPicPr>
+          <p:nvPr/>
+        </p:nvPicPr>
+        <p:blipFill>
+          <a:blip r:embed="rId3">
+            <a:extLst>
+              <a:ext uri="{28A0092B-C50C-407E-A947-70E740481C1C}">
+                <a14:useLocalDpi xmlns:a14="http://schemas.microsoft.com/office/drawing/2010/main" val="0"/>
+              </a:ext>
+            </a:extLst>
+          </a:blip>
+          <a:srcRect/>
+          <a:stretch>
+            <a:fillRect/>
+          </a:stretch>
+        </p:blipFill>
+        <p:spPr bwMode="auto">
+          <a:xfrm>
+            <a:off x="626904" y="742852"/>
+            <a:ext cx="6675120" cy="4693449"/>
+          </a:xfrm>
+          <a:prstGeom prst="rect">
+            <a:avLst/>
+          </a:prstGeom>
+          <a:ln>
+            <a:noFill/>
+          </a:ln>
+          <a:effectLst>
+            <a:outerShdw blurRad="190500" algn="tl" rotWithShape="0">
+              <a:srgbClr val="000000">
+                <a:alpha val="70000"/>
+              </a:srgbClr>
+            </a:outerShdw>
+          </a:effectLst>
+          <a:extLst>
+            <a:ext uri="{909E8E84-426E-40DD-AFC4-6F175D3DCCD1}">
+              <a14:hiddenFill xmlns:a14="http://schemas.microsoft.com/office/drawing/2010/main">
+                <a:solidFill>
+                  <a:srgbClr val="FFFFFF"/>
+                </a:solidFill>
+              </a14:hiddenFill>
+            </a:ext>
+          </a:extLst>
+        </p:spPr>
+      </p:pic>
+      <p:sp>
+        <p:nvSpPr>
+          <p:cNvPr id="2" name="Title 1">
+            <a:extLst>
+              <a:ext uri="{FF2B5EF4-FFF2-40B4-BE49-F238E27FC236}">
+                <a16:creationId xmlns:a16="http://schemas.microsoft.com/office/drawing/2014/main" id="{9AE1E34B-0570-4F7D-999B-DF0B21C0A637}"/>
+              </a:ext>
+            </a:extLst>
+          </p:cNvPr>
+          <p:cNvSpPr>
+            <a:spLocks noGrp="1"/>
+          </p:cNvSpPr>
+          <p:nvPr>
+            <p:ph type="ctrTitle"/>
+          </p:nvPr>
+        </p:nvSpPr>
+        <p:spPr>
+          <a:xfrm>
+            <a:off x="727447" y="1753590"/>
+            <a:ext cx="6358706" cy="3730752"/>
+          </a:xfrm>
+        </p:spPr>
+        <p:txBody>
+          <a:bodyPr>
+            <a:normAutofit fontScale="90000"/>
+          </a:bodyPr>
+          <a:lstStyle/>
+          <a:p>
+            <a:r>
+              <a:rPr kumimoji="0" lang="en-US" sz="6600" b="1" i="0" u="none" strike="noStrike" kern="1200" cap="none" spc="0" normalizeH="0" baseline="0" noProof="0" dirty="0" err="1">
+                <a:ln>
+                  <a:noFill/>
+                </a:ln>
+                <a:solidFill>
+                  <a:srgbClr val="FFFFFF"/>
+                </a:solidFill>
+                <a:effectLst>
+                  <a:outerShdw blurRad="50800" dist="127000" dir="8100000" algn="tr" rotWithShape="0">
+                    <a:prstClr val="black">
+                      <a:alpha val="40000"/>
+                    </a:prstClr>
+                  </a:outerShdw>
+                </a:effectLst>
+                <a:uLnTx/>
+                <a:uFillTx/>
+                <a:latin typeface="Open sans"/>
+                <a:ea typeface="+mj-ea"/>
+                <a:cs typeface="+mj-cs"/>
+              </a:rPr>
+              <a:t>Mengintip</a:t>
+            </a:r>
+            <a:r>
+              <a:rPr kumimoji="0" lang="en-US" sz="6600" b="1" i="0" u="none" strike="noStrike" kern="1200" cap="none" spc="0" normalizeH="0" baseline="0" noProof="0" dirty="0">
+                <a:ln>
+                  <a:noFill/>
+                </a:ln>
+                <a:solidFill>
+                  <a:srgbClr val="FFFFFF"/>
+                </a:solidFill>
+                <a:effectLst>
+                  <a:outerShdw blurRad="50800" dist="127000" dir="8100000" algn="tr" rotWithShape="0">
+                    <a:prstClr val="black">
+                      <a:alpha val="40000"/>
+                    </a:prstClr>
+                  </a:outerShdw>
+                </a:effectLst>
+                <a:uLnTx/>
+                <a:uFillTx/>
+                <a:latin typeface="Open sans"/>
+                <a:ea typeface="+mj-ea"/>
+                <a:cs typeface="+mj-cs"/>
+              </a:rPr>
+              <a:t> </a:t>
+            </a:r>
+            <a:r>
+              <a:rPr kumimoji="0" lang="en-US" sz="6600" b="1" i="0" u="none" strike="noStrike" kern="1200" cap="none" spc="0" normalizeH="0" baseline="0" noProof="0" dirty="0">
+                <a:ln>
+                  <a:noFill/>
+                </a:ln>
+                <a:solidFill>
+                  <a:schemeClr val="bg1"/>
+                </a:solidFill>
+                <a:effectLst>
+                  <a:outerShdw blurRad="50800" dist="127000" dir="8100000" algn="tr" rotWithShape="0">
+                    <a:prstClr val="black">
+                      <a:alpha val="40000"/>
+                    </a:prstClr>
+                  </a:outerShdw>
+                </a:effectLst>
+                <a:uLnTx/>
+                <a:uFillTx/>
+                <a:latin typeface="Open sans"/>
+                <a:ea typeface="+mj-ea"/>
+                <a:cs typeface="+mj-cs"/>
+              </a:rPr>
+              <a:t>Data </a:t>
+            </a:r>
+            <a:br>
+              <a:rPr kumimoji="0" lang="en-US" sz="6600" b="1" i="0" u="none" strike="noStrike" kern="1200" cap="none" spc="0" normalizeH="0" baseline="0" noProof="0" dirty="0">
+                <a:ln>
+                  <a:noFill/>
+                </a:ln>
+                <a:solidFill>
+                  <a:srgbClr val="E12A26"/>
+                </a:solidFill>
+                <a:effectLst>
+                  <a:outerShdw blurRad="50800" dist="127000" dir="8100000" algn="tr" rotWithShape="0">
+                    <a:prstClr val="black">
+                      <a:alpha val="40000"/>
+                    </a:prstClr>
+                  </a:outerShdw>
+                </a:effectLst>
+                <a:uLnTx/>
+                <a:uFillTx/>
+                <a:latin typeface="Open sans"/>
+                <a:ea typeface="+mj-ea"/>
+                <a:cs typeface="+mj-cs"/>
+              </a:rPr>
+            </a:br>
+            <a:br>
+              <a:rPr kumimoji="0" lang="en-US" sz="3600" b="1" i="0" u="none" strike="noStrike" kern="1200" cap="none" spc="0" normalizeH="0" baseline="0" noProof="0" dirty="0">
+                <a:ln>
+                  <a:noFill/>
+                </a:ln>
+                <a:solidFill>
+                  <a:srgbClr val="E12A26"/>
+                </a:solidFill>
+                <a:effectLst>
+                  <a:outerShdw blurRad="50800" dist="127000" dir="8100000" algn="tr" rotWithShape="0">
+                    <a:prstClr val="black">
+                      <a:alpha val="40000"/>
+                    </a:prstClr>
+                  </a:outerShdw>
+                </a:effectLst>
+                <a:uLnTx/>
+                <a:uFillTx/>
+                <a:latin typeface="Open sans"/>
+                <a:ea typeface="+mj-ea"/>
+                <a:cs typeface="+mj-cs"/>
+              </a:rPr>
+            </a:br>
+            <a:br>
+              <a:rPr kumimoji="0" lang="en-US" sz="4400" b="1" i="0" u="none" strike="noStrike" kern="1200" cap="none" spc="0" normalizeH="0" baseline="0" noProof="0" dirty="0">
+                <a:ln>
+                  <a:noFill/>
+                </a:ln>
+                <a:solidFill>
+                  <a:srgbClr val="E12A26"/>
+                </a:solidFill>
+                <a:effectLst>
+                  <a:outerShdw blurRad="50800" dist="127000" dir="8100000" algn="tr" rotWithShape="0">
+                    <a:prstClr val="black">
+                      <a:alpha val="40000"/>
+                    </a:prstClr>
+                  </a:outerShdw>
+                </a:effectLst>
+                <a:uLnTx/>
+                <a:uFillTx/>
+                <a:latin typeface="Open sans"/>
+                <a:ea typeface="+mj-ea"/>
+                <a:cs typeface="+mj-cs"/>
+              </a:rPr>
+            </a:br>
+            <a:br>
+              <a:rPr kumimoji="0" lang="en-US" sz="6600" b="1" i="0" u="none" strike="noStrike" kern="1200" cap="none" spc="0" normalizeH="0" baseline="0" noProof="0" dirty="0">
+                <a:ln>
+                  <a:noFill/>
+                </a:ln>
+                <a:solidFill>
+                  <a:srgbClr val="E12A26"/>
+                </a:solidFill>
+                <a:effectLst>
+                  <a:outerShdw blurRad="50800" dist="127000" dir="8100000" algn="tr" rotWithShape="0">
+                    <a:prstClr val="black">
+                      <a:alpha val="40000"/>
+                    </a:prstClr>
+                  </a:outerShdw>
+                </a:effectLst>
+                <a:uLnTx/>
+                <a:uFillTx/>
+                <a:latin typeface="Open sans"/>
+                <a:ea typeface="+mj-ea"/>
+                <a:cs typeface="+mj-cs"/>
+              </a:rPr>
+            </a:br>
+            <a:r>
+              <a:rPr kumimoji="0" lang="en-US" sz="6600" b="1" i="0" u="none" strike="noStrike" kern="1200" cap="none" spc="0" normalizeH="0" baseline="0" noProof="0" dirty="0">
+                <a:ln>
+                  <a:noFill/>
+                </a:ln>
+                <a:solidFill>
+                  <a:srgbClr val="FFFFFF"/>
+                </a:solidFill>
+                <a:effectLst>
+                  <a:outerShdw blurRad="50800" dist="127000" dir="8100000" algn="tr" rotWithShape="0">
+                    <a:prstClr val="black">
+                      <a:alpha val="40000"/>
+                    </a:prstClr>
+                  </a:outerShdw>
+                </a:effectLst>
+                <a:uLnTx/>
+                <a:uFillTx/>
+                <a:latin typeface="Open sans"/>
+                <a:ea typeface="+mj-ea"/>
+                <a:cs typeface="+mj-cs"/>
+              </a:rPr>
+              <a:t>YouTuber I</a:t>
+            </a:r>
+            <a:r>
+              <a:rPr kumimoji="0" lang="en-US" sz="6600" b="1" i="0" u="none" strike="noStrike" kern="1200" cap="none" spc="0" normalizeH="0" baseline="0" noProof="0" dirty="0">
+                <a:ln>
+                  <a:noFill/>
+                </a:ln>
+                <a:solidFill>
+                  <a:schemeClr val="bg1"/>
+                </a:solidFill>
+                <a:effectLst>
+                  <a:outerShdw blurRad="50800" dist="127000" dir="8100000" algn="tr" rotWithShape="0">
+                    <a:prstClr val="black">
+                      <a:alpha val="40000"/>
+                    </a:prstClr>
+                  </a:outerShdw>
+                </a:effectLst>
+                <a:uLnTx/>
+                <a:uFillTx/>
+                <a:latin typeface="Open sans"/>
+                <a:ea typeface="+mj-ea"/>
+                <a:cs typeface="+mj-cs"/>
+              </a:rPr>
+              <a:t>nd</a:t>
+            </a:r>
+            <a:r>
+              <a:rPr kumimoji="0" lang="en-US" sz="6600" b="1" i="0" u="none" strike="noStrike" kern="1200" cap="none" spc="0" normalizeH="0" baseline="0" noProof="0" dirty="0">
+                <a:ln>
+                  <a:noFill/>
+                </a:ln>
+                <a:solidFill>
+                  <a:srgbClr val="FFFFFF"/>
+                </a:solidFill>
+                <a:effectLst>
+                  <a:outerShdw blurRad="50800" dist="127000" dir="8100000" algn="tr" rotWithShape="0">
+                    <a:prstClr val="black">
+                      <a:alpha val="40000"/>
+                    </a:prstClr>
+                  </a:outerShdw>
+                </a:effectLst>
+                <a:uLnTx/>
+                <a:uFillTx/>
+                <a:latin typeface="Open sans"/>
+                <a:ea typeface="+mj-ea"/>
+                <a:cs typeface="+mj-cs"/>
+              </a:rPr>
+              <a:t>onesia</a:t>
+            </a:r>
+            <a:endParaRPr lang="en-US" dirty="0"/>
+          </a:p>
+        </p:txBody>
+      </p:sp>
+      <p:sp>
+        <p:nvSpPr>
+          <p:cNvPr id="3" name="Subtitle 2">
+            <a:extLst>
+              <a:ext uri="{FF2B5EF4-FFF2-40B4-BE49-F238E27FC236}">
+                <a16:creationId xmlns:a16="http://schemas.microsoft.com/office/drawing/2014/main" id="{8C66C292-FF61-40E6-A842-B0FC05887FE8}"/>
+              </a:ext>
+            </a:extLst>
+          </p:cNvPr>
+          <p:cNvSpPr>
+            <a:spLocks noGrp="1"/>
+          </p:cNvSpPr>
+          <p:nvPr>
+            <p:ph type="subTitle" idx="1"/>
+          </p:nvPr>
+        </p:nvSpPr>
+        <p:spPr>
+          <a:xfrm>
+            <a:off x="7402567" y="5431810"/>
+            <a:ext cx="4135233" cy="948421"/>
+          </a:xfrm>
+        </p:spPr>
+        <p:txBody>
+          <a:bodyPr>
+            <a:normAutofit lnSpcReduction="10000"/>
+          </a:bodyPr>
+          <a:lstStyle/>
+          <a:p>
+            <a:pPr algn="l">
+              <a:lnSpc>
+                <a:spcPct val="120000"/>
+              </a:lnSpc>
+              <a:spcBef>
+                <a:spcPts val="0"/>
+              </a:spcBef>
+            </a:pPr>
+            <a:r>
+              <a:rPr lang="en-US" sz="1600" b="1" dirty="0">
+                <a:solidFill>
+                  <a:schemeClr val="bg1"/>
+                </a:solidFill>
+              </a:rPr>
+              <a:t>Aep Hidayatuloh</a:t>
+            </a:r>
+          </a:p>
+          <a:p>
+            <a:pPr algn="l">
+              <a:lnSpc>
+                <a:spcPct val="120000"/>
+              </a:lnSpc>
+              <a:spcBef>
+                <a:spcPts val="0"/>
+              </a:spcBef>
+            </a:pPr>
+            <a:r>
+              <a:rPr lang="en-US" sz="1600" b="1" dirty="0">
+                <a:solidFill>
+                  <a:schemeClr val="bg1"/>
+                </a:solidFill>
+              </a:rPr>
+              <a:t>Senior Data Analyst @ </a:t>
+            </a:r>
+            <a:r>
+              <a:rPr lang="en-US" sz="1600" b="1" dirty="0" err="1">
+                <a:solidFill>
+                  <a:schemeClr val="bg1"/>
+                </a:solidFill>
+              </a:rPr>
+              <a:t>StarCore</a:t>
+            </a:r>
+            <a:r>
+              <a:rPr lang="en-US" sz="1600" b="1" dirty="0">
+                <a:solidFill>
+                  <a:schemeClr val="bg1"/>
+                </a:solidFill>
+              </a:rPr>
+              <a:t> Analytics</a:t>
+            </a:r>
+          </a:p>
+          <a:p>
+            <a:pPr algn="l">
+              <a:lnSpc>
+                <a:spcPct val="120000"/>
+              </a:lnSpc>
+              <a:spcBef>
+                <a:spcPts val="0"/>
+              </a:spcBef>
+            </a:pPr>
+            <a:r>
+              <a:rPr lang="en-US" sz="1600" dirty="0">
+                <a:solidFill>
+                  <a:schemeClr val="bg1"/>
+                </a:solidFill>
+              </a:rPr>
+              <a:t>aephidayatuloh.mail@gmail.com</a:t>
+            </a:r>
+          </a:p>
+        </p:txBody>
+      </p:sp>
+      <p:sp>
+        <p:nvSpPr>
+          <p:cNvPr id="9" name="Rectangle 8">
+            <a:extLst>
+              <a:ext uri="{FF2B5EF4-FFF2-40B4-BE49-F238E27FC236}">
+                <a16:creationId xmlns:a16="http://schemas.microsoft.com/office/drawing/2014/main" id="{F76C7804-C2DC-4222-9A4A-967D23D3DD66}"/>
+              </a:ext>
+            </a:extLst>
+          </p:cNvPr>
+          <p:cNvSpPr/>
+          <p:nvPr/>
+        </p:nvSpPr>
+        <p:spPr>
+          <a:xfrm>
+            <a:off x="338483" y="254882"/>
+            <a:ext cx="11515034" cy="6348236"/>
+          </a:xfrm>
+          <a:prstGeom prst="rect">
+            <a:avLst/>
+          </a:prstGeom>
+          <a:noFill/>
+          <a:ln w="76200">
+            <a:solidFill>
+              <a:srgbClr val="FFC000"/>
+            </a:solidFill>
+          </a:ln>
+        </p:spPr>
+        <p:style>
+          <a:lnRef idx="2">
+            <a:schemeClr val="accent1">
+              <a:shade val="50000"/>
+            </a:schemeClr>
+          </a:lnRef>
+          <a:fillRef idx="1">
+            <a:schemeClr val="accent1"/>
+          </a:fillRef>
+          <a:effectRef idx="0">
+            <a:schemeClr val="accent1"/>
+          </a:effectRef>
+          <a:fontRef idx="minor">
+            <a:schemeClr val="lt1"/>
+          </a:fontRef>
+        </p:style>
+        <p:txBody>
+          <a:bodyPr rtlCol="0" anchor="ctr"/>
+          <a:lstStyle/>
+          <a:p>
+            <a:pPr algn="ctr"/>
+            <a:endParaRPr lang="en-US"/>
+          </a:p>
+        </p:txBody>
+      </p:sp>
+      <p:sp>
+        <p:nvSpPr>
+          <p:cNvPr id="10" name="TextBox 9">
+            <a:extLst>
+              <a:ext uri="{FF2B5EF4-FFF2-40B4-BE49-F238E27FC236}">
+                <a16:creationId xmlns:a16="http://schemas.microsoft.com/office/drawing/2014/main" id="{42BE4117-E17E-473D-8999-60D7C03950D2}"/>
+              </a:ext>
+            </a:extLst>
+          </p:cNvPr>
+          <p:cNvSpPr txBox="1"/>
+          <p:nvPr/>
+        </p:nvSpPr>
+        <p:spPr>
+          <a:xfrm>
+            <a:off x="7402567" y="4785482"/>
+            <a:ext cx="3714607" cy="646331"/>
+          </a:xfrm>
+          <a:prstGeom prst="rect">
+            <a:avLst/>
+          </a:prstGeom>
+          <a:noFill/>
+        </p:spPr>
+        <p:txBody>
+          <a:bodyPr wrap="none" rtlCol="0">
+            <a:spAutoFit/>
+          </a:bodyPr>
+          <a:lstStyle/>
+          <a:p>
+            <a:r>
+              <a:rPr lang="en-US" b="1" dirty="0">
+                <a:solidFill>
+                  <a:schemeClr val="bg1"/>
+                </a:solidFill>
+                <a:latin typeface="Arial Black" panose="020B0A04020102020204" pitchFamily="34" charset="0"/>
+              </a:rPr>
+              <a:t>Webinar </a:t>
+            </a:r>
+            <a:r>
+              <a:rPr lang="en-US" b="1" dirty="0" err="1">
+                <a:solidFill>
+                  <a:schemeClr val="bg1"/>
+                </a:solidFill>
+                <a:latin typeface="Arial Black" panose="020B0A04020102020204" pitchFamily="34" charset="0"/>
+              </a:rPr>
+              <a:t>Himpro</a:t>
+            </a:r>
+            <a:r>
+              <a:rPr lang="en-US" b="1" dirty="0">
+                <a:solidFill>
+                  <a:schemeClr val="bg1"/>
+                </a:solidFill>
+                <a:latin typeface="Arial Black" panose="020B0A04020102020204" pitchFamily="34" charset="0"/>
+              </a:rPr>
+              <a:t> GSB </a:t>
+            </a:r>
+          </a:p>
+          <a:p>
+            <a:r>
+              <a:rPr lang="en-US" b="1" dirty="0" err="1">
+                <a:solidFill>
+                  <a:schemeClr val="bg1"/>
+                </a:solidFill>
+                <a:latin typeface="Arial Black" panose="020B0A04020102020204" pitchFamily="34" charset="0"/>
+              </a:rPr>
+              <a:t>Tanggal</a:t>
+            </a:r>
+            <a:r>
+              <a:rPr lang="en-US" b="1" dirty="0">
+                <a:solidFill>
+                  <a:schemeClr val="bg1"/>
+                </a:solidFill>
+                <a:latin typeface="Arial Black" panose="020B0A04020102020204" pitchFamily="34" charset="0"/>
+              </a:rPr>
+              <a:t> 19 September 2020</a:t>
+            </a:r>
+          </a:p>
+        </p:txBody>
+      </p:sp>
+    </p:spTree>
+    <p:extLst>
+      <p:ext uri="{BB962C8B-B14F-4D97-AF65-F5344CB8AC3E}">
+        <p14:creationId xmlns:p14="http://schemas.microsoft.com/office/powerpoint/2010/main" val="1539510676"/>
+      </p:ext>
+    </p:extLst>
+  </p:cSld>
+  <p:clrMapOvr>
+    <a:masterClrMapping/>
+  </p:clrMapOvr>
+</p:sld>
+</file>
+
+<file path=ppt/slides/slide20.xml><?xml version="1.0" encoding="utf-8"?>
+<p:sld xmlns:a="http://schemas.openxmlformats.org/drawingml/2006/main" xmlns:r="http://schemas.openxmlformats.org/officeDocument/2006/relationships" xmlns:p="http://schemas.openxmlformats.org/presentationml/2006/main">
+  <p:cSld>
+    <p:spTree>
+      <p:nvGrpSpPr>
+        <p:cNvPr id="1" name=""/>
+        <p:cNvGrpSpPr/>
+        <p:nvPr/>
+      </p:nvGrpSpPr>
+      <p:grpSpPr>
+        <a:xfrm>
+          <a:off x="0" y="0"/>
+          <a:ext cx="0" cy="0"/>
+          <a:chOff x="0" y="0"/>
+          <a:chExt cx="0" cy="0"/>
+        </a:xfrm>
+      </p:grpSpPr>
+      <p:sp>
+        <p:nvSpPr>
+          <p:cNvPr id="2" name="Title 1">
+            <a:extLst>
+              <a:ext uri="{FF2B5EF4-FFF2-40B4-BE49-F238E27FC236}">
+                <a16:creationId xmlns:a16="http://schemas.microsoft.com/office/drawing/2014/main" id="{2228CF77-E1F9-42B1-893F-4CF5270FE397}"/>
+              </a:ext>
+            </a:extLst>
+          </p:cNvPr>
+          <p:cNvSpPr>
+            <a:spLocks noGrp="1"/>
+          </p:cNvSpPr>
+          <p:nvPr>
+            <p:ph type="title"/>
+          </p:nvPr>
+        </p:nvSpPr>
+        <p:spPr/>
+        <p:txBody>
+          <a:bodyPr/>
+          <a:lstStyle/>
+          <a:p>
+            <a:r>
+              <a:rPr lang="en-US" dirty="0"/>
+              <a:t>Scatterplot </a:t>
+            </a:r>
+          </a:p>
+        </p:txBody>
+      </p:sp>
+      <p:pic>
+        <p:nvPicPr>
+          <p:cNvPr id="7" name="Picture 6">
+            <a:extLst>
+              <a:ext uri="{FF2B5EF4-FFF2-40B4-BE49-F238E27FC236}">
+                <a16:creationId xmlns:a16="http://schemas.microsoft.com/office/drawing/2014/main" id="{F4A81E56-EB1E-4F49-8E3C-DB9D58E5F18C}"/>
+              </a:ext>
+            </a:extLst>
+          </p:cNvPr>
+          <p:cNvPicPr>
+            <a:picLocks noChangeAspect="1"/>
+          </p:cNvPicPr>
+          <p:nvPr/>
+        </p:nvPicPr>
+        <p:blipFill>
+          <a:blip r:embed="rId2"/>
+          <a:stretch>
+            <a:fillRect/>
+          </a:stretch>
+        </p:blipFill>
+        <p:spPr>
+          <a:xfrm>
+            <a:off x="6237552" y="2453421"/>
+            <a:ext cx="5510732" cy="2883166"/>
+          </a:xfrm>
+          <a:prstGeom prst="rect">
+            <a:avLst/>
+          </a:prstGeom>
+          <a:ln>
+            <a:solidFill>
+              <a:schemeClr val="accent1"/>
+            </a:solidFill>
+          </a:ln>
+        </p:spPr>
+      </p:pic>
+      <p:sp>
+        <p:nvSpPr>
+          <p:cNvPr id="8" name="TextBox 7">
+            <a:extLst>
+              <a:ext uri="{FF2B5EF4-FFF2-40B4-BE49-F238E27FC236}">
+                <a16:creationId xmlns:a16="http://schemas.microsoft.com/office/drawing/2014/main" id="{2DFFD130-E46A-492C-ACED-A72E08A4317B}"/>
+              </a:ext>
+            </a:extLst>
+          </p:cNvPr>
+          <p:cNvSpPr txBox="1"/>
+          <p:nvPr/>
+        </p:nvSpPr>
+        <p:spPr>
+          <a:xfrm>
+            <a:off x="2520000" y="5622878"/>
+            <a:ext cx="1645920" cy="369332"/>
+          </a:xfrm>
+          <a:prstGeom prst="rect">
+            <a:avLst/>
+          </a:prstGeom>
+          <a:noFill/>
+        </p:spPr>
+        <p:txBody>
+          <a:bodyPr wrap="square" rtlCol="0">
+            <a:spAutoFit/>
+          </a:bodyPr>
+          <a:lstStyle/>
+          <a:p>
+            <a:pPr algn="ctr"/>
+            <a:r>
+              <a:rPr lang="en-US" dirty="0" err="1"/>
+              <a:t>Tidak</a:t>
+            </a:r>
+            <a:r>
+              <a:rPr lang="en-US" dirty="0"/>
+              <a:t> </a:t>
+            </a:r>
+            <a:r>
+              <a:rPr lang="en-US" dirty="0" err="1"/>
+              <a:t>signifikan</a:t>
+            </a:r>
+            <a:endParaRPr lang="en-US" dirty="0"/>
+          </a:p>
+        </p:txBody>
+      </p:sp>
+      <p:sp>
+        <p:nvSpPr>
+          <p:cNvPr id="10" name="TextBox 9">
+            <a:extLst>
+              <a:ext uri="{FF2B5EF4-FFF2-40B4-BE49-F238E27FC236}">
+                <a16:creationId xmlns:a16="http://schemas.microsoft.com/office/drawing/2014/main" id="{1214388C-CDE1-4B80-98B9-3AD333A8C71F}"/>
+              </a:ext>
+            </a:extLst>
+          </p:cNvPr>
+          <p:cNvSpPr txBox="1"/>
+          <p:nvPr/>
+        </p:nvSpPr>
+        <p:spPr>
+          <a:xfrm>
+            <a:off x="8169958" y="5622878"/>
+            <a:ext cx="1645920" cy="369332"/>
+          </a:xfrm>
+          <a:prstGeom prst="rect">
+            <a:avLst/>
+          </a:prstGeom>
+          <a:noFill/>
+        </p:spPr>
+        <p:txBody>
+          <a:bodyPr wrap="square" rtlCol="0">
+            <a:spAutoFit/>
+          </a:bodyPr>
+          <a:lstStyle/>
+          <a:p>
+            <a:pPr algn="ctr"/>
+            <a:r>
+              <a:rPr lang="en-US" dirty="0" err="1"/>
+              <a:t>Signifikan</a:t>
+            </a:r>
+            <a:endParaRPr lang="en-US" dirty="0"/>
+          </a:p>
+        </p:txBody>
+      </p:sp>
+      <p:pic>
+        <p:nvPicPr>
+          <p:cNvPr id="17" name="Content Placeholder 16">
+            <a:extLst>
+              <a:ext uri="{FF2B5EF4-FFF2-40B4-BE49-F238E27FC236}">
+                <a16:creationId xmlns:a16="http://schemas.microsoft.com/office/drawing/2014/main" id="{38D8D251-90F3-442B-872F-3A3B59252329}"/>
+              </a:ext>
+            </a:extLst>
+          </p:cNvPr>
+          <p:cNvPicPr>
+            <a:picLocks noGrp="1" noChangeAspect="1"/>
+          </p:cNvPicPr>
+          <p:nvPr>
+            <p:ph idx="1"/>
+          </p:nvPr>
+        </p:nvPicPr>
+        <p:blipFill>
+          <a:blip r:embed="rId3"/>
+          <a:stretch>
+            <a:fillRect/>
+          </a:stretch>
+        </p:blipFill>
+        <p:spPr>
+          <a:xfrm>
+            <a:off x="575145" y="2453420"/>
+            <a:ext cx="5480443" cy="2887929"/>
+          </a:xfrm>
+          <a:ln>
+            <a:solidFill>
+              <a:srgbClr val="E12A26"/>
+            </a:solidFill>
+          </a:ln>
+        </p:spPr>
+      </p:pic>
+      <p:sp>
+        <p:nvSpPr>
+          <p:cNvPr id="11" name="TextBox 10">
+            <a:extLst>
+              <a:ext uri="{FF2B5EF4-FFF2-40B4-BE49-F238E27FC236}">
+                <a16:creationId xmlns:a16="http://schemas.microsoft.com/office/drawing/2014/main" id="{C4B40565-1DDF-4797-827A-92F393208389}"/>
+              </a:ext>
+            </a:extLst>
+          </p:cNvPr>
+          <p:cNvSpPr txBox="1"/>
+          <p:nvPr/>
+        </p:nvSpPr>
+        <p:spPr>
+          <a:xfrm>
+            <a:off x="3351109" y="3016155"/>
+            <a:ext cx="1005840" cy="369332"/>
+          </a:xfrm>
+          <a:prstGeom prst="rect">
+            <a:avLst/>
+          </a:prstGeom>
+          <a:noFill/>
+        </p:spPr>
+        <p:txBody>
+          <a:bodyPr wrap="square" rtlCol="0">
+            <a:spAutoFit/>
+          </a:bodyPr>
+          <a:lstStyle/>
+          <a:p>
+            <a:r>
+              <a:rPr lang="en-US" i="1" dirty="0"/>
+              <a:t>r</a:t>
+            </a:r>
+            <a:r>
+              <a:rPr lang="en-US" dirty="0"/>
+              <a:t> = -0.12</a:t>
+            </a:r>
+          </a:p>
+        </p:txBody>
+      </p:sp>
+      <p:sp>
+        <p:nvSpPr>
+          <p:cNvPr id="13" name="TextBox 12">
+            <a:extLst>
+              <a:ext uri="{FF2B5EF4-FFF2-40B4-BE49-F238E27FC236}">
+                <a16:creationId xmlns:a16="http://schemas.microsoft.com/office/drawing/2014/main" id="{91FDBFBC-7551-4DF2-8B9C-0A87B4A151E5}"/>
+              </a:ext>
+            </a:extLst>
+          </p:cNvPr>
+          <p:cNvSpPr txBox="1"/>
+          <p:nvPr/>
+        </p:nvSpPr>
+        <p:spPr>
+          <a:xfrm>
+            <a:off x="8992918" y="3016155"/>
+            <a:ext cx="1005840" cy="369332"/>
+          </a:xfrm>
+          <a:prstGeom prst="rect">
+            <a:avLst/>
+          </a:prstGeom>
+          <a:noFill/>
+        </p:spPr>
+        <p:txBody>
+          <a:bodyPr wrap="square" rtlCol="0">
+            <a:spAutoFit/>
+          </a:bodyPr>
+          <a:lstStyle/>
+          <a:p>
+            <a:r>
+              <a:rPr lang="en-US" i="1" dirty="0"/>
+              <a:t>r</a:t>
+            </a:r>
+            <a:r>
+              <a:rPr lang="en-US" dirty="0"/>
+              <a:t> = 1.00</a:t>
+            </a:r>
+          </a:p>
+        </p:txBody>
+      </p:sp>
+    </p:spTree>
+    <p:extLst>
+      <p:ext uri="{BB962C8B-B14F-4D97-AF65-F5344CB8AC3E}">
+        <p14:creationId xmlns:p14="http://schemas.microsoft.com/office/powerpoint/2010/main" val="2871306448"/>
+      </p:ext>
+    </p:extLst>
+  </p:cSld>
+  <p:clrMapOvr>
+    <a:masterClrMapping/>
+  </p:clrMapOvr>
+</p:sld>
+</file>
+
+<file path=ppt/slides/slide21.xml><?xml version="1.0" encoding="utf-8"?>
+<p:sld xmlns:a="http://schemas.openxmlformats.org/drawingml/2006/main" xmlns:r="http://schemas.openxmlformats.org/officeDocument/2006/relationships" xmlns:p="http://schemas.openxmlformats.org/presentationml/2006/main">
+  <p:cSld>
+    <p:bg>
+      <p:bgPr>
+        <a:solidFill>
+          <a:srgbClr val="E12A26"/>
+        </a:solidFill>
+        <a:effectLst/>
+      </p:bgPr>
+    </p:bg>
+    <p:spTree>
+      <p:nvGrpSpPr>
+        <p:cNvPr id="1" name=""/>
+        <p:cNvGrpSpPr/>
+        <p:nvPr/>
+      </p:nvGrpSpPr>
+      <p:grpSpPr>
+        <a:xfrm>
+          <a:off x="0" y="0"/>
+          <a:ext cx="0" cy="0"/>
+          <a:chOff x="0" y="0"/>
+          <a:chExt cx="0" cy="0"/>
+        </a:xfrm>
+      </p:grpSpPr>
       <p:grpSp>
         <p:nvGrpSpPr>
-          <p:cNvPr id="6" name="Group 5">
-            <a:extLst>
-              <a:ext uri="{FF2B5EF4-FFF2-40B4-BE49-F238E27FC236}">
-                <a16:creationId xmlns:a16="http://schemas.microsoft.com/office/drawing/2014/main" id="{DFCF043D-FB0B-4984-BCC0-0BB2D27DED26}"/>
+          <p:cNvPr id="9" name="Group 8">
+            <a:extLst>
+              <a:ext uri="{FF2B5EF4-FFF2-40B4-BE49-F238E27FC236}">
+                <a16:creationId xmlns:a16="http://schemas.microsoft.com/office/drawing/2014/main" id="{DD30244D-AC86-4CA2-B3BA-0F18F147983B}"/>
               </a:ext>
             </a:extLst>
           </p:cNvPr>
@@ -6513,10 +7592,10 @@
         </p:grpSpPr>
         <p:sp>
           <p:nvSpPr>
-            <p:cNvPr id="7" name="Isosceles Triangle 6">
+            <p:cNvPr id="10" name="Isosceles Triangle 9">
               <a:extLst>
                 <a:ext uri="{FF2B5EF4-FFF2-40B4-BE49-F238E27FC236}">
-                  <a16:creationId xmlns:a16="http://schemas.microsoft.com/office/drawing/2014/main" id="{01D1DEF7-2794-4192-9940-CC05C8299CD6}"/>
+                  <a16:creationId xmlns:a16="http://schemas.microsoft.com/office/drawing/2014/main" id="{F67A54EF-1D34-4508-9ADD-D0BD965F4ED1}"/>
                 </a:ext>
               </a:extLst>
             </p:cNvPr>
@@ -6565,10 +7644,10 @@
         </p:sp>
         <p:sp>
           <p:nvSpPr>
-            <p:cNvPr id="8" name="Isosceles Triangle 11">
+            <p:cNvPr id="11" name="Isosceles Triangle 11">
               <a:extLst>
                 <a:ext uri="{FF2B5EF4-FFF2-40B4-BE49-F238E27FC236}">
-                  <a16:creationId xmlns:a16="http://schemas.microsoft.com/office/drawing/2014/main" id="{52A1F45A-A230-49BD-8040-D098F5D50DEE}"/>
+                  <a16:creationId xmlns:a16="http://schemas.microsoft.com/office/drawing/2014/main" id="{78B0AD8C-EB2A-4235-A513-BB1697F82974}"/>
                 </a:ext>
               </a:extLst>
             </p:cNvPr>
@@ -6707,11 +7786,41 @@
             <p:ph type="title"/>
           </p:nvPr>
         </p:nvSpPr>
-        <p:spPr/>
+        <p:spPr>
+          <a:xfrm>
+            <a:off x="831850" y="1992572"/>
+            <a:ext cx="7302216" cy="3677008"/>
+          </a:xfrm>
+        </p:spPr>
         <p:txBody>
-          <a:bodyPr/>
+          <a:bodyPr>
+            <a:normAutofit/>
+          </a:bodyPr>
           <a:lstStyle/>
           <a:p>
+            <a:r>
+              <a:rPr kumimoji="0" lang="en-US" sz="7200" b="1" i="0" u="none" strike="noStrike" kern="1200" cap="none" spc="0" normalizeH="0" baseline="0" noProof="0" dirty="0" err="1">
+                <a:ln>
+                  <a:noFill/>
+                </a:ln>
+                <a:solidFill>
+                  <a:srgbClr val="E12A26"/>
+                </a:solidFill>
+                <a:effectLst>
+                  <a:outerShdw blurRad="50800" dist="114300" dir="8100000" algn="tr" rotWithShape="0">
+                    <a:prstClr val="black">
+                      <a:alpha val="40000"/>
+                    </a:prstClr>
+                  </a:outerShdw>
+                </a:effectLst>
+                <a:uLnTx/>
+                <a:uFillTx/>
+                <a:latin typeface="Open sans"/>
+                <a:ea typeface="+mj-ea"/>
+                <a:cs typeface="+mj-cs"/>
+              </a:rPr>
+              <a:t>Analisis</a:t>
+            </a:r>
             <a:r>
               <a:rPr kumimoji="0" lang="en-US" sz="7200" b="1" i="0" u="none" strike="noStrike" kern="1200" cap="none" spc="0" normalizeH="0" baseline="0" noProof="0" dirty="0">
                 <a:ln>
@@ -6733,9 +7842,9 @@
                 <a:ea typeface="+mj-ea"/>
                 <a:cs typeface="+mj-cs"/>
               </a:rPr>
-              <a:t>Back</a:t>
-            </a:r>
-            <a:r>
+              <a:t> </a:t>
+            </a:r>
+            <a:br>
               <a:rPr kumimoji="0" lang="en-US" sz="7200" b="1" i="0" u="none" strike="noStrike" kern="1200" cap="none" spc="0" normalizeH="0" baseline="0" noProof="0" dirty="0">
                 <a:ln>
                   <a:noFill/>
@@ -6753,8 +7862,55 @@
                 <a:uLnTx/>
                 <a:uFillTx/>
                 <a:latin typeface="Open sans"/>
+                <a:ea typeface="+mj-ea"/>
+                <a:cs typeface="+mj-cs"/>
               </a:rPr>
-              <a:t>ground</a:t>
+            </a:br>
+            <a:r>
+              <a:rPr kumimoji="0" lang="en-US" sz="7200" b="1" i="0" u="none" strike="noStrike" kern="1200" cap="none" spc="0" normalizeH="0" baseline="0" noProof="0" dirty="0" err="1">
+                <a:ln>
+                  <a:noFill/>
+                </a:ln>
+                <a:solidFill>
+                  <a:srgbClr val="E12A26"/>
+                </a:solidFill>
+                <a:effectLst>
+                  <a:outerShdw blurRad="50800" dist="114300" dir="8100000" algn="tr" rotWithShape="0">
+                    <a:prstClr val="black">
+                      <a:alpha val="40000"/>
+                    </a:prstClr>
+                  </a:outerShdw>
+                </a:effectLst>
+                <a:uLnTx/>
+                <a:uFillTx/>
+                <a:latin typeface="Open sans"/>
+                <a:ea typeface="+mj-ea"/>
+                <a:cs typeface="+mj-cs"/>
+              </a:rPr>
+              <a:t>Komponen</a:t>
+            </a:r>
+            <a:r>
+              <a:rPr kumimoji="0" lang="en-US" sz="7200" b="1" i="0" u="none" strike="noStrike" kern="1200" cap="none" spc="0" normalizeH="0" baseline="0" noProof="0" dirty="0">
+                <a:ln>
+                  <a:noFill/>
+                </a:ln>
+                <a:solidFill>
+                  <a:srgbClr val="E12A26"/>
+                </a:solidFill>
+                <a:effectLst>
+                  <a:outerShdw blurRad="50800" dist="114300" dir="8100000" algn="tr" rotWithShape="0">
+                    <a:prstClr val="black">
+                      <a:alpha val="40000"/>
+                    </a:prstClr>
+                  </a:outerShdw>
+                </a:effectLst>
+                <a:uLnTx/>
+                <a:uFillTx/>
+                <a:latin typeface="Open sans"/>
+                <a:ea typeface="+mj-ea"/>
+                <a:cs typeface="+mj-cs"/>
+              </a:rPr>
+              <a:t> Utama</a:t>
             </a:r>
             <a:endParaRPr lang="en-US" dirty="0">
               <a:solidFill>
@@ -6819,7 +7975,7 @@
     </p:spTree>
     <p:extLst>
       <p:ext uri="{BB962C8B-B14F-4D97-AF65-F5344CB8AC3E}">
-        <p14:creationId xmlns:p14="http://schemas.microsoft.com/office/powerpoint/2010/main" val="4274315723"/>
+        <p14:creationId xmlns:p14="http://schemas.microsoft.com/office/powerpoint/2010/main" val="3530592707"/>
       </p:ext>
     </p:extLst>
   </p:cSld>
@@ -6829,7 +7985,7 @@
 </p:sld>
 </file>
 
-<file path=ppt/slides/slide20.xml><?xml version="1.0" encoding="utf-8"?>
+<file path=ppt/slides/slide22.xml><?xml version="1.0" encoding="utf-8"?>
 <p:sld xmlns:a="http://schemas.openxmlformats.org/drawingml/2006/main" xmlns:r="http://schemas.openxmlformats.org/officeDocument/2006/relationships" xmlns:p="http://schemas.openxmlformats.org/presentationml/2006/main">
   <p:cSld>
     <p:spTree>
@@ -7138,8 +8294,8 @@
           </a:p>
         </p:txBody>
       </p:sp>
-      <mc:AlternateContent xmlns:mc="http://schemas.openxmlformats.org/markup-compatibility/2006">
-        <mc:Choice xmlns:a14="http://schemas.microsoft.com/office/drawing/2010/main" Requires="a14">
+      <mc:AlternateContent xmlns:mc="http://schemas.openxmlformats.org/markup-compatibility/2006" xmlns:a14="http://schemas.microsoft.com/office/drawing/2010/main">
+        <mc:Choice Requires="a14">
           <p:sp>
             <p:nvSpPr>
               <p:cNvPr id="4" name="TextBox 3">
@@ -7168,6 +8324,7 @@
               </a:bodyPr>
               <a:lstStyle/>
               <a:p>
+                <a:pPr/>
                 <a14:m>
                   <m:oMathPara xmlns:m="http://schemas.openxmlformats.org/officeDocument/2006/math">
                     <m:oMathParaPr>
@@ -7400,7 +8557,7 @@
             </p:txBody>
           </p:sp>
         </mc:Choice>
-        <mc:Fallback>
+        <mc:Fallback xmlns="">
           <p:sp>
             <p:nvSpPr>
               <p:cNvPr id="4" name="TextBox 3">
@@ -7458,7 +8615,7 @@
 </p:sld>
 </file>
 
-<file path=ppt/slides/slide21.xml><?xml version="1.0" encoding="utf-8"?>
+<file path=ppt/slides/slide23.xml><?xml version="1.0" encoding="utf-8"?>
 <p:sld xmlns:a="http://schemas.openxmlformats.org/drawingml/2006/main" xmlns:r="http://schemas.openxmlformats.org/officeDocument/2006/relationships" xmlns:p="http://schemas.openxmlformats.org/presentationml/2006/main">
   <p:cSld>
     <p:spTree>
@@ -7579,7 +8736,7 @@
 </p:sld>
 </file>
 
-<file path=ppt/slides/slide22.xml><?xml version="1.0" encoding="utf-8"?>
+<file path=ppt/slides/slide24.xml><?xml version="1.0" encoding="utf-8"?>
 <p:sld xmlns:a="http://schemas.openxmlformats.org/drawingml/2006/main" xmlns:r="http://schemas.openxmlformats.org/officeDocument/2006/relationships" xmlns:p="http://schemas.openxmlformats.org/presentationml/2006/main">
   <p:cSld>
     <p:spTree>
@@ -8011,7 +9168,7 @@
 </p:sld>
 </file>
 
-<file path=ppt/slides/slide23.xml><?xml version="1.0" encoding="utf-8"?>
+<file path=ppt/slides/slide25.xml><?xml version="1.0" encoding="utf-8"?>
 <p:sld xmlns:a="http://schemas.openxmlformats.org/drawingml/2006/main" xmlns:r="http://schemas.openxmlformats.org/officeDocument/2006/relationships" xmlns:p="http://schemas.openxmlformats.org/presentationml/2006/main">
   <p:cSld>
     <p:spTree>
@@ -9042,7 +10199,7 @@
 </p:sld>
 </file>
 
-<file path=ppt/slides/slide24.xml><?xml version="1.0" encoding="utf-8"?>
+<file path=ppt/slides/slide26.xml><?xml version="1.0" encoding="utf-8"?>
 <p:sld xmlns:a="http://schemas.openxmlformats.org/drawingml/2006/main" xmlns:r="http://schemas.openxmlformats.org/officeDocument/2006/relationships" xmlns:p="http://schemas.openxmlformats.org/presentationml/2006/main">
   <p:cSld>
     <p:spTree>
@@ -9456,7 +10613,7 @@
 </p:sld>
 </file>
 
-<file path=ppt/slides/slide25.xml><?xml version="1.0" encoding="utf-8"?>
+<file path=ppt/slides/slide27.xml><?xml version="1.0" encoding="utf-8"?>
 <p:sld xmlns:a="http://schemas.openxmlformats.org/drawingml/2006/main" xmlns:r="http://schemas.openxmlformats.org/officeDocument/2006/relationships" xmlns:p="http://schemas.openxmlformats.org/presentationml/2006/main">
   <p:cSld>
     <p:spTree>
@@ -9681,8 +10838,8 @@
           </a:p>
         </p:txBody>
       </p:sp>
-      <mc:AlternateContent xmlns:mc="http://schemas.openxmlformats.org/markup-compatibility/2006">
-        <mc:Choice xmlns:a14="http://schemas.microsoft.com/office/drawing/2010/main" Requires="a14">
+      <mc:AlternateContent xmlns:mc="http://schemas.openxmlformats.org/markup-compatibility/2006" xmlns:a14="http://schemas.microsoft.com/office/drawing/2010/main">
+        <mc:Choice Requires="a14">
           <p:sp>
             <p:nvSpPr>
               <p:cNvPr id="4" name="TextBox 3">
@@ -9711,6 +10868,7 @@
               </a:bodyPr>
               <a:lstStyle/>
               <a:p>
+                <a:pPr/>
                 <a14:m>
                   <m:oMathPara xmlns:m="http://schemas.openxmlformats.org/officeDocument/2006/math">
                     <m:oMathParaPr>
@@ -9899,7 +11057,7 @@
             </p:txBody>
           </p:sp>
         </mc:Choice>
-        <mc:Fallback>
+        <mc:Fallback xmlns="">
           <p:sp>
             <p:nvSpPr>
               <p:cNvPr id="4" name="TextBox 3">
@@ -10285,8 +11443,8 @@
           </a:p>
         </p:txBody>
       </p:sp>
-      <mc:AlternateContent xmlns:mc="http://schemas.openxmlformats.org/markup-compatibility/2006">
-        <mc:Choice xmlns:a14="http://schemas.microsoft.com/office/drawing/2010/main" Requires="a14">
+      <mc:AlternateContent xmlns:mc="http://schemas.openxmlformats.org/markup-compatibility/2006" xmlns:a14="http://schemas.microsoft.com/office/drawing/2010/main">
+        <mc:Choice Requires="a14">
           <p:sp>
             <p:nvSpPr>
               <p:cNvPr id="8" name="TextBox 7">
@@ -10359,13 +11517,7 @@
                             <a:rPr lang="en-US" sz="1600" i="1">
                               <a:latin typeface="Cambria Math" panose="02040503050406030204" pitchFamily="18" charset="0"/>
                             </a:rPr>
-                            <m:t>𝐵𝑒𝑛</m:t>
-                          </m:r>
-                          <m:r>
-                            <a:rPr lang="en-US" sz="1600" b="0" i="1" smtClean="0">
-                              <a:latin typeface="Cambria Math" panose="02040503050406030204" pitchFamily="18" charset="0"/>
-                            </a:rPr>
-                            <m:t>𝑖</m:t>
+                            <m:t>𝐵𝑒𝑛𝑖</m:t>
                           </m:r>
                         </m:e>
                       </m:d>
@@ -10546,7 +11698,7 @@
             </p:txBody>
           </p:sp>
         </mc:Choice>
-        <mc:Fallback>
+        <mc:Fallback xmlns="">
           <p:sp>
             <p:nvSpPr>
               <p:cNvPr id="8" name="TextBox 7">
@@ -10591,8 +11743,8 @@
           </p:sp>
         </mc:Fallback>
       </mc:AlternateContent>
-      <mc:AlternateContent xmlns:mc="http://schemas.openxmlformats.org/markup-compatibility/2006">
-        <mc:Choice xmlns:a14="http://schemas.microsoft.com/office/drawing/2010/main" Requires="a14">
+      <mc:AlternateContent xmlns:mc="http://schemas.openxmlformats.org/markup-compatibility/2006" xmlns:a14="http://schemas.microsoft.com/office/drawing/2010/main">
+        <mc:Choice Requires="a14">
           <p:sp>
             <p:nvSpPr>
               <p:cNvPr id="10" name="TextBox 9">
@@ -10766,21 +11918,7 @@
                                       <a:latin typeface="Cambria Math" panose="02040503050406030204" pitchFamily="18" charset="0"/>
                                       <a:ea typeface="Cambria Math" panose="02040503050406030204" pitchFamily="18" charset="0"/>
                                     </a:rPr>
-                                    <m:t>80−</m:t>
-                                  </m:r>
-                                  <m:r>
-                                    <a:rPr lang="en-US" sz="1600" b="0" i="1" smtClean="0">
-                                      <a:latin typeface="Cambria Math" panose="02040503050406030204" pitchFamily="18" charset="0"/>
-                                      <a:ea typeface="Cambria Math" panose="02040503050406030204" pitchFamily="18" charset="0"/>
-                                    </a:rPr>
-                                    <m:t>6</m:t>
-                                  </m:r>
-                                  <m:r>
-                                    <a:rPr lang="en-US" sz="1600" b="0" i="1" smtClean="0">
-                                      <a:latin typeface="Cambria Math" panose="02040503050406030204" pitchFamily="18" charset="0"/>
-                                      <a:ea typeface="Cambria Math" panose="02040503050406030204" pitchFamily="18" charset="0"/>
-                                    </a:rPr>
-                                    <m:t>0</m:t>
+                                    <m:t>80−60</m:t>
                                   </m:r>
                                 </m:e>
                               </m:d>
@@ -10827,14 +11965,7 @@
                                       <a:latin typeface="Cambria Math" panose="02040503050406030204" pitchFamily="18" charset="0"/>
                                       <a:ea typeface="Cambria Math" panose="02040503050406030204" pitchFamily="18" charset="0"/>
                                     </a:rPr>
-                                    <m:t>36−4</m:t>
-                                  </m:r>
-                                  <m:r>
-                                    <a:rPr lang="en-US" sz="1600" b="0" i="1" smtClean="0">
-                                      <a:latin typeface="Cambria Math" panose="02040503050406030204" pitchFamily="18" charset="0"/>
-                                      <a:ea typeface="Cambria Math" panose="02040503050406030204" pitchFamily="18" charset="0"/>
-                                    </a:rPr>
-                                    <m:t>5</m:t>
+                                    <m:t>36−45</m:t>
                                   </m:r>
                                 </m:e>
                               </m:d>
@@ -10866,7 +11997,7 @@
             </p:txBody>
           </p:sp>
         </mc:Choice>
-        <mc:Fallback>
+        <mc:Fallback xmlns="">
           <p:sp>
             <p:nvSpPr>
               <p:cNvPr id="10" name="TextBox 9">
@@ -10911,8 +12042,8 @@
           </p:sp>
         </mc:Fallback>
       </mc:AlternateContent>
-      <mc:AlternateContent xmlns:mc="http://schemas.openxmlformats.org/markup-compatibility/2006">
-        <mc:Choice xmlns:a14="http://schemas.microsoft.com/office/drawing/2010/main" Requires="a14">
+      <mc:AlternateContent xmlns:mc="http://schemas.openxmlformats.org/markup-compatibility/2006" xmlns:a14="http://schemas.microsoft.com/office/drawing/2010/main">
+        <mc:Choice Requires="a14">
           <p:sp>
             <p:nvSpPr>
               <p:cNvPr id="12" name="TextBox 11">
@@ -10967,13 +12098,7 @@
                             <a:rPr lang="en-US" sz="1600" b="0" i="1" smtClean="0">
                               <a:latin typeface="Cambria Math" panose="02040503050406030204" pitchFamily="18" charset="0"/>
                             </a:rPr>
-                            <m:t>𝐵𝑒</m:t>
-                          </m:r>
-                          <m:r>
-                            <a:rPr lang="en-US" sz="1600" b="0" i="1" smtClean="0">
-                              <a:latin typeface="Cambria Math" panose="02040503050406030204" pitchFamily="18" charset="0"/>
-                            </a:rPr>
-                            <m:t>𝑛𝑖</m:t>
+                            <m:t>𝐵𝑒𝑛𝑖</m:t>
                           </m:r>
                           <m:r>
                             <a:rPr lang="en-US" sz="1600" i="1">
@@ -11040,19 +12165,7 @@
                                     <a:rPr lang="en-US" sz="1600" b="0" i="1" smtClean="0">
                                       <a:latin typeface="Cambria Math" panose="02040503050406030204" pitchFamily="18" charset="0"/>
                                     </a:rPr>
-                                    <m:t>1</m:t>
-                                  </m:r>
-                                  <m:r>
-                                    <a:rPr lang="en-US" sz="1600" b="0" i="1" smtClean="0">
-                                      <a:latin typeface="Cambria Math" panose="02040503050406030204" pitchFamily="18" charset="0"/>
-                                    </a:rPr>
-                                    <m:t>8</m:t>
-                                  </m:r>
-                                  <m:r>
-                                    <a:rPr lang="en-US" sz="1600" b="0" i="1" smtClean="0">
-                                      <a:latin typeface="Cambria Math" panose="02040503050406030204" pitchFamily="18" charset="0"/>
-                                    </a:rPr>
-                                    <m:t>0 −180</m:t>
+                                    <m:t>180 −180</m:t>
                                   </m:r>
                                 </m:e>
                               </m:d>
@@ -11098,14 +12211,7 @@
                                       <a:latin typeface="Cambria Math" panose="02040503050406030204" pitchFamily="18" charset="0"/>
                                       <a:ea typeface="Cambria Math" panose="02040503050406030204" pitchFamily="18" charset="0"/>
                                     </a:rPr>
-                                    <m:t>7</m:t>
-                                  </m:r>
-                                  <m:r>
-                                    <a:rPr lang="en-US" sz="1600" b="0" i="1" smtClean="0">
-                                      <a:latin typeface="Cambria Math" panose="02040503050406030204" pitchFamily="18" charset="0"/>
-                                      <a:ea typeface="Cambria Math" panose="02040503050406030204" pitchFamily="18" charset="0"/>
-                                    </a:rPr>
-                                    <m:t>0−60</m:t>
+                                    <m:t>70−60</m:t>
                                   </m:r>
                                 </m:e>
                               </m:d>
@@ -11152,14 +12258,7 @@
                                       <a:latin typeface="Cambria Math" panose="02040503050406030204" pitchFamily="18" charset="0"/>
                                       <a:ea typeface="Cambria Math" panose="02040503050406030204" pitchFamily="18" charset="0"/>
                                     </a:rPr>
-                                    <m:t>40</m:t>
-                                  </m:r>
-                                  <m:r>
-                                    <a:rPr lang="en-US" sz="1600" b="0" i="1" smtClean="0">
-                                      <a:latin typeface="Cambria Math" panose="02040503050406030204" pitchFamily="18" charset="0"/>
-                                      <a:ea typeface="Cambria Math" panose="02040503050406030204" pitchFamily="18" charset="0"/>
-                                    </a:rPr>
-                                    <m:t>−45</m:t>
+                                    <m:t>40−45</m:t>
                                   </m:r>
                                 </m:e>
                               </m:d>
@@ -11181,35 +12280,7 @@
                           <a:latin typeface="Cambria Math" panose="02040503050406030204" pitchFamily="18" charset="0"/>
                           <a:ea typeface="Cambria Math" panose="02040503050406030204" pitchFamily="18" charset="0"/>
                         </a:rPr>
-                        <m:t>=</m:t>
-                      </m:r>
-                      <m:r>
-                        <a:rPr lang="en-US" sz="1600" b="0" i="1" smtClean="0">
-                          <a:latin typeface="Cambria Math" panose="02040503050406030204" pitchFamily="18" charset="0"/>
-                          <a:ea typeface="Cambria Math" panose="02040503050406030204" pitchFamily="18" charset="0"/>
-                        </a:rPr>
-                        <m:t>11</m:t>
-                      </m:r>
-                      <m:r>
-                        <a:rPr lang="en-US" sz="1600" b="0" i="1" smtClean="0">
-                          <a:latin typeface="Cambria Math" panose="02040503050406030204" pitchFamily="18" charset="0"/>
-                          <a:ea typeface="Cambria Math" panose="02040503050406030204" pitchFamily="18" charset="0"/>
-                        </a:rPr>
-                        <m:t>,</m:t>
-                      </m:r>
-                      <m:r>
-                        <a:rPr lang="en-US" sz="1600" b="0" i="1" smtClean="0">
-                          <a:latin typeface="Cambria Math" panose="02040503050406030204" pitchFamily="18" charset="0"/>
-                          <a:ea typeface="Cambria Math" panose="02040503050406030204" pitchFamily="18" charset="0"/>
-                        </a:rPr>
-                        <m:t>1</m:t>
-                      </m:r>
-                      <m:r>
-                        <a:rPr lang="en-US" sz="1600" b="0" i="1" smtClean="0">
-                          <a:latin typeface="Cambria Math" panose="02040503050406030204" pitchFamily="18" charset="0"/>
-                          <a:ea typeface="Cambria Math" panose="02040503050406030204" pitchFamily="18" charset="0"/>
-                        </a:rPr>
-                        <m:t>8</m:t>
+                        <m:t>=11,18</m:t>
                       </m:r>
                     </m:oMath>
                   </m:oMathPara>
@@ -11219,7 +12290,7 @@
             </p:txBody>
           </p:sp>
         </mc:Choice>
-        <mc:Fallback>
+        <mc:Fallback xmlns="">
           <p:sp>
             <p:nvSpPr>
               <p:cNvPr id="12" name="TextBox 11">
@@ -11277,7 +12348,7 @@
 </p:sld>
 </file>
 
-<file path=ppt/slides/slide26.xml><?xml version="1.0" encoding="utf-8"?>
+<file path=ppt/slides/slide28.xml><?xml version="1.0" encoding="utf-8"?>
 <p:sld xmlns:a="http://schemas.openxmlformats.org/drawingml/2006/main" xmlns:r="http://schemas.openxmlformats.org/officeDocument/2006/relationships" xmlns:p="http://schemas.openxmlformats.org/presentationml/2006/main">
   <p:cSld>
     <p:spTree>
@@ -13059,7 +14130,7 @@
 </p:sld>
 </file>
 
-<file path=ppt/slides/slide27.xml><?xml version="1.0" encoding="utf-8"?>
+<file path=ppt/slides/slide29.xml><?xml version="1.0" encoding="utf-8"?>
 <p:sld xmlns:a="http://schemas.openxmlformats.org/drawingml/2006/main" xmlns:r="http://schemas.openxmlformats.org/officeDocument/2006/relationships" xmlns:p="http://schemas.openxmlformats.org/presentationml/2006/main">
   <p:cSld>
     <p:spTree>
@@ -13200,7 +14271,377 @@
 </p:sld>
 </file>
 
-<file path=ppt/slides/slide28.xml><?xml version="1.0" encoding="utf-8"?>
+<file path=ppt/slides/slide3.xml><?xml version="1.0" encoding="utf-8"?>
+<p:sld xmlns:a="http://schemas.openxmlformats.org/drawingml/2006/main" xmlns:r="http://schemas.openxmlformats.org/officeDocument/2006/relationships" xmlns:p="http://schemas.openxmlformats.org/presentationml/2006/main">
+  <p:cSld>
+    <p:bg>
+      <p:bgPr>
+        <a:solidFill>
+          <a:srgbClr val="E12A26"/>
+        </a:solidFill>
+        <a:effectLst/>
+      </p:bgPr>
+    </p:bg>
+    <p:spTree>
+      <p:nvGrpSpPr>
+        <p:cNvPr id="1" name=""/>
+        <p:cNvGrpSpPr/>
+        <p:nvPr/>
+      </p:nvGrpSpPr>
+      <p:grpSpPr>
+        <a:xfrm>
+          <a:off x="0" y="0"/>
+          <a:ext cx="0" cy="0"/>
+          <a:chOff x="0" y="0"/>
+          <a:chExt cx="0" cy="0"/>
+        </a:xfrm>
+      </p:grpSpPr>
+      <p:grpSp>
+        <p:nvGrpSpPr>
+          <p:cNvPr id="6" name="Group 5">
+            <a:extLst>
+              <a:ext uri="{FF2B5EF4-FFF2-40B4-BE49-F238E27FC236}">
+                <a16:creationId xmlns:a16="http://schemas.microsoft.com/office/drawing/2014/main" id="{DFCF043D-FB0B-4984-BCC0-0BB2D27DED26}"/>
+              </a:ext>
+            </a:extLst>
+          </p:cNvPr>
+          <p:cNvGrpSpPr/>
+          <p:nvPr/>
+        </p:nvGrpSpPr>
+        <p:grpSpPr>
+          <a:xfrm>
+            <a:off x="612967" y="1542197"/>
+            <a:ext cx="8703545" cy="4804012"/>
+            <a:chOff x="5481860" y="1383513"/>
+            <a:chExt cx="2849482" cy="2358189"/>
+          </a:xfrm>
+          <a:effectLst>
+            <a:outerShdw blurRad="50800" dist="38100" dir="8100000" algn="tr" rotWithShape="0">
+              <a:prstClr val="black">
+                <a:alpha val="40000"/>
+              </a:prstClr>
+            </a:outerShdw>
+          </a:effectLst>
+        </p:grpSpPr>
+        <p:sp>
+          <p:nvSpPr>
+            <p:cNvPr id="7" name="Isosceles Triangle 6">
+              <a:extLst>
+                <a:ext uri="{FF2B5EF4-FFF2-40B4-BE49-F238E27FC236}">
+                  <a16:creationId xmlns:a16="http://schemas.microsoft.com/office/drawing/2014/main" id="{01D1DEF7-2794-4192-9940-CC05C8299CD6}"/>
+                </a:ext>
+              </a:extLst>
+            </p:cNvPr>
+            <p:cNvSpPr/>
+            <p:nvPr/>
+          </p:nvSpPr>
+          <p:spPr>
+            <a:xfrm rot="5400000">
+              <a:off x="5742023" y="1191008"/>
+              <a:ext cx="2358189" cy="2743200"/>
+            </a:xfrm>
+            <a:prstGeom prst="triangle">
+              <a:avLst/>
+            </a:prstGeom>
+            <a:solidFill>
+              <a:schemeClr val="bg1"/>
+            </a:solidFill>
+            <a:ln>
+              <a:noFill/>
+            </a:ln>
+          </p:spPr>
+          <p:style>
+            <a:lnRef idx="2">
+              <a:schemeClr val="accent1">
+                <a:shade val="50000"/>
+              </a:schemeClr>
+            </a:lnRef>
+            <a:fillRef idx="1">
+              <a:schemeClr val="accent1"/>
+            </a:fillRef>
+            <a:effectRef idx="0">
+              <a:schemeClr val="accent1"/>
+            </a:effectRef>
+            <a:fontRef idx="minor">
+              <a:schemeClr val="lt1"/>
+            </a:fontRef>
+          </p:style>
+          <p:txBody>
+            <a:bodyPr rtlCol="0" anchor="ctr"/>
+            <a:lstStyle/>
+            <a:p>
+              <a:pPr algn="ctr"/>
+              <a:endParaRPr lang="en-US"/>
+            </a:p>
+          </p:txBody>
+        </p:sp>
+        <p:sp>
+          <p:nvSpPr>
+            <p:cNvPr id="8" name="Isosceles Triangle 11">
+              <a:extLst>
+                <a:ext uri="{FF2B5EF4-FFF2-40B4-BE49-F238E27FC236}">
+                  <a16:creationId xmlns:a16="http://schemas.microsoft.com/office/drawing/2014/main" id="{52A1F45A-A230-49BD-8040-D098F5D50DEE}"/>
+                </a:ext>
+              </a:extLst>
+            </p:cNvPr>
+            <p:cNvSpPr/>
+            <p:nvPr/>
+          </p:nvSpPr>
+          <p:spPr>
+            <a:xfrm rot="17274967">
+              <a:off x="6773477" y="609285"/>
+              <a:ext cx="266247" cy="2849482"/>
+            </a:xfrm>
+            <a:custGeom>
+              <a:avLst/>
+              <a:gdLst>
+                <a:gd name="connsiteX0" fmla="*/ 0 w 259112"/>
+                <a:gd name="connsiteY0" fmla="*/ 2830008 h 2830008"/>
+                <a:gd name="connsiteX1" fmla="*/ 129556 w 259112"/>
+                <a:gd name="connsiteY1" fmla="*/ 0 h 2830008"/>
+                <a:gd name="connsiteX2" fmla="*/ 259112 w 259112"/>
+                <a:gd name="connsiteY2" fmla="*/ 2830008 h 2830008"/>
+                <a:gd name="connsiteX3" fmla="*/ 0 w 259112"/>
+                <a:gd name="connsiteY3" fmla="*/ 2830008 h 2830008"/>
+                <a:gd name="connsiteX0" fmla="*/ 0 w 261691"/>
+                <a:gd name="connsiteY0" fmla="*/ 2830008 h 2966361"/>
+                <a:gd name="connsiteX1" fmla="*/ 129556 w 261691"/>
+                <a:gd name="connsiteY1" fmla="*/ 0 h 2966361"/>
+                <a:gd name="connsiteX2" fmla="*/ 261691 w 261691"/>
+                <a:gd name="connsiteY2" fmla="*/ 2966361 h 2966361"/>
+                <a:gd name="connsiteX3" fmla="*/ 0 w 261691"/>
+                <a:gd name="connsiteY3" fmla="*/ 2830008 h 2966361"/>
+                <a:gd name="connsiteX0" fmla="*/ 0 w 260640"/>
+                <a:gd name="connsiteY0" fmla="*/ 2744820 h 2966361"/>
+                <a:gd name="connsiteX1" fmla="*/ 128505 w 260640"/>
+                <a:gd name="connsiteY1" fmla="*/ 0 h 2966361"/>
+                <a:gd name="connsiteX2" fmla="*/ 260640 w 260640"/>
+                <a:gd name="connsiteY2" fmla="*/ 2966361 h 2966361"/>
+                <a:gd name="connsiteX3" fmla="*/ 0 w 260640"/>
+                <a:gd name="connsiteY3" fmla="*/ 2744820 h 2966361"/>
+                <a:gd name="connsiteX0" fmla="*/ 0 w 257812"/>
+                <a:gd name="connsiteY0" fmla="*/ 2690357 h 2966361"/>
+                <a:gd name="connsiteX1" fmla="*/ 125677 w 257812"/>
+                <a:gd name="connsiteY1" fmla="*/ 0 h 2966361"/>
+                <a:gd name="connsiteX2" fmla="*/ 257812 w 257812"/>
+                <a:gd name="connsiteY2" fmla="*/ 2966361 h 2966361"/>
+                <a:gd name="connsiteX3" fmla="*/ 0 w 257812"/>
+                <a:gd name="connsiteY3" fmla="*/ 2690357 h 2966361"/>
+                <a:gd name="connsiteX0" fmla="*/ 0 w 266247"/>
+                <a:gd name="connsiteY0" fmla="*/ 2690357 h 2969359"/>
+                <a:gd name="connsiteX1" fmla="*/ 125677 w 266247"/>
+                <a:gd name="connsiteY1" fmla="*/ 0 h 2969359"/>
+                <a:gd name="connsiteX2" fmla="*/ 266247 w 266247"/>
+                <a:gd name="connsiteY2" fmla="*/ 2969359 h 2969359"/>
+                <a:gd name="connsiteX3" fmla="*/ 0 w 266247"/>
+                <a:gd name="connsiteY3" fmla="*/ 2690357 h 2969359"/>
+              </a:gdLst>
+              <a:ahLst/>
+              <a:cxnLst>
+                <a:cxn ang="0">
+                  <a:pos x="connsiteX0" y="connsiteY0"/>
+                </a:cxn>
+                <a:cxn ang="0">
+                  <a:pos x="connsiteX1" y="connsiteY1"/>
+                </a:cxn>
+                <a:cxn ang="0">
+                  <a:pos x="connsiteX2" y="connsiteY2"/>
+                </a:cxn>
+                <a:cxn ang="0">
+                  <a:pos x="connsiteX3" y="connsiteY3"/>
+                </a:cxn>
+              </a:cxnLst>
+              <a:rect l="l" t="t" r="r" b="b"/>
+              <a:pathLst>
+                <a:path w="266247" h="2969359">
+                  <a:moveTo>
+                    <a:pt x="0" y="2690357"/>
+                  </a:moveTo>
+                  <a:lnTo>
+                    <a:pt x="125677" y="0"/>
+                  </a:lnTo>
+                  <a:lnTo>
+                    <a:pt x="266247" y="2969359"/>
+                  </a:lnTo>
+                  <a:lnTo>
+                    <a:pt x="0" y="2690357"/>
+                  </a:lnTo>
+                  <a:close/>
+                </a:path>
+              </a:pathLst>
+            </a:custGeom>
+            <a:solidFill>
+              <a:schemeClr val="bg2"/>
+            </a:solidFill>
+            <a:ln>
+              <a:noFill/>
+            </a:ln>
+          </p:spPr>
+          <p:style>
+            <a:lnRef idx="2">
+              <a:schemeClr val="accent1">
+                <a:shade val="50000"/>
+              </a:schemeClr>
+            </a:lnRef>
+            <a:fillRef idx="1">
+              <a:schemeClr val="accent1"/>
+            </a:fillRef>
+            <a:effectRef idx="0">
+              <a:schemeClr val="accent1"/>
+            </a:effectRef>
+            <a:fontRef idx="minor">
+              <a:schemeClr val="lt1"/>
+            </a:fontRef>
+          </p:style>
+          <p:txBody>
+            <a:bodyPr rtlCol="0" anchor="ctr"/>
+            <a:lstStyle/>
+            <a:p>
+              <a:pPr algn="ctr"/>
+              <a:endParaRPr lang="en-US"/>
+            </a:p>
+          </p:txBody>
+        </p:sp>
+      </p:grpSp>
+      <p:sp>
+        <p:nvSpPr>
+          <p:cNvPr id="2" name="Title 1">
+            <a:extLst>
+              <a:ext uri="{FF2B5EF4-FFF2-40B4-BE49-F238E27FC236}">
+                <a16:creationId xmlns:a16="http://schemas.microsoft.com/office/drawing/2014/main" id="{B5905A8A-5A40-4D84-B02E-D3A0075C3F37}"/>
+              </a:ext>
+            </a:extLst>
+          </p:cNvPr>
+          <p:cNvSpPr>
+            <a:spLocks noGrp="1"/>
+          </p:cNvSpPr>
+          <p:nvPr>
+            <p:ph type="title"/>
+          </p:nvPr>
+        </p:nvSpPr>
+        <p:spPr/>
+        <p:txBody>
+          <a:bodyPr/>
+          <a:lstStyle/>
+          <a:p>
+            <a:r>
+              <a:rPr kumimoji="0" lang="en-US" sz="7200" b="1" i="0" u="none" strike="noStrike" kern="1200" cap="none" spc="0" normalizeH="0" baseline="0" noProof="0" dirty="0">
+                <a:ln>
+                  <a:noFill/>
+                </a:ln>
+                <a:solidFill>
+                  <a:srgbClr val="E12A26"/>
+                </a:solidFill>
+                <a:effectLst>
+                  <a:outerShdw blurRad="50800" dist="114300" dir="8100000" algn="tr" rotWithShape="0">
+                    <a:prstClr val="black">
+                      <a:alpha val="40000"/>
+                    </a:prstClr>
+                  </a:outerShdw>
+                </a:effectLst>
+                <a:uLnTx/>
+                <a:uFillTx/>
+                <a:latin typeface="Open sans"/>
+                <a:ea typeface="+mj-ea"/>
+                <a:cs typeface="+mj-cs"/>
+              </a:rPr>
+              <a:t>Back</a:t>
+            </a:r>
+            <a:r>
+              <a:rPr kumimoji="0" lang="en-US" sz="7200" b="1" i="0" u="none" strike="noStrike" kern="1200" cap="none" spc="0" normalizeH="0" baseline="0" noProof="0" dirty="0">
+                <a:ln>
+                  <a:noFill/>
+                </a:ln>
+                <a:solidFill>
+                  <a:srgbClr val="E12A26"/>
+                </a:solidFill>
+                <a:effectLst>
+                  <a:outerShdw blurRad="50800" dist="114300" dir="8100000" algn="tr" rotWithShape="0">
+                    <a:prstClr val="black">
+                      <a:alpha val="40000"/>
+                    </a:prstClr>
+                  </a:outerShdw>
+                </a:effectLst>
+                <a:uLnTx/>
+                <a:uFillTx/>
+                <a:latin typeface="Open sans"/>
+              </a:rPr>
+              <a:t>ground</a:t>
+            </a:r>
+            <a:endParaRPr lang="en-US" dirty="0">
+              <a:solidFill>
+                <a:srgbClr val="E12A26"/>
+              </a:solidFill>
+            </a:endParaRPr>
+          </a:p>
+        </p:txBody>
+      </p:sp>
+      <p:sp>
+        <p:nvSpPr>
+          <p:cNvPr id="5" name="Rectangle 4">
+            <a:extLst>
+              <a:ext uri="{FF2B5EF4-FFF2-40B4-BE49-F238E27FC236}">
+                <a16:creationId xmlns:a16="http://schemas.microsoft.com/office/drawing/2014/main" id="{B547C023-B880-473B-95CD-17742EAD9007}"/>
+              </a:ext>
+            </a:extLst>
+          </p:cNvPr>
+          <p:cNvSpPr/>
+          <p:nvPr/>
+        </p:nvSpPr>
+        <p:spPr>
+          <a:xfrm>
+            <a:off x="338483" y="254882"/>
+            <a:ext cx="11515034" cy="6348236"/>
+          </a:xfrm>
+          <a:prstGeom prst="rect">
+            <a:avLst/>
+          </a:prstGeom>
+          <a:noFill/>
+          <a:ln w="76200">
+            <a:solidFill>
+              <a:srgbClr val="FFC000"/>
+            </a:solidFill>
+          </a:ln>
+        </p:spPr>
+        <p:style>
+          <a:lnRef idx="2">
+            <a:schemeClr val="accent1">
+              <a:shade val="50000"/>
+            </a:schemeClr>
+          </a:lnRef>
+          <a:fillRef idx="1">
+            <a:schemeClr val="accent1"/>
+          </a:fillRef>
+          <a:effectRef idx="0">
+            <a:schemeClr val="accent1"/>
+          </a:effectRef>
+          <a:fontRef idx="minor">
+            <a:schemeClr val="lt1"/>
+          </a:fontRef>
+        </p:style>
+        <p:txBody>
+          <a:bodyPr rtlCol="0" anchor="ctr"/>
+          <a:lstStyle/>
+          <a:p>
+            <a:pPr algn="ctr"/>
+            <a:endParaRPr lang="en-US"/>
+          </a:p>
+        </p:txBody>
+      </p:sp>
+    </p:spTree>
+    <p:extLst>
+      <p:ext uri="{BB962C8B-B14F-4D97-AF65-F5344CB8AC3E}">
+        <p14:creationId xmlns:p14="http://schemas.microsoft.com/office/powerpoint/2010/main" val="4274315723"/>
+      </p:ext>
+    </p:extLst>
+  </p:cSld>
+  <p:clrMapOvr>
+    <a:masterClrMapping/>
+  </p:clrMapOvr>
+</p:sld>
+</file>
+
+<file path=ppt/slides/slide30.xml><?xml version="1.0" encoding="utf-8"?>
 <p:sld xmlns:a="http://schemas.openxmlformats.org/drawingml/2006/main" xmlns:r="http://schemas.openxmlformats.org/officeDocument/2006/relationships" xmlns:p="http://schemas.openxmlformats.org/presentationml/2006/main">
   <p:cSld>
     <p:spTree>
@@ -13290,7 +14731,7 @@
 </p:sld>
 </file>
 
-<file path=ppt/slides/slide29.xml><?xml version="1.0" encoding="utf-8"?>
+<file path=ppt/slides/slide31.xml><?xml version="1.0" encoding="utf-8"?>
 <p:sld xmlns:a="http://schemas.openxmlformats.org/drawingml/2006/main" xmlns:r="http://schemas.openxmlformats.org/officeDocument/2006/relationships" xmlns:p="http://schemas.openxmlformats.org/presentationml/2006/main">
   <p:cSld>
     <p:spTree>
@@ -14708,7 +16149,358 @@
 </p:sld>
 </file>
 
-<file path=ppt/slides/slide3.xml><?xml version="1.0" encoding="utf-8"?>
+<file path=ppt/slides/slide32.xml><?xml version="1.0" encoding="utf-8"?>
+<p:sld xmlns:a="http://schemas.openxmlformats.org/drawingml/2006/main" xmlns:r="http://schemas.openxmlformats.org/officeDocument/2006/relationships" xmlns:p="http://schemas.openxmlformats.org/presentationml/2006/main">
+  <p:cSld>
+    <p:spTree>
+      <p:nvGrpSpPr>
+        <p:cNvPr id="1" name=""/>
+        <p:cNvGrpSpPr/>
+        <p:nvPr/>
+      </p:nvGrpSpPr>
+      <p:grpSpPr>
+        <a:xfrm>
+          <a:off x="0" y="0"/>
+          <a:ext cx="0" cy="0"/>
+          <a:chOff x="0" y="0"/>
+          <a:chExt cx="0" cy="0"/>
+        </a:xfrm>
+      </p:grpSpPr>
+      <p:pic>
+        <p:nvPicPr>
+          <p:cNvPr id="6" name="Picture 2" descr="Youtube Play Logo transparent PNG - StickPNG">
+            <a:extLst>
+              <a:ext uri="{FF2B5EF4-FFF2-40B4-BE49-F238E27FC236}">
+                <a16:creationId xmlns:a16="http://schemas.microsoft.com/office/drawing/2014/main" id="{238F19CC-BA88-4A50-9DF4-5F8BC18682B6}"/>
+              </a:ext>
+            </a:extLst>
+          </p:cNvPr>
+          <p:cNvPicPr>
+            <a:picLocks noChangeAspect="1" noChangeArrowheads="1"/>
+          </p:cNvPicPr>
+          <p:nvPr/>
+        </p:nvPicPr>
+        <p:blipFill>
+          <a:blip r:embed="rId2">
+            <a:extLst>
+              <a:ext uri="{28A0092B-C50C-407E-A947-70E740481C1C}">
+                <a14:useLocalDpi xmlns:a14="http://schemas.microsoft.com/office/drawing/2010/main" val="0"/>
+              </a:ext>
+            </a:extLst>
+          </a:blip>
+          <a:srcRect/>
+          <a:stretch>
+            <a:fillRect/>
+          </a:stretch>
+        </p:blipFill>
+        <p:spPr bwMode="auto">
+          <a:xfrm>
+            <a:off x="2752090" y="1082275"/>
+            <a:ext cx="6675120" cy="4693449"/>
+          </a:xfrm>
+          <a:prstGeom prst="rect">
+            <a:avLst/>
+          </a:prstGeom>
+          <a:ln>
+            <a:noFill/>
+          </a:ln>
+          <a:effectLst>
+            <a:outerShdw blurRad="190500" algn="tl" rotWithShape="0">
+              <a:srgbClr val="000000">
+                <a:alpha val="70000"/>
+              </a:srgbClr>
+            </a:outerShdw>
+          </a:effectLst>
+          <a:extLst>
+            <a:ext uri="{909E8E84-426E-40DD-AFC4-6F175D3DCCD1}">
+              <a14:hiddenFill xmlns:a14="http://schemas.microsoft.com/office/drawing/2010/main">
+                <a:solidFill>
+                  <a:srgbClr val="FFFFFF"/>
+                </a:solidFill>
+              </a14:hiddenFill>
+            </a:ext>
+          </a:extLst>
+        </p:spPr>
+      </p:pic>
+      <p:sp>
+        <p:nvSpPr>
+          <p:cNvPr id="2" name="Title 1">
+            <a:extLst>
+              <a:ext uri="{FF2B5EF4-FFF2-40B4-BE49-F238E27FC236}">
+                <a16:creationId xmlns:a16="http://schemas.microsoft.com/office/drawing/2014/main" id="{CC3B2EF0-00A7-474A-A7EC-8776DCE92D42}"/>
+              </a:ext>
+            </a:extLst>
+          </p:cNvPr>
+          <p:cNvSpPr>
+            <a:spLocks noGrp="1"/>
+          </p:cNvSpPr>
+          <p:nvPr>
+            <p:ph type="title"/>
+          </p:nvPr>
+        </p:nvSpPr>
+        <p:spPr>
+          <a:xfrm>
+            <a:off x="3002507" y="891203"/>
+            <a:ext cx="6127846" cy="4693449"/>
+          </a:xfrm>
+        </p:spPr>
+        <p:txBody>
+          <a:bodyPr>
+            <a:normAutofit/>
+          </a:bodyPr>
+          <a:lstStyle/>
+          <a:p>
+            <a:pPr algn="ctr"/>
+            <a:r>
+              <a:rPr lang="en-US" b="1" dirty="0" err="1">
+                <a:solidFill>
+                  <a:schemeClr val="bg1"/>
+                </a:solidFill>
+                <a:latin typeface="Arial Black" panose="020B0A04020102020204" pitchFamily="34" charset="0"/>
+              </a:rPr>
+              <a:t>Terima</a:t>
+            </a:r>
+            <a:br>
+              <a:rPr lang="en-US" b="1" dirty="0">
+                <a:solidFill>
+                  <a:schemeClr val="bg1"/>
+                </a:solidFill>
+                <a:latin typeface="Arial Black" panose="020B0A04020102020204" pitchFamily="34" charset="0"/>
+              </a:rPr>
+            </a:br>
+            <a:br>
+              <a:rPr lang="en-US" b="1" dirty="0">
+                <a:solidFill>
+                  <a:schemeClr val="bg1"/>
+                </a:solidFill>
+                <a:latin typeface="Arial Black" panose="020B0A04020102020204" pitchFamily="34" charset="0"/>
+              </a:rPr>
+            </a:br>
+            <a:br>
+              <a:rPr lang="en-US" b="1" dirty="0">
+                <a:solidFill>
+                  <a:schemeClr val="bg1"/>
+                </a:solidFill>
+                <a:latin typeface="Arial Black" panose="020B0A04020102020204" pitchFamily="34" charset="0"/>
+              </a:rPr>
+            </a:br>
+            <a:br>
+              <a:rPr lang="en-US" b="1" dirty="0">
+                <a:solidFill>
+                  <a:schemeClr val="bg1"/>
+                </a:solidFill>
+                <a:latin typeface="Arial Black" panose="020B0A04020102020204" pitchFamily="34" charset="0"/>
+              </a:rPr>
+            </a:br>
+            <a:r>
+              <a:rPr lang="en-US" b="1" dirty="0" err="1">
+                <a:solidFill>
+                  <a:schemeClr val="bg1"/>
+                </a:solidFill>
+                <a:latin typeface="Arial Black" panose="020B0A04020102020204" pitchFamily="34" charset="0"/>
+              </a:rPr>
+              <a:t>kasih</a:t>
+            </a:r>
+            <a:endParaRPr lang="en-US" b="1" dirty="0">
+              <a:solidFill>
+                <a:schemeClr val="bg1"/>
+              </a:solidFill>
+              <a:latin typeface="Arial Black" panose="020B0A04020102020204" pitchFamily="34" charset="0"/>
+            </a:endParaRPr>
+          </a:p>
+        </p:txBody>
+      </p:sp>
+    </p:spTree>
+    <p:extLst>
+      <p:ext uri="{BB962C8B-B14F-4D97-AF65-F5344CB8AC3E}">
+        <p14:creationId xmlns:p14="http://schemas.microsoft.com/office/powerpoint/2010/main" val="4210098054"/>
+      </p:ext>
+    </p:extLst>
+  </p:cSld>
+  <p:clrMapOvr>
+    <a:masterClrMapping/>
+  </p:clrMapOvr>
+</p:sld>
+</file>
+
+<file path=ppt/slides/slide33.xml><?xml version="1.0" encoding="utf-8"?>
+<p:sld xmlns:a="http://schemas.openxmlformats.org/drawingml/2006/main" xmlns:r="http://schemas.openxmlformats.org/officeDocument/2006/relationships" xmlns:p="http://schemas.openxmlformats.org/presentationml/2006/main">
+  <p:cSld>
+    <p:spTree>
+      <p:nvGrpSpPr>
+        <p:cNvPr id="1" name=""/>
+        <p:cNvGrpSpPr/>
+        <p:nvPr/>
+      </p:nvGrpSpPr>
+      <p:grpSpPr>
+        <a:xfrm>
+          <a:off x="0" y="0"/>
+          <a:ext cx="0" cy="0"/>
+          <a:chOff x="0" y="0"/>
+          <a:chExt cx="0" cy="0"/>
+        </a:xfrm>
+      </p:grpSpPr>
+      <p:pic>
+        <p:nvPicPr>
+          <p:cNvPr id="6" name="Picture 2" descr="Youtube Play Logo transparent PNG - StickPNG">
+            <a:extLst>
+              <a:ext uri="{FF2B5EF4-FFF2-40B4-BE49-F238E27FC236}">
+                <a16:creationId xmlns:a16="http://schemas.microsoft.com/office/drawing/2014/main" id="{238F19CC-BA88-4A50-9DF4-5F8BC18682B6}"/>
+              </a:ext>
+            </a:extLst>
+          </p:cNvPr>
+          <p:cNvPicPr>
+            <a:picLocks noChangeAspect="1" noChangeArrowheads="1"/>
+          </p:cNvPicPr>
+          <p:nvPr/>
+        </p:nvPicPr>
+        <p:blipFill>
+          <a:blip r:embed="rId2">
+            <a:extLst>
+              <a:ext uri="{28A0092B-C50C-407E-A947-70E740481C1C}">
+                <a14:useLocalDpi xmlns:a14="http://schemas.microsoft.com/office/drawing/2010/main" val="0"/>
+              </a:ext>
+            </a:extLst>
+          </a:blip>
+          <a:srcRect/>
+          <a:stretch>
+            <a:fillRect/>
+          </a:stretch>
+        </p:blipFill>
+        <p:spPr bwMode="auto">
+          <a:xfrm>
+            <a:off x="2752090" y="1082275"/>
+            <a:ext cx="6675120" cy="4693449"/>
+          </a:xfrm>
+          <a:prstGeom prst="rect">
+            <a:avLst/>
+          </a:prstGeom>
+          <a:ln>
+            <a:noFill/>
+          </a:ln>
+          <a:effectLst>
+            <a:outerShdw blurRad="190500" algn="tl" rotWithShape="0">
+              <a:srgbClr val="000000">
+                <a:alpha val="70000"/>
+              </a:srgbClr>
+            </a:outerShdw>
+          </a:effectLst>
+          <a:extLst>
+            <a:ext uri="{909E8E84-426E-40DD-AFC4-6F175D3DCCD1}">
+              <a14:hiddenFill xmlns:a14="http://schemas.microsoft.com/office/drawing/2010/main">
+                <a:solidFill>
+                  <a:srgbClr val="FFFFFF"/>
+                </a:solidFill>
+              </a14:hiddenFill>
+            </a:ext>
+          </a:extLst>
+        </p:spPr>
+      </p:pic>
+      <p:sp>
+        <p:nvSpPr>
+          <p:cNvPr id="2" name="Title 1">
+            <a:extLst>
+              <a:ext uri="{FF2B5EF4-FFF2-40B4-BE49-F238E27FC236}">
+                <a16:creationId xmlns:a16="http://schemas.microsoft.com/office/drawing/2014/main" id="{CC3B2EF0-00A7-474A-A7EC-8776DCE92D42}"/>
+              </a:ext>
+            </a:extLst>
+          </p:cNvPr>
+          <p:cNvSpPr>
+            <a:spLocks noGrp="1"/>
+          </p:cNvSpPr>
+          <p:nvPr>
+            <p:ph type="title"/>
+          </p:nvPr>
+        </p:nvSpPr>
+        <p:spPr>
+          <a:xfrm>
+            <a:off x="3002507" y="891203"/>
+            <a:ext cx="6127846" cy="4693449"/>
+          </a:xfrm>
+        </p:spPr>
+        <p:txBody>
+          <a:bodyPr>
+            <a:normAutofit/>
+          </a:bodyPr>
+          <a:lstStyle/>
+          <a:p>
+            <a:pPr algn="ctr"/>
+            <a:r>
+              <a:rPr lang="en-US" b="1" dirty="0">
+                <a:solidFill>
+                  <a:schemeClr val="bg1"/>
+                </a:solidFill>
+                <a:latin typeface="Arial Black" panose="020B0A04020102020204" pitchFamily="34" charset="0"/>
+              </a:rPr>
+              <a:t>Q</a:t>
+            </a:r>
+            <a:br>
+              <a:rPr lang="en-US" b="1" dirty="0">
+                <a:solidFill>
+                  <a:schemeClr val="bg1"/>
+                </a:solidFill>
+                <a:latin typeface="Arial Black" panose="020B0A04020102020204" pitchFamily="34" charset="0"/>
+              </a:rPr>
+            </a:br>
+            <a:br>
+              <a:rPr lang="en-US" b="1" dirty="0">
+                <a:solidFill>
+                  <a:schemeClr val="bg1"/>
+                </a:solidFill>
+                <a:latin typeface="Arial Black" panose="020B0A04020102020204" pitchFamily="34" charset="0"/>
+              </a:rPr>
+            </a:br>
+            <a:r>
+              <a:rPr lang="en-US" b="1" dirty="0">
+                <a:solidFill>
+                  <a:srgbClr val="E12A26"/>
+                </a:solidFill>
+                <a:latin typeface="Arial Black" panose="020B0A04020102020204" pitchFamily="34" charset="0"/>
+              </a:rPr>
+              <a:t>&amp;</a:t>
+            </a:r>
+            <a:br>
+              <a:rPr lang="en-US" b="1" dirty="0">
+                <a:solidFill>
+                  <a:schemeClr val="bg1"/>
+                </a:solidFill>
+                <a:latin typeface="Arial Black" panose="020B0A04020102020204" pitchFamily="34" charset="0"/>
+              </a:rPr>
+            </a:br>
+            <a:br>
+              <a:rPr lang="en-US" b="1" dirty="0">
+                <a:solidFill>
+                  <a:schemeClr val="bg1"/>
+                </a:solidFill>
+                <a:latin typeface="Arial Black" panose="020B0A04020102020204" pitchFamily="34" charset="0"/>
+              </a:rPr>
+            </a:br>
+            <a:r>
+              <a:rPr lang="en-US" b="1" dirty="0">
+                <a:solidFill>
+                  <a:schemeClr val="bg1"/>
+                </a:solidFill>
+                <a:latin typeface="Arial Black" panose="020B0A04020102020204" pitchFamily="34" charset="0"/>
+              </a:rPr>
+              <a:t>A</a:t>
+            </a:r>
+          </a:p>
+        </p:txBody>
+      </p:sp>
+    </p:spTree>
+    <p:extLst>
+      <p:ext uri="{BB962C8B-B14F-4D97-AF65-F5344CB8AC3E}">
+        <p14:creationId xmlns:p14="http://schemas.microsoft.com/office/powerpoint/2010/main" val="1210232270"/>
+      </p:ext>
+    </p:extLst>
+  </p:cSld>
+  <p:clrMapOvr>
+    <a:masterClrMapping/>
+  </p:clrMapOvr>
+</p:sld>
+</file>
+
+<file path=ppt/slides/slide4.xml><?xml version="1.0" encoding="utf-8"?>
 <p:sld xmlns:a="http://schemas.openxmlformats.org/drawingml/2006/main" xmlns:r="http://schemas.openxmlformats.org/officeDocument/2006/relationships" xmlns:p="http://schemas.openxmlformats.org/presentationml/2006/main">
   <p:cSld>
     <p:spTree>
@@ -14974,358 +16766,7 @@
 </p:sld>
 </file>
 
-<file path=ppt/slides/slide30.xml><?xml version="1.0" encoding="utf-8"?>
-<p:sld xmlns:a="http://schemas.openxmlformats.org/drawingml/2006/main" xmlns:r="http://schemas.openxmlformats.org/officeDocument/2006/relationships" xmlns:p="http://schemas.openxmlformats.org/presentationml/2006/main">
-  <p:cSld>
-    <p:spTree>
-      <p:nvGrpSpPr>
-        <p:cNvPr id="1" name=""/>
-        <p:cNvGrpSpPr/>
-        <p:nvPr/>
-      </p:nvGrpSpPr>
-      <p:grpSpPr>
-        <a:xfrm>
-          <a:off x="0" y="0"/>
-          <a:ext cx="0" cy="0"/>
-          <a:chOff x="0" y="0"/>
-          <a:chExt cx="0" cy="0"/>
-        </a:xfrm>
-      </p:grpSpPr>
-      <p:pic>
-        <p:nvPicPr>
-          <p:cNvPr id="6" name="Picture 2" descr="Youtube Play Logo transparent PNG - StickPNG">
-            <a:extLst>
-              <a:ext uri="{FF2B5EF4-FFF2-40B4-BE49-F238E27FC236}">
-                <a16:creationId xmlns:a16="http://schemas.microsoft.com/office/drawing/2014/main" id="{238F19CC-BA88-4A50-9DF4-5F8BC18682B6}"/>
-              </a:ext>
-            </a:extLst>
-          </p:cNvPr>
-          <p:cNvPicPr>
-            <a:picLocks noChangeAspect="1" noChangeArrowheads="1"/>
-          </p:cNvPicPr>
-          <p:nvPr/>
-        </p:nvPicPr>
-        <p:blipFill>
-          <a:blip r:embed="rId2">
-            <a:extLst>
-              <a:ext uri="{28A0092B-C50C-407E-A947-70E740481C1C}">
-                <a14:useLocalDpi xmlns:a14="http://schemas.microsoft.com/office/drawing/2010/main" val="0"/>
-              </a:ext>
-            </a:extLst>
-          </a:blip>
-          <a:srcRect/>
-          <a:stretch>
-            <a:fillRect/>
-          </a:stretch>
-        </p:blipFill>
-        <p:spPr bwMode="auto">
-          <a:xfrm>
-            <a:off x="2752090" y="1082275"/>
-            <a:ext cx="6675120" cy="4693449"/>
-          </a:xfrm>
-          <a:prstGeom prst="rect">
-            <a:avLst/>
-          </a:prstGeom>
-          <a:ln>
-            <a:noFill/>
-          </a:ln>
-          <a:effectLst>
-            <a:outerShdw blurRad="190500" algn="tl" rotWithShape="0">
-              <a:srgbClr val="000000">
-                <a:alpha val="70000"/>
-              </a:srgbClr>
-            </a:outerShdw>
-          </a:effectLst>
-          <a:extLst>
-            <a:ext uri="{909E8E84-426E-40DD-AFC4-6F175D3DCCD1}">
-              <a14:hiddenFill xmlns:a14="http://schemas.microsoft.com/office/drawing/2010/main">
-                <a:solidFill>
-                  <a:srgbClr val="FFFFFF"/>
-                </a:solidFill>
-              </a14:hiddenFill>
-            </a:ext>
-          </a:extLst>
-        </p:spPr>
-      </p:pic>
-      <p:sp>
-        <p:nvSpPr>
-          <p:cNvPr id="2" name="Title 1">
-            <a:extLst>
-              <a:ext uri="{FF2B5EF4-FFF2-40B4-BE49-F238E27FC236}">
-                <a16:creationId xmlns:a16="http://schemas.microsoft.com/office/drawing/2014/main" id="{CC3B2EF0-00A7-474A-A7EC-8776DCE92D42}"/>
-              </a:ext>
-            </a:extLst>
-          </p:cNvPr>
-          <p:cNvSpPr>
-            <a:spLocks noGrp="1"/>
-          </p:cNvSpPr>
-          <p:nvPr>
-            <p:ph type="title"/>
-          </p:nvPr>
-        </p:nvSpPr>
-        <p:spPr>
-          <a:xfrm>
-            <a:off x="3002507" y="891203"/>
-            <a:ext cx="6127846" cy="4693449"/>
-          </a:xfrm>
-        </p:spPr>
-        <p:txBody>
-          <a:bodyPr>
-            <a:normAutofit/>
-          </a:bodyPr>
-          <a:lstStyle/>
-          <a:p>
-            <a:pPr algn="ctr"/>
-            <a:r>
-              <a:rPr lang="en-US" b="1" dirty="0" err="1">
-                <a:solidFill>
-                  <a:schemeClr val="bg1"/>
-                </a:solidFill>
-                <a:latin typeface="Arial Black" panose="020B0A04020102020204" pitchFamily="34" charset="0"/>
-              </a:rPr>
-              <a:t>Terima</a:t>
-            </a:r>
-            <a:br>
-              <a:rPr lang="en-US" b="1" dirty="0">
-                <a:solidFill>
-                  <a:schemeClr val="bg1"/>
-                </a:solidFill>
-                <a:latin typeface="Arial Black" panose="020B0A04020102020204" pitchFamily="34" charset="0"/>
-              </a:rPr>
-            </a:br>
-            <a:br>
-              <a:rPr lang="en-US" b="1" dirty="0">
-                <a:solidFill>
-                  <a:schemeClr val="bg1"/>
-                </a:solidFill>
-                <a:latin typeface="Arial Black" panose="020B0A04020102020204" pitchFamily="34" charset="0"/>
-              </a:rPr>
-            </a:br>
-            <a:br>
-              <a:rPr lang="en-US" b="1" dirty="0">
-                <a:solidFill>
-                  <a:schemeClr val="bg1"/>
-                </a:solidFill>
-                <a:latin typeface="Arial Black" panose="020B0A04020102020204" pitchFamily="34" charset="0"/>
-              </a:rPr>
-            </a:br>
-            <a:br>
-              <a:rPr lang="en-US" b="1" dirty="0">
-                <a:solidFill>
-                  <a:schemeClr val="bg1"/>
-                </a:solidFill>
-                <a:latin typeface="Arial Black" panose="020B0A04020102020204" pitchFamily="34" charset="0"/>
-              </a:rPr>
-            </a:br>
-            <a:r>
-              <a:rPr lang="en-US" b="1" dirty="0" err="1">
-                <a:solidFill>
-                  <a:schemeClr val="bg1"/>
-                </a:solidFill>
-                <a:latin typeface="Arial Black" panose="020B0A04020102020204" pitchFamily="34" charset="0"/>
-              </a:rPr>
-              <a:t>kasih</a:t>
-            </a:r>
-            <a:endParaRPr lang="en-US" b="1" dirty="0">
-              <a:solidFill>
-                <a:schemeClr val="bg1"/>
-              </a:solidFill>
-              <a:latin typeface="Arial Black" panose="020B0A04020102020204" pitchFamily="34" charset="0"/>
-            </a:endParaRPr>
-          </a:p>
-        </p:txBody>
-      </p:sp>
-    </p:spTree>
-    <p:extLst>
-      <p:ext uri="{BB962C8B-B14F-4D97-AF65-F5344CB8AC3E}">
-        <p14:creationId xmlns:p14="http://schemas.microsoft.com/office/powerpoint/2010/main" val="4210098054"/>
-      </p:ext>
-    </p:extLst>
-  </p:cSld>
-  <p:clrMapOvr>
-    <a:masterClrMapping/>
-  </p:clrMapOvr>
-</p:sld>
-</file>
-
-<file path=ppt/slides/slide31.xml><?xml version="1.0" encoding="utf-8"?>
-<p:sld xmlns:a="http://schemas.openxmlformats.org/drawingml/2006/main" xmlns:r="http://schemas.openxmlformats.org/officeDocument/2006/relationships" xmlns:p="http://schemas.openxmlformats.org/presentationml/2006/main">
-  <p:cSld>
-    <p:spTree>
-      <p:nvGrpSpPr>
-        <p:cNvPr id="1" name=""/>
-        <p:cNvGrpSpPr/>
-        <p:nvPr/>
-      </p:nvGrpSpPr>
-      <p:grpSpPr>
-        <a:xfrm>
-          <a:off x="0" y="0"/>
-          <a:ext cx="0" cy="0"/>
-          <a:chOff x="0" y="0"/>
-          <a:chExt cx="0" cy="0"/>
-        </a:xfrm>
-      </p:grpSpPr>
-      <p:pic>
-        <p:nvPicPr>
-          <p:cNvPr id="6" name="Picture 2" descr="Youtube Play Logo transparent PNG - StickPNG">
-            <a:extLst>
-              <a:ext uri="{FF2B5EF4-FFF2-40B4-BE49-F238E27FC236}">
-                <a16:creationId xmlns:a16="http://schemas.microsoft.com/office/drawing/2014/main" id="{238F19CC-BA88-4A50-9DF4-5F8BC18682B6}"/>
-              </a:ext>
-            </a:extLst>
-          </p:cNvPr>
-          <p:cNvPicPr>
-            <a:picLocks noChangeAspect="1" noChangeArrowheads="1"/>
-          </p:cNvPicPr>
-          <p:nvPr/>
-        </p:nvPicPr>
-        <p:blipFill>
-          <a:blip r:embed="rId2">
-            <a:extLst>
-              <a:ext uri="{28A0092B-C50C-407E-A947-70E740481C1C}">
-                <a14:useLocalDpi xmlns:a14="http://schemas.microsoft.com/office/drawing/2010/main" val="0"/>
-              </a:ext>
-            </a:extLst>
-          </a:blip>
-          <a:srcRect/>
-          <a:stretch>
-            <a:fillRect/>
-          </a:stretch>
-        </p:blipFill>
-        <p:spPr bwMode="auto">
-          <a:xfrm>
-            <a:off x="2752090" y="1082275"/>
-            <a:ext cx="6675120" cy="4693449"/>
-          </a:xfrm>
-          <a:prstGeom prst="rect">
-            <a:avLst/>
-          </a:prstGeom>
-          <a:ln>
-            <a:noFill/>
-          </a:ln>
-          <a:effectLst>
-            <a:outerShdw blurRad="190500" algn="tl" rotWithShape="0">
-              <a:srgbClr val="000000">
-                <a:alpha val="70000"/>
-              </a:srgbClr>
-            </a:outerShdw>
-          </a:effectLst>
-          <a:extLst>
-            <a:ext uri="{909E8E84-426E-40DD-AFC4-6F175D3DCCD1}">
-              <a14:hiddenFill xmlns:a14="http://schemas.microsoft.com/office/drawing/2010/main">
-                <a:solidFill>
-                  <a:srgbClr val="FFFFFF"/>
-                </a:solidFill>
-              </a14:hiddenFill>
-            </a:ext>
-          </a:extLst>
-        </p:spPr>
-      </p:pic>
-      <p:sp>
-        <p:nvSpPr>
-          <p:cNvPr id="2" name="Title 1">
-            <a:extLst>
-              <a:ext uri="{FF2B5EF4-FFF2-40B4-BE49-F238E27FC236}">
-                <a16:creationId xmlns:a16="http://schemas.microsoft.com/office/drawing/2014/main" id="{CC3B2EF0-00A7-474A-A7EC-8776DCE92D42}"/>
-              </a:ext>
-            </a:extLst>
-          </p:cNvPr>
-          <p:cNvSpPr>
-            <a:spLocks noGrp="1"/>
-          </p:cNvSpPr>
-          <p:nvPr>
-            <p:ph type="title"/>
-          </p:nvPr>
-        </p:nvSpPr>
-        <p:spPr>
-          <a:xfrm>
-            <a:off x="3002507" y="891203"/>
-            <a:ext cx="6127846" cy="4693449"/>
-          </a:xfrm>
-        </p:spPr>
-        <p:txBody>
-          <a:bodyPr>
-            <a:normAutofit/>
-          </a:bodyPr>
-          <a:lstStyle/>
-          <a:p>
-            <a:pPr algn="ctr"/>
-            <a:r>
-              <a:rPr lang="en-US" b="1" dirty="0">
-                <a:solidFill>
-                  <a:schemeClr val="bg1"/>
-                </a:solidFill>
-                <a:latin typeface="Arial Black" panose="020B0A04020102020204" pitchFamily="34" charset="0"/>
-              </a:rPr>
-              <a:t>Q</a:t>
-            </a:r>
-            <a:br>
-              <a:rPr lang="en-US" b="1" dirty="0">
-                <a:solidFill>
-                  <a:schemeClr val="bg1"/>
-                </a:solidFill>
-                <a:latin typeface="Arial Black" panose="020B0A04020102020204" pitchFamily="34" charset="0"/>
-              </a:rPr>
-            </a:br>
-            <a:br>
-              <a:rPr lang="en-US" b="1" dirty="0">
-                <a:solidFill>
-                  <a:schemeClr val="bg1"/>
-                </a:solidFill>
-                <a:latin typeface="Arial Black" panose="020B0A04020102020204" pitchFamily="34" charset="0"/>
-              </a:rPr>
-            </a:br>
-            <a:r>
-              <a:rPr lang="en-US" b="1" dirty="0">
-                <a:solidFill>
-                  <a:srgbClr val="E12A26"/>
-                </a:solidFill>
-                <a:latin typeface="Arial Black" panose="020B0A04020102020204" pitchFamily="34" charset="0"/>
-              </a:rPr>
-              <a:t>&amp;</a:t>
-            </a:r>
-            <a:br>
-              <a:rPr lang="en-US" b="1" dirty="0">
-                <a:solidFill>
-                  <a:schemeClr val="bg1"/>
-                </a:solidFill>
-                <a:latin typeface="Arial Black" panose="020B0A04020102020204" pitchFamily="34" charset="0"/>
-              </a:rPr>
-            </a:br>
-            <a:br>
-              <a:rPr lang="en-US" b="1" dirty="0">
-                <a:solidFill>
-                  <a:schemeClr val="bg1"/>
-                </a:solidFill>
-                <a:latin typeface="Arial Black" panose="020B0A04020102020204" pitchFamily="34" charset="0"/>
-              </a:rPr>
-            </a:br>
-            <a:r>
-              <a:rPr lang="en-US" b="1" dirty="0">
-                <a:solidFill>
-                  <a:schemeClr val="bg1"/>
-                </a:solidFill>
-                <a:latin typeface="Arial Black" panose="020B0A04020102020204" pitchFamily="34" charset="0"/>
-              </a:rPr>
-              <a:t>A</a:t>
-            </a:r>
-          </a:p>
-        </p:txBody>
-      </p:sp>
-    </p:spTree>
-    <p:extLst>
-      <p:ext uri="{BB962C8B-B14F-4D97-AF65-F5344CB8AC3E}">
-        <p14:creationId xmlns:p14="http://schemas.microsoft.com/office/powerpoint/2010/main" val="1210232270"/>
-      </p:ext>
-    </p:extLst>
-  </p:cSld>
-  <p:clrMapOvr>
-    <a:masterClrMapping/>
-  </p:clrMapOvr>
-</p:sld>
-</file>
-
-<file path=ppt/slides/slide4.xml><?xml version="1.0" encoding="utf-8"?>
+<file path=ppt/slides/slide5.xml><?xml version="1.0" encoding="utf-8"?>
 <p:sld xmlns:a="http://schemas.openxmlformats.org/drawingml/2006/main" xmlns:r="http://schemas.openxmlformats.org/officeDocument/2006/relationships" xmlns:p="http://schemas.openxmlformats.org/presentationml/2006/main">
   <p:cSld>
     <p:spTree>
@@ -15844,7 +17285,7 @@
 </p:sld>
 </file>
 
-<file path=ppt/slides/slide5.xml><?xml version="1.0" encoding="utf-8"?>
+<file path=ppt/slides/slide6.xml><?xml version="1.0" encoding="utf-8"?>
 <p:sld xmlns:a="http://schemas.openxmlformats.org/drawingml/2006/main" xmlns:r="http://schemas.openxmlformats.org/officeDocument/2006/relationships" xmlns:p="http://schemas.openxmlformats.org/presentationml/2006/main">
   <p:cSld>
     <p:spTree>
@@ -15964,7 +17405,7 @@
 </p:sld>
 </file>
 
-<file path=ppt/slides/slide6.xml><?xml version="1.0" encoding="utf-8"?>
+<file path=ppt/slides/slide7.xml><?xml version="1.0" encoding="utf-8"?>
 <p:sld xmlns:a="http://schemas.openxmlformats.org/drawingml/2006/main" xmlns:r="http://schemas.openxmlformats.org/officeDocument/2006/relationships" xmlns:p="http://schemas.openxmlformats.org/presentationml/2006/main">
   <p:cSld>
     <p:bg>
@@ -16313,7 +17754,7 @@
 </p:sld>
 </file>
 
-<file path=ppt/slides/slide7.xml><?xml version="1.0" encoding="utf-8"?>
+<file path=ppt/slides/slide8.xml><?xml version="1.0" encoding="utf-8"?>
 <p:sld xmlns:a="http://schemas.openxmlformats.org/drawingml/2006/main" xmlns:r="http://schemas.openxmlformats.org/officeDocument/2006/relationships" xmlns:p="http://schemas.openxmlformats.org/presentationml/2006/main">
   <p:cSld>
     <p:spTree>
@@ -16532,7 +17973,7 @@
 </p:sld>
 </file>
 
-<file path=ppt/slides/slide8.xml><?xml version="1.0" encoding="utf-8"?>
+<file path=ppt/slides/slide9.xml><?xml version="1.0" encoding="utf-8"?>
 <p:sld xmlns:a="http://schemas.openxmlformats.org/drawingml/2006/main" xmlns:r="http://schemas.openxmlformats.org/officeDocument/2006/relationships" xmlns:p="http://schemas.openxmlformats.org/presentationml/2006/main">
   <p:cSld>
     <p:spTree>
@@ -16692,7 +18133,7 @@
           <a:p>
             <a:r>
               <a:rPr lang="en-US" dirty="0"/>
-              <a:t>Scraping file yang </a:t>
+              <a:t>Crawling file yang </a:t>
             </a:r>
             <a:r>
               <a:rPr lang="en-US" dirty="0" err="1"/>
@@ -16790,7 +18231,15 @@
             </a:r>
             <a:r>
               <a:rPr lang="en-US" dirty="0"/>
-              <a:t> channel.</a:t>
+              <a:t> channel </a:t>
+            </a:r>
+            <a:r>
+              <a:rPr lang="en-US" dirty="0" err="1"/>
+              <a:t>melalui</a:t>
+            </a:r>
+            <a:r>
+              <a:rPr lang="en-US" dirty="0"/>
+              <a:t> API.</a:t>
             </a:r>
           </a:p>
         </p:txBody>
@@ -16799,355 +18248,6 @@
     <p:extLst>
       <p:ext uri="{BB962C8B-B14F-4D97-AF65-F5344CB8AC3E}">
         <p14:creationId xmlns:p14="http://schemas.microsoft.com/office/powerpoint/2010/main" val="102243498"/>
-      </p:ext>
-    </p:extLst>
-  </p:cSld>
-  <p:clrMapOvr>
-    <a:masterClrMapping/>
-  </p:clrMapOvr>
-</p:sld>
-</file>
-
-<file path=ppt/slides/slide9.xml><?xml version="1.0" encoding="utf-8"?>
-<p:sld xmlns:a="http://schemas.openxmlformats.org/drawingml/2006/main" xmlns:r="http://schemas.openxmlformats.org/officeDocument/2006/relationships" xmlns:p="http://schemas.openxmlformats.org/presentationml/2006/main">
-  <p:cSld>
-    <p:bg>
-      <p:bgPr>
-        <a:solidFill>
-          <a:srgbClr val="E12A26"/>
-        </a:solidFill>
-        <a:effectLst/>
-      </p:bgPr>
-    </p:bg>
-    <p:spTree>
-      <p:nvGrpSpPr>
-        <p:cNvPr id="1" name=""/>
-        <p:cNvGrpSpPr/>
-        <p:nvPr/>
-      </p:nvGrpSpPr>
-      <p:grpSpPr>
-        <a:xfrm>
-          <a:off x="0" y="0"/>
-          <a:ext cx="0" cy="0"/>
-          <a:chOff x="0" y="0"/>
-          <a:chExt cx="0" cy="0"/>
-        </a:xfrm>
-      </p:grpSpPr>
-      <p:grpSp>
-        <p:nvGrpSpPr>
-          <p:cNvPr id="9" name="Group 8">
-            <a:extLst>
-              <a:ext uri="{FF2B5EF4-FFF2-40B4-BE49-F238E27FC236}">
-                <a16:creationId xmlns:a16="http://schemas.microsoft.com/office/drawing/2014/main" id="{DD30244D-AC86-4CA2-B3BA-0F18F147983B}"/>
-              </a:ext>
-            </a:extLst>
-          </p:cNvPr>
-          <p:cNvGrpSpPr/>
-          <p:nvPr/>
-        </p:nvGrpSpPr>
-        <p:grpSpPr>
-          <a:xfrm>
-            <a:off x="612967" y="1542197"/>
-            <a:ext cx="8703545" cy="4804012"/>
-            <a:chOff x="5481860" y="1383513"/>
-            <a:chExt cx="2849482" cy="2358189"/>
-          </a:xfrm>
-          <a:effectLst>
-            <a:outerShdw blurRad="50800" dist="38100" dir="8100000" algn="tr" rotWithShape="0">
-              <a:prstClr val="black">
-                <a:alpha val="40000"/>
-              </a:prstClr>
-            </a:outerShdw>
-          </a:effectLst>
-        </p:grpSpPr>
-        <p:sp>
-          <p:nvSpPr>
-            <p:cNvPr id="10" name="Isosceles Triangle 9">
-              <a:extLst>
-                <a:ext uri="{FF2B5EF4-FFF2-40B4-BE49-F238E27FC236}">
-                  <a16:creationId xmlns:a16="http://schemas.microsoft.com/office/drawing/2014/main" id="{F67A54EF-1D34-4508-9ADD-D0BD965F4ED1}"/>
-                </a:ext>
-              </a:extLst>
-            </p:cNvPr>
-            <p:cNvSpPr/>
-            <p:nvPr/>
-          </p:nvSpPr>
-          <p:spPr>
-            <a:xfrm rot="5400000">
-              <a:off x="5742023" y="1191008"/>
-              <a:ext cx="2358189" cy="2743200"/>
-            </a:xfrm>
-            <a:prstGeom prst="triangle">
-              <a:avLst/>
-            </a:prstGeom>
-            <a:solidFill>
-              <a:schemeClr val="bg1"/>
-            </a:solidFill>
-            <a:ln>
-              <a:noFill/>
-            </a:ln>
-          </p:spPr>
-          <p:style>
-            <a:lnRef idx="2">
-              <a:schemeClr val="accent1">
-                <a:shade val="50000"/>
-              </a:schemeClr>
-            </a:lnRef>
-            <a:fillRef idx="1">
-              <a:schemeClr val="accent1"/>
-            </a:fillRef>
-            <a:effectRef idx="0">
-              <a:schemeClr val="accent1"/>
-            </a:effectRef>
-            <a:fontRef idx="minor">
-              <a:schemeClr val="lt1"/>
-            </a:fontRef>
-          </p:style>
-          <p:txBody>
-            <a:bodyPr rtlCol="0" anchor="ctr"/>
-            <a:lstStyle/>
-            <a:p>
-              <a:pPr algn="ctr"/>
-              <a:endParaRPr lang="en-US"/>
-            </a:p>
-          </p:txBody>
-        </p:sp>
-        <p:sp>
-          <p:nvSpPr>
-            <p:cNvPr id="11" name="Isosceles Triangle 11">
-              <a:extLst>
-                <a:ext uri="{FF2B5EF4-FFF2-40B4-BE49-F238E27FC236}">
-                  <a16:creationId xmlns:a16="http://schemas.microsoft.com/office/drawing/2014/main" id="{78B0AD8C-EB2A-4235-A513-BB1697F82974}"/>
-                </a:ext>
-              </a:extLst>
-            </p:cNvPr>
-            <p:cNvSpPr/>
-            <p:nvPr/>
-          </p:nvSpPr>
-          <p:spPr>
-            <a:xfrm rot="17274967">
-              <a:off x="6773477" y="609285"/>
-              <a:ext cx="266247" cy="2849482"/>
-            </a:xfrm>
-            <a:custGeom>
-              <a:avLst/>
-              <a:gdLst>
-                <a:gd name="connsiteX0" fmla="*/ 0 w 259112"/>
-                <a:gd name="connsiteY0" fmla="*/ 2830008 h 2830008"/>
-                <a:gd name="connsiteX1" fmla="*/ 129556 w 259112"/>
-                <a:gd name="connsiteY1" fmla="*/ 0 h 2830008"/>
-                <a:gd name="connsiteX2" fmla="*/ 259112 w 259112"/>
-                <a:gd name="connsiteY2" fmla="*/ 2830008 h 2830008"/>
-                <a:gd name="connsiteX3" fmla="*/ 0 w 259112"/>
-                <a:gd name="connsiteY3" fmla="*/ 2830008 h 2830008"/>
-                <a:gd name="connsiteX0" fmla="*/ 0 w 261691"/>
-                <a:gd name="connsiteY0" fmla="*/ 2830008 h 2966361"/>
-                <a:gd name="connsiteX1" fmla="*/ 129556 w 261691"/>
-                <a:gd name="connsiteY1" fmla="*/ 0 h 2966361"/>
-                <a:gd name="connsiteX2" fmla="*/ 261691 w 261691"/>
-                <a:gd name="connsiteY2" fmla="*/ 2966361 h 2966361"/>
-                <a:gd name="connsiteX3" fmla="*/ 0 w 261691"/>
-                <a:gd name="connsiteY3" fmla="*/ 2830008 h 2966361"/>
-                <a:gd name="connsiteX0" fmla="*/ 0 w 260640"/>
-                <a:gd name="connsiteY0" fmla="*/ 2744820 h 2966361"/>
-                <a:gd name="connsiteX1" fmla="*/ 128505 w 260640"/>
-                <a:gd name="connsiteY1" fmla="*/ 0 h 2966361"/>
-                <a:gd name="connsiteX2" fmla="*/ 260640 w 260640"/>
-                <a:gd name="connsiteY2" fmla="*/ 2966361 h 2966361"/>
-                <a:gd name="connsiteX3" fmla="*/ 0 w 260640"/>
-                <a:gd name="connsiteY3" fmla="*/ 2744820 h 2966361"/>
-                <a:gd name="connsiteX0" fmla="*/ 0 w 257812"/>
-                <a:gd name="connsiteY0" fmla="*/ 2690357 h 2966361"/>
-                <a:gd name="connsiteX1" fmla="*/ 125677 w 257812"/>
-                <a:gd name="connsiteY1" fmla="*/ 0 h 2966361"/>
-                <a:gd name="connsiteX2" fmla="*/ 257812 w 257812"/>
-                <a:gd name="connsiteY2" fmla="*/ 2966361 h 2966361"/>
-                <a:gd name="connsiteX3" fmla="*/ 0 w 257812"/>
-                <a:gd name="connsiteY3" fmla="*/ 2690357 h 2966361"/>
-                <a:gd name="connsiteX0" fmla="*/ 0 w 266247"/>
-                <a:gd name="connsiteY0" fmla="*/ 2690357 h 2969359"/>
-                <a:gd name="connsiteX1" fmla="*/ 125677 w 266247"/>
-                <a:gd name="connsiteY1" fmla="*/ 0 h 2969359"/>
-                <a:gd name="connsiteX2" fmla="*/ 266247 w 266247"/>
-                <a:gd name="connsiteY2" fmla="*/ 2969359 h 2969359"/>
-                <a:gd name="connsiteX3" fmla="*/ 0 w 266247"/>
-                <a:gd name="connsiteY3" fmla="*/ 2690357 h 2969359"/>
-              </a:gdLst>
-              <a:ahLst/>
-              <a:cxnLst>
-                <a:cxn ang="0">
-                  <a:pos x="connsiteX0" y="connsiteY0"/>
-                </a:cxn>
-                <a:cxn ang="0">
-                  <a:pos x="connsiteX1" y="connsiteY1"/>
-                </a:cxn>
-                <a:cxn ang="0">
-                  <a:pos x="connsiteX2" y="connsiteY2"/>
-                </a:cxn>
-                <a:cxn ang="0">
-                  <a:pos x="connsiteX3" y="connsiteY3"/>
-                </a:cxn>
-              </a:cxnLst>
-              <a:rect l="l" t="t" r="r" b="b"/>
-              <a:pathLst>
-                <a:path w="266247" h="2969359">
-                  <a:moveTo>
-                    <a:pt x="0" y="2690357"/>
-                  </a:moveTo>
-                  <a:lnTo>
-                    <a:pt x="125677" y="0"/>
-                  </a:lnTo>
-                  <a:lnTo>
-                    <a:pt x="266247" y="2969359"/>
-                  </a:lnTo>
-                  <a:lnTo>
-                    <a:pt x="0" y="2690357"/>
-                  </a:lnTo>
-                  <a:close/>
-                </a:path>
-              </a:pathLst>
-            </a:custGeom>
-            <a:solidFill>
-              <a:schemeClr val="bg2"/>
-            </a:solidFill>
-            <a:ln>
-              <a:noFill/>
-            </a:ln>
-          </p:spPr>
-          <p:style>
-            <a:lnRef idx="2">
-              <a:schemeClr val="accent1">
-                <a:shade val="50000"/>
-              </a:schemeClr>
-            </a:lnRef>
-            <a:fillRef idx="1">
-              <a:schemeClr val="accent1"/>
-            </a:fillRef>
-            <a:effectRef idx="0">
-              <a:schemeClr val="accent1"/>
-            </a:effectRef>
-            <a:fontRef idx="minor">
-              <a:schemeClr val="lt1"/>
-            </a:fontRef>
-          </p:style>
-          <p:txBody>
-            <a:bodyPr rtlCol="0" anchor="ctr"/>
-            <a:lstStyle/>
-            <a:p>
-              <a:pPr algn="ctr"/>
-              <a:endParaRPr lang="en-US"/>
-            </a:p>
-          </p:txBody>
-        </p:sp>
-      </p:grpSp>
-      <p:sp>
-        <p:nvSpPr>
-          <p:cNvPr id="2" name="Title 1">
-            <a:extLst>
-              <a:ext uri="{FF2B5EF4-FFF2-40B4-BE49-F238E27FC236}">
-                <a16:creationId xmlns:a16="http://schemas.microsoft.com/office/drawing/2014/main" id="{B5905A8A-5A40-4D84-B02E-D3A0075C3F37}"/>
-              </a:ext>
-            </a:extLst>
-          </p:cNvPr>
-          <p:cNvSpPr>
-            <a:spLocks noGrp="1"/>
-          </p:cNvSpPr>
-          <p:nvPr>
-            <p:ph type="title"/>
-          </p:nvPr>
-        </p:nvSpPr>
-        <p:spPr/>
-        <p:txBody>
-          <a:bodyPr/>
-          <a:lstStyle/>
-          <a:p>
-            <a:r>
-              <a:rPr kumimoji="0" lang="en-US" sz="7200" b="1" i="0" u="none" strike="noStrike" kern="1200" cap="none" spc="0" normalizeH="0" baseline="0" noProof="0" dirty="0" err="1">
-                <a:ln>
-                  <a:noFill/>
-                </a:ln>
-                <a:solidFill>
-                  <a:srgbClr val="E12A26"/>
-                </a:solidFill>
-                <a:effectLst>
-                  <a:outerShdw blurRad="50800" dist="114300" dir="8100000" algn="tr" rotWithShape="0">
-                    <a:prstClr val="black">
-                      <a:alpha val="40000"/>
-                    </a:prstClr>
-                  </a:outerShdw>
-                </a:effectLst>
-                <a:uLnTx/>
-                <a:uFillTx/>
-                <a:latin typeface="Open sans"/>
-                <a:ea typeface="+mj-ea"/>
-                <a:cs typeface="+mj-cs"/>
-              </a:rPr>
-              <a:t>Visualisasi</a:t>
-            </a:r>
-            <a:endParaRPr lang="en-US" dirty="0">
-              <a:solidFill>
-                <a:srgbClr val="E12A26"/>
-              </a:solidFill>
-            </a:endParaRPr>
-          </a:p>
-        </p:txBody>
-      </p:sp>
-      <p:sp>
-        <p:nvSpPr>
-          <p:cNvPr id="5" name="Rectangle 4">
-            <a:extLst>
-              <a:ext uri="{FF2B5EF4-FFF2-40B4-BE49-F238E27FC236}">
-                <a16:creationId xmlns:a16="http://schemas.microsoft.com/office/drawing/2014/main" id="{B547C023-B880-473B-95CD-17742EAD9007}"/>
-              </a:ext>
-            </a:extLst>
-          </p:cNvPr>
-          <p:cNvSpPr/>
-          <p:nvPr/>
-        </p:nvSpPr>
-        <p:spPr>
-          <a:xfrm>
-            <a:off x="338483" y="254882"/>
-            <a:ext cx="11515034" cy="6348236"/>
-          </a:xfrm>
-          <a:prstGeom prst="rect">
-            <a:avLst/>
-          </a:prstGeom>
-          <a:noFill/>
-          <a:ln w="76200">
-            <a:solidFill>
-              <a:srgbClr val="FFC000"/>
-            </a:solidFill>
-          </a:ln>
-        </p:spPr>
-        <p:style>
-          <a:lnRef idx="2">
-            <a:schemeClr val="accent1">
-              <a:shade val="50000"/>
-            </a:schemeClr>
-          </a:lnRef>
-          <a:fillRef idx="1">
-            <a:schemeClr val="accent1"/>
-          </a:fillRef>
-          <a:effectRef idx="0">
-            <a:schemeClr val="accent1"/>
-          </a:effectRef>
-          <a:fontRef idx="minor">
-            <a:schemeClr val="lt1"/>
-          </a:fontRef>
-        </p:style>
-        <p:txBody>
-          <a:bodyPr rtlCol="0" anchor="ctr"/>
-          <a:lstStyle/>
-          <a:p>
-            <a:pPr algn="ctr"/>
-            <a:endParaRPr lang="en-US"/>
-          </a:p>
-        </p:txBody>
-      </p:sp>
-    </p:spTree>
-    <p:extLst>
-      <p:ext uri="{BB962C8B-B14F-4D97-AF65-F5344CB8AC3E}">
-        <p14:creationId xmlns:p14="http://schemas.microsoft.com/office/powerpoint/2010/main" val="3781572194"/>
       </p:ext>
     </p:extLst>
   </p:cSld>
